--- a/B-Tech III-II CS Email-Spoofing-Instance/Presentation.pptx
+++ b/B-Tech III-II CS Email-Spoofing-Instance/Presentation.pptx
@@ -8,6 +8,12 @@
     <p:sldId id="257" r:id="rId2"/>
     <p:sldId id="258" r:id="rId3"/>
     <p:sldId id="259" r:id="rId4"/>
+    <p:sldId id="260" r:id="rId5"/>
+    <p:sldId id="261" r:id="rId6"/>
+    <p:sldId id="262" r:id="rId7"/>
+    <p:sldId id="263" r:id="rId8"/>
+    <p:sldId id="264" r:id="rId9"/>
+    <p:sldId id="265" r:id="rId10"/>
   </p:sldIdLst>
   <p:sldSz cx="12192000" cy="6858000"/>
   <p:notesSz cx="6858000" cy="9144000"/>
@@ -106,6 +112,11 @@
       </a:defRPr>
     </a:lvl9pPr>
   </p:defaultTextStyle>
+  <p:extLst>
+    <p:ext uri="{EFAFB233-063F-42B5-8137-9DF3F51BA10A}">
+      <p15:sldGuideLst xmlns:p15="http://schemas.microsoft.com/office/powerpoint/2012/main"/>
+    </p:ext>
+  </p:extLst>
 </p:presentation>
 </file>
 
@@ -4026,13 +4037,13 @@
   <p:clrMapOvr>
     <a:masterClrMapping/>
   </p:clrMapOvr>
-  <mc:AlternateContent xmlns:mc="http://schemas.openxmlformats.org/markup-compatibility/2006">
-    <mc:Choice xmlns:p14="http://schemas.microsoft.com/office/powerpoint/2010/main" Requires="p14">
+  <mc:AlternateContent xmlns:mc="http://schemas.openxmlformats.org/markup-compatibility/2006" xmlns:p14="http://schemas.microsoft.com/office/powerpoint/2010/main">
+    <mc:Choice Requires="p14">
       <p:transition spd="slow" p14:dur="1200">
         <p:push dir="u"/>
       </p:transition>
     </mc:Choice>
-    <mc:Fallback>
+    <mc:Fallback xmlns="">
       <p:transition spd="slow">
         <p:push dir="u"/>
       </p:transition>
@@ -4634,7 +4645,7 @@
                                     </p:set>
                                     <p:animEffect transition="in" filter="wipe(left)">
                                       <p:cBhvr>
-                                        <p:cTn id="7" dur="2000"/>
+                                        <p:cTn id="7" dur="1250"/>
                                         <p:tgtEl>
                                           <p:spTgt spid="3"/>
                                         </p:tgtEl>
@@ -5132,6 +5143,371 @@
           </a:p>
         </p:txBody>
       </p:sp>
+      <p:sp>
+        <p:nvSpPr>
+          <p:cNvPr id="3" name="Title 1">
+            <a:extLst>
+              <a:ext uri="{FF2B5EF4-FFF2-40B4-BE49-F238E27FC236}">
+                <a16:creationId xmlns:a16="http://schemas.microsoft.com/office/drawing/2014/main" id="{1355EB35-5B97-E5C3-07C0-AA11353ADBBB}"/>
+              </a:ext>
+            </a:extLst>
+          </p:cNvPr>
+          <p:cNvSpPr txBox="1">
+            <a:spLocks/>
+          </p:cNvSpPr>
+          <p:nvPr/>
+        </p:nvSpPr>
+        <p:spPr>
+          <a:xfrm>
+            <a:off x="300866" y="778617"/>
+            <a:ext cx="8469508" cy="745383"/>
+          </a:xfrm>
+          <a:prstGeom prst="rect">
+            <a:avLst/>
+          </a:prstGeom>
+        </p:spPr>
+        <p:txBody>
+          <a:bodyPr>
+            <a:noAutofit/>
+          </a:bodyPr>
+          <a:lstStyle>
+            <a:lvl1pPr algn="l" defTabSz="914400" rtl="0" eaLnBrk="1" latinLnBrk="0" hangingPunct="1">
+              <a:lnSpc>
+                <a:spcPct val="85000"/>
+              </a:lnSpc>
+              <a:spcBef>
+                <a:spcPct val="0"/>
+              </a:spcBef>
+              <a:buNone/>
+              <a:defRPr sz="4800" kern="1200" spc="-50" baseline="0">
+                <a:solidFill>
+                  <a:schemeClr val="tx1">
+                    <a:lumMod val="75000"/>
+                    <a:lumOff val="25000"/>
+                  </a:schemeClr>
+                </a:solidFill>
+                <a:latin typeface="+mj-lt"/>
+                <a:ea typeface="+mj-ea"/>
+                <a:cs typeface="+mj-cs"/>
+              </a:defRPr>
+            </a:lvl1pPr>
+          </a:lstStyle>
+          <a:p>
+            <a:r>
+              <a:rPr lang="en-US" i="1" dirty="0">
+                <a:latin typeface="Roboto Mono" panose="020F0502020204030204" pitchFamily="49" charset="0"/>
+                <a:ea typeface="Roboto Mono" panose="020F0502020204030204" pitchFamily="49" charset="0"/>
+                <a:cs typeface="Roboto Mono" panose="020F0502020204030204" pitchFamily="49" charset="0"/>
+              </a:rPr>
+              <a:t>How Does It Work?</a:t>
+            </a:r>
+            <a:endParaRPr lang="en-IN" dirty="0">
+              <a:latin typeface="Roboto Mono" panose="020F0502020204030204" pitchFamily="49" charset="0"/>
+              <a:ea typeface="Roboto Mono" panose="020F0502020204030204" pitchFamily="49" charset="0"/>
+              <a:cs typeface="Roboto Mono" panose="020F0502020204030204" pitchFamily="49" charset="0"/>
+            </a:endParaRPr>
+          </a:p>
+        </p:txBody>
+      </p:sp>
+      <p:sp>
+        <p:nvSpPr>
+          <p:cNvPr id="5" name="Rectangle 1">
+            <a:extLst>
+              <a:ext uri="{FF2B5EF4-FFF2-40B4-BE49-F238E27FC236}">
+                <a16:creationId xmlns:a16="http://schemas.microsoft.com/office/drawing/2014/main" id="{BA4C87B6-9EA6-5C47-D8BD-C6A75FB9D480}"/>
+              </a:ext>
+            </a:extLst>
+          </p:cNvPr>
+          <p:cNvSpPr>
+            <a:spLocks noChangeArrowheads="1"/>
+          </p:cNvSpPr>
+          <p:nvPr/>
+        </p:nvSpPr>
+        <p:spPr bwMode="auto">
+          <a:xfrm>
+            <a:off x="4870902" y="2031756"/>
+            <a:ext cx="7389924" cy="3301622"/>
+          </a:xfrm>
+          <a:prstGeom prst="rect">
+            <a:avLst/>
+          </a:prstGeom>
+        </p:spPr>
+        <p:txBody>
+          <a:bodyPr>
+            <a:noAutofit/>
+          </a:bodyPr>
+          <a:lstStyle/>
+          <a:p>
+            <a:pPr marL="571500" indent="-571500" defTabSz="914400">
+              <a:lnSpc>
+                <a:spcPct val="150000"/>
+              </a:lnSpc>
+              <a:spcBef>
+                <a:spcPts val="1200"/>
+              </a:spcBef>
+              <a:buFont typeface="Wingdings" panose="05000000000000000000" pitchFamily="2" charset="2"/>
+              <a:buChar char="Ø"/>
+            </a:pPr>
+            <a:r>
+              <a:rPr lang="en-US" altLang="en-US" sz="2400" i="1" spc="-50" dirty="0">
+                <a:solidFill>
+                  <a:schemeClr val="tx1">
+                    <a:lumMod val="75000"/>
+                    <a:lumOff val="25000"/>
+                  </a:schemeClr>
+                </a:solidFill>
+                <a:latin typeface="Roboto Mono" panose="020F0502020204030204" pitchFamily="49" charset="0"/>
+                <a:ea typeface="Roboto Mono" panose="020F0502020204030204" pitchFamily="49" charset="0"/>
+                <a:cs typeface="Roboto Mono" panose="020F0502020204030204" pitchFamily="49" charset="0"/>
+              </a:rPr>
+              <a:t>Emails are text-based: headers + body</a:t>
+            </a:r>
+          </a:p>
+          <a:p>
+            <a:pPr marL="571500" indent="-571500" defTabSz="914400">
+              <a:lnSpc>
+                <a:spcPct val="150000"/>
+              </a:lnSpc>
+              <a:spcBef>
+                <a:spcPts val="1200"/>
+              </a:spcBef>
+              <a:buFont typeface="Wingdings" panose="05000000000000000000" pitchFamily="2" charset="2"/>
+              <a:buChar char="Ø"/>
+            </a:pPr>
+            <a:r>
+              <a:rPr lang="en-US" altLang="en-US" sz="2400" i="1" spc="-50" dirty="0">
+                <a:solidFill>
+                  <a:schemeClr val="tx1">
+                    <a:lumMod val="75000"/>
+                    <a:lumOff val="25000"/>
+                  </a:schemeClr>
+                </a:solidFill>
+                <a:latin typeface="Roboto Mono" panose="020F0502020204030204" pitchFamily="49" charset="0"/>
+                <a:ea typeface="Roboto Mono" panose="020F0502020204030204" pitchFamily="49" charset="0"/>
+                <a:cs typeface="Roboto Mono" panose="020F0502020204030204" pitchFamily="49" charset="0"/>
+              </a:rPr>
+              <a:t>Attackers change the “From” header</a:t>
+            </a:r>
+          </a:p>
+          <a:p>
+            <a:pPr marL="571500" indent="-571500" defTabSz="914400">
+              <a:lnSpc>
+                <a:spcPct val="150000"/>
+              </a:lnSpc>
+              <a:spcBef>
+                <a:spcPts val="1200"/>
+              </a:spcBef>
+              <a:buFont typeface="Wingdings" panose="05000000000000000000" pitchFamily="2" charset="2"/>
+              <a:buChar char="Ø"/>
+            </a:pPr>
+            <a:r>
+              <a:rPr lang="en-US" altLang="en-US" sz="2400" i="1" spc="-50" dirty="0">
+                <a:solidFill>
+                  <a:schemeClr val="tx1">
+                    <a:lumMod val="75000"/>
+                    <a:lumOff val="25000"/>
+                  </a:schemeClr>
+                </a:solidFill>
+                <a:latin typeface="Roboto Mono" panose="020F0502020204030204" pitchFamily="49" charset="0"/>
+                <a:ea typeface="Roboto Mono" panose="020F0502020204030204" pitchFamily="49" charset="0"/>
+                <a:cs typeface="Roboto Mono" panose="020F0502020204030204" pitchFamily="49" charset="0"/>
+              </a:rPr>
+              <a:t>SMTP doesn't verify sender identity</a:t>
+            </a:r>
+          </a:p>
+          <a:p>
+            <a:pPr marL="571500" indent="-571500" defTabSz="914400">
+              <a:lnSpc>
+                <a:spcPct val="150000"/>
+              </a:lnSpc>
+              <a:spcBef>
+                <a:spcPts val="1200"/>
+              </a:spcBef>
+              <a:buFont typeface="Wingdings" panose="05000000000000000000" pitchFamily="2" charset="2"/>
+              <a:buChar char="Ø"/>
+            </a:pPr>
+            <a:r>
+              <a:rPr lang="en-US" altLang="en-US" sz="2400" i="1" spc="-50" dirty="0">
+                <a:solidFill>
+                  <a:schemeClr val="tx1">
+                    <a:lumMod val="75000"/>
+                    <a:lumOff val="25000"/>
+                  </a:schemeClr>
+                </a:solidFill>
+                <a:latin typeface="Roboto Mono" panose="020F0502020204030204" pitchFamily="49" charset="0"/>
+                <a:ea typeface="Roboto Mono" panose="020F0502020204030204" pitchFamily="49" charset="0"/>
+                <a:cs typeface="Roboto Mono" panose="020F0502020204030204" pitchFamily="49" charset="0"/>
+              </a:rPr>
+              <a:t>Looks legit in inbox</a:t>
+            </a:r>
+          </a:p>
+        </p:txBody>
+      </p:sp>
+      <p:pic>
+        <p:nvPicPr>
+          <p:cNvPr id="7" name="Picture 6">
+            <a:extLst>
+              <a:ext uri="{FF2B5EF4-FFF2-40B4-BE49-F238E27FC236}">
+                <a16:creationId xmlns:a16="http://schemas.microsoft.com/office/drawing/2014/main" id="{83F55299-20EA-9276-5C49-509A5135973E}"/>
+              </a:ext>
+            </a:extLst>
+          </p:cNvPr>
+          <p:cNvPicPr>
+            <a:picLocks noChangeAspect="1"/>
+          </p:cNvPicPr>
+          <p:nvPr/>
+        </p:nvPicPr>
+        <p:blipFill>
+          <a:blip r:embed="rId3"/>
+          <a:srcRect l="1" r="17075"/>
+          <a:stretch/>
+        </p:blipFill>
+        <p:spPr>
+          <a:xfrm>
+            <a:off x="63819" y="2031756"/>
+            <a:ext cx="4807083" cy="3155226"/>
+          </a:xfrm>
+          <a:prstGeom prst="rect">
+            <a:avLst/>
+          </a:prstGeom>
+        </p:spPr>
+      </p:pic>
+      <p:pic>
+        <p:nvPicPr>
+          <p:cNvPr id="9" name="Picture 8">
+            <a:extLst>
+              <a:ext uri="{FF2B5EF4-FFF2-40B4-BE49-F238E27FC236}">
+                <a16:creationId xmlns:a16="http://schemas.microsoft.com/office/drawing/2014/main" id="{B94D9CA3-9788-7B02-1E00-B5A865DF46B3}"/>
+              </a:ext>
+            </a:extLst>
+          </p:cNvPr>
+          <p:cNvPicPr>
+            <a:picLocks noChangeAspect="1"/>
+          </p:cNvPicPr>
+          <p:nvPr/>
+        </p:nvPicPr>
+        <p:blipFill>
+          <a:blip r:embed="rId4"/>
+          <a:stretch>
+            <a:fillRect/>
+          </a:stretch>
+        </p:blipFill>
+        <p:spPr>
+          <a:xfrm>
+            <a:off x="63818" y="2630751"/>
+            <a:ext cx="4807083" cy="1758233"/>
+          </a:xfrm>
+          <a:prstGeom prst="rect">
+            <a:avLst/>
+          </a:prstGeom>
+        </p:spPr>
+      </p:pic>
+      <p:pic>
+        <p:nvPicPr>
+          <p:cNvPr id="11" name="Picture 10">
+            <a:extLst>
+              <a:ext uri="{FF2B5EF4-FFF2-40B4-BE49-F238E27FC236}">
+                <a16:creationId xmlns:a16="http://schemas.microsoft.com/office/drawing/2014/main" id="{1E316661-E6ED-B43D-ED5A-845B1BC8D9E5}"/>
+              </a:ext>
+            </a:extLst>
+          </p:cNvPr>
+          <p:cNvPicPr>
+            <a:picLocks noChangeAspect="1"/>
+          </p:cNvPicPr>
+          <p:nvPr/>
+        </p:nvPicPr>
+        <p:blipFill>
+          <a:blip r:embed="rId5"/>
+          <a:stretch>
+            <a:fillRect/>
+          </a:stretch>
+        </p:blipFill>
+        <p:spPr>
+          <a:xfrm>
+            <a:off x="121738" y="1456695"/>
+            <a:ext cx="3430973" cy="2401739"/>
+          </a:xfrm>
+          <a:prstGeom prst="rect">
+            <a:avLst/>
+          </a:prstGeom>
+        </p:spPr>
+      </p:pic>
+      <p:pic>
+        <p:nvPicPr>
+          <p:cNvPr id="13" name="Picture 12">
+            <a:extLst>
+              <a:ext uri="{FF2B5EF4-FFF2-40B4-BE49-F238E27FC236}">
+                <a16:creationId xmlns:a16="http://schemas.microsoft.com/office/drawing/2014/main" id="{0274DE10-694C-7E92-DC27-FCED094A6E3D}"/>
+              </a:ext>
+            </a:extLst>
+          </p:cNvPr>
+          <p:cNvPicPr>
+            <a:picLocks noChangeAspect="1"/>
+          </p:cNvPicPr>
+          <p:nvPr/>
+        </p:nvPicPr>
+        <p:blipFill>
+          <a:blip r:embed="rId6"/>
+          <a:stretch>
+            <a:fillRect/>
+          </a:stretch>
+        </p:blipFill>
+        <p:spPr>
+          <a:xfrm>
+            <a:off x="944412" y="3055097"/>
+            <a:ext cx="3430392" cy="2401739"/>
+          </a:xfrm>
+          <a:prstGeom prst="rect">
+            <a:avLst/>
+          </a:prstGeom>
+        </p:spPr>
+      </p:pic>
+      <p:sp>
+        <p:nvSpPr>
+          <p:cNvPr id="14" name="TextBox 13">
+            <a:extLst>
+              <a:ext uri="{FF2B5EF4-FFF2-40B4-BE49-F238E27FC236}">
+                <a16:creationId xmlns:a16="http://schemas.microsoft.com/office/drawing/2014/main" id="{FB3B6AAD-B780-8C65-74B4-22036EE87844}"/>
+              </a:ext>
+            </a:extLst>
+          </p:cNvPr>
+          <p:cNvSpPr txBox="1"/>
+          <p:nvPr/>
+        </p:nvSpPr>
+        <p:spPr>
+          <a:xfrm>
+            <a:off x="8930640" y="4294066"/>
+            <a:ext cx="4084320" cy="461665"/>
+          </a:xfrm>
+          <a:prstGeom prst="rect">
+            <a:avLst/>
+          </a:prstGeom>
+          <a:noFill/>
+        </p:spPr>
+        <p:txBody>
+          <a:bodyPr wrap="square" rtlCol="0">
+            <a:spAutoFit/>
+          </a:bodyPr>
+          <a:lstStyle/>
+          <a:p>
+            <a:r>
+              <a:rPr lang="en-US" altLang="en-US" sz="2400" i="1" spc="-50" dirty="0">
+                <a:solidFill>
+                  <a:schemeClr val="tx1">
+                    <a:lumMod val="75000"/>
+                    <a:lumOff val="25000"/>
+                  </a:schemeClr>
+                </a:solidFill>
+                <a:latin typeface="Roboto Mono" panose="020F0502020204030204" pitchFamily="49" charset="0"/>
+                <a:ea typeface="Roboto Mono" panose="020F0502020204030204" pitchFamily="49" charset="0"/>
+                <a:cs typeface="Roboto Mono" panose="020F0502020204030204" pitchFamily="49" charset="0"/>
+              </a:rPr>
+              <a:t>, but it's fake</a:t>
+            </a:r>
+            <a:endParaRPr lang="en-IN" sz="2400" dirty="0"/>
+          </a:p>
+        </p:txBody>
+      </p:sp>
     </p:spTree>
     <p:extLst>
       <p:ext uri="{BB962C8B-B14F-4D97-AF65-F5344CB8AC3E}">
@@ -5142,6 +5518,5491 @@
   <p:clrMapOvr>
     <a:masterClrMapping/>
   </p:clrMapOvr>
+  <p:timing>
+    <p:tnLst>
+      <p:par>
+        <p:cTn id="1" dur="indefinite" restart="never" nodeType="tmRoot">
+          <p:childTnLst>
+            <p:seq concurrent="1" nextAc="seek">
+              <p:cTn id="2" dur="indefinite" nodeType="mainSeq">
+                <p:childTnLst>
+                  <p:par>
+                    <p:cTn id="3" fill="hold">
+                      <p:stCondLst>
+                        <p:cond delay="indefinite"/>
+                        <p:cond evt="onBegin" delay="0">
+                          <p:tn val="2"/>
+                        </p:cond>
+                      </p:stCondLst>
+                      <p:childTnLst>
+                        <p:par>
+                          <p:cTn id="4" fill="hold">
+                            <p:stCondLst>
+                              <p:cond delay="0"/>
+                            </p:stCondLst>
+                            <p:childTnLst>
+                              <p:par>
+                                <p:cTn id="5" presetID="22" presetClass="entr" presetSubtype="8" fill="hold" grpId="0" nodeType="withEffect">
+                                  <p:stCondLst>
+                                    <p:cond delay="0"/>
+                                  </p:stCondLst>
+                                  <p:childTnLst>
+                                    <p:set>
+                                      <p:cBhvr>
+                                        <p:cTn id="6" dur="1" fill="hold">
+                                          <p:stCondLst>
+                                            <p:cond delay="0"/>
+                                          </p:stCondLst>
+                                        </p:cTn>
+                                        <p:tgtEl>
+                                          <p:spTgt spid="3"/>
+                                        </p:tgtEl>
+                                        <p:attrNameLst>
+                                          <p:attrName>style.visibility</p:attrName>
+                                        </p:attrNameLst>
+                                      </p:cBhvr>
+                                      <p:to>
+                                        <p:strVal val="visible"/>
+                                      </p:to>
+                                    </p:set>
+                                    <p:animEffect transition="in" filter="wipe(left)">
+                                      <p:cBhvr>
+                                        <p:cTn id="7" dur="1250"/>
+                                        <p:tgtEl>
+                                          <p:spTgt spid="3"/>
+                                        </p:tgtEl>
+                                      </p:cBhvr>
+                                    </p:animEffect>
+                                  </p:childTnLst>
+                                </p:cTn>
+                              </p:par>
+                            </p:childTnLst>
+                          </p:cTn>
+                        </p:par>
+                      </p:childTnLst>
+                    </p:cTn>
+                  </p:par>
+                  <p:par>
+                    <p:cTn id="8" fill="hold">
+                      <p:stCondLst>
+                        <p:cond delay="indefinite"/>
+                      </p:stCondLst>
+                      <p:childTnLst>
+                        <p:par>
+                          <p:cTn id="9" fill="hold">
+                            <p:stCondLst>
+                              <p:cond delay="0"/>
+                            </p:stCondLst>
+                            <p:childTnLst>
+                              <p:par>
+                                <p:cTn id="10" presetID="10" presetClass="entr" presetSubtype="0" fill="hold" nodeType="clickEffect">
+                                  <p:stCondLst>
+                                    <p:cond delay="0"/>
+                                  </p:stCondLst>
+                                  <p:childTnLst>
+                                    <p:set>
+                                      <p:cBhvr>
+                                        <p:cTn id="11" dur="1" fill="hold">
+                                          <p:stCondLst>
+                                            <p:cond delay="0"/>
+                                          </p:stCondLst>
+                                        </p:cTn>
+                                        <p:tgtEl>
+                                          <p:spTgt spid="5">
+                                            <p:txEl>
+                                              <p:pRg st="0" end="0"/>
+                                            </p:txEl>
+                                          </p:spTgt>
+                                        </p:tgtEl>
+                                        <p:attrNameLst>
+                                          <p:attrName>style.visibility</p:attrName>
+                                        </p:attrNameLst>
+                                      </p:cBhvr>
+                                      <p:to>
+                                        <p:strVal val="visible"/>
+                                      </p:to>
+                                    </p:set>
+                                    <p:animEffect transition="in" filter="fade">
+                                      <p:cBhvr>
+                                        <p:cTn id="12" dur="500"/>
+                                        <p:tgtEl>
+                                          <p:spTgt spid="5">
+                                            <p:txEl>
+                                              <p:pRg st="0" end="0"/>
+                                            </p:txEl>
+                                          </p:spTgt>
+                                        </p:tgtEl>
+                                      </p:cBhvr>
+                                    </p:animEffect>
+                                  </p:childTnLst>
+                                </p:cTn>
+                              </p:par>
+                              <p:par>
+                                <p:cTn id="13" presetID="10" presetClass="entr" presetSubtype="0" fill="hold" nodeType="withEffect">
+                                  <p:stCondLst>
+                                    <p:cond delay="0"/>
+                                  </p:stCondLst>
+                                  <p:childTnLst>
+                                    <p:set>
+                                      <p:cBhvr>
+                                        <p:cTn id="14" dur="1" fill="hold">
+                                          <p:stCondLst>
+                                            <p:cond delay="0"/>
+                                          </p:stCondLst>
+                                        </p:cTn>
+                                        <p:tgtEl>
+                                          <p:spTgt spid="7"/>
+                                        </p:tgtEl>
+                                        <p:attrNameLst>
+                                          <p:attrName>style.visibility</p:attrName>
+                                        </p:attrNameLst>
+                                      </p:cBhvr>
+                                      <p:to>
+                                        <p:strVal val="visible"/>
+                                      </p:to>
+                                    </p:set>
+                                    <p:animEffect transition="in" filter="fade">
+                                      <p:cBhvr>
+                                        <p:cTn id="15" dur="500"/>
+                                        <p:tgtEl>
+                                          <p:spTgt spid="7"/>
+                                        </p:tgtEl>
+                                      </p:cBhvr>
+                                    </p:animEffect>
+                                  </p:childTnLst>
+                                </p:cTn>
+                              </p:par>
+                            </p:childTnLst>
+                          </p:cTn>
+                        </p:par>
+                      </p:childTnLst>
+                    </p:cTn>
+                  </p:par>
+                  <p:par>
+                    <p:cTn id="16" fill="hold">
+                      <p:stCondLst>
+                        <p:cond delay="indefinite"/>
+                      </p:stCondLst>
+                      <p:childTnLst>
+                        <p:par>
+                          <p:cTn id="17" fill="hold">
+                            <p:stCondLst>
+                              <p:cond delay="0"/>
+                            </p:stCondLst>
+                            <p:childTnLst>
+                              <p:par>
+                                <p:cTn id="18" presetID="10" presetClass="entr" presetSubtype="0" fill="hold" nodeType="clickEffect">
+                                  <p:stCondLst>
+                                    <p:cond delay="0"/>
+                                  </p:stCondLst>
+                                  <p:childTnLst>
+                                    <p:set>
+                                      <p:cBhvr>
+                                        <p:cTn id="19" dur="1" fill="hold">
+                                          <p:stCondLst>
+                                            <p:cond delay="0"/>
+                                          </p:stCondLst>
+                                        </p:cTn>
+                                        <p:tgtEl>
+                                          <p:spTgt spid="5">
+                                            <p:txEl>
+                                              <p:pRg st="1" end="1"/>
+                                            </p:txEl>
+                                          </p:spTgt>
+                                        </p:tgtEl>
+                                        <p:attrNameLst>
+                                          <p:attrName>style.visibility</p:attrName>
+                                        </p:attrNameLst>
+                                      </p:cBhvr>
+                                      <p:to>
+                                        <p:strVal val="visible"/>
+                                      </p:to>
+                                    </p:set>
+                                    <p:animEffect transition="in" filter="fade">
+                                      <p:cBhvr>
+                                        <p:cTn id="20" dur="500"/>
+                                        <p:tgtEl>
+                                          <p:spTgt spid="5">
+                                            <p:txEl>
+                                              <p:pRg st="1" end="1"/>
+                                            </p:txEl>
+                                          </p:spTgt>
+                                        </p:tgtEl>
+                                      </p:cBhvr>
+                                    </p:animEffect>
+                                  </p:childTnLst>
+                                </p:cTn>
+                              </p:par>
+                              <p:par>
+                                <p:cTn id="21" presetID="10" presetClass="exit" presetSubtype="0" fill="hold" nodeType="withEffect">
+                                  <p:stCondLst>
+                                    <p:cond delay="0"/>
+                                  </p:stCondLst>
+                                  <p:childTnLst>
+                                    <p:animEffect transition="out" filter="fade">
+                                      <p:cBhvr>
+                                        <p:cTn id="22" dur="500"/>
+                                        <p:tgtEl>
+                                          <p:spTgt spid="7"/>
+                                        </p:tgtEl>
+                                      </p:cBhvr>
+                                    </p:animEffect>
+                                    <p:set>
+                                      <p:cBhvr>
+                                        <p:cTn id="23" dur="1" fill="hold">
+                                          <p:stCondLst>
+                                            <p:cond delay="499"/>
+                                          </p:stCondLst>
+                                        </p:cTn>
+                                        <p:tgtEl>
+                                          <p:spTgt spid="7"/>
+                                        </p:tgtEl>
+                                        <p:attrNameLst>
+                                          <p:attrName>style.visibility</p:attrName>
+                                        </p:attrNameLst>
+                                      </p:cBhvr>
+                                      <p:to>
+                                        <p:strVal val="hidden"/>
+                                      </p:to>
+                                    </p:set>
+                                  </p:childTnLst>
+                                </p:cTn>
+                              </p:par>
+                              <p:par>
+                                <p:cTn id="24" presetID="10" presetClass="entr" presetSubtype="0" fill="hold" nodeType="withEffect">
+                                  <p:stCondLst>
+                                    <p:cond delay="0"/>
+                                  </p:stCondLst>
+                                  <p:childTnLst>
+                                    <p:set>
+                                      <p:cBhvr>
+                                        <p:cTn id="25" dur="1" fill="hold">
+                                          <p:stCondLst>
+                                            <p:cond delay="0"/>
+                                          </p:stCondLst>
+                                        </p:cTn>
+                                        <p:tgtEl>
+                                          <p:spTgt spid="9"/>
+                                        </p:tgtEl>
+                                        <p:attrNameLst>
+                                          <p:attrName>style.visibility</p:attrName>
+                                        </p:attrNameLst>
+                                      </p:cBhvr>
+                                      <p:to>
+                                        <p:strVal val="visible"/>
+                                      </p:to>
+                                    </p:set>
+                                    <p:animEffect transition="in" filter="fade">
+                                      <p:cBhvr>
+                                        <p:cTn id="26" dur="500"/>
+                                        <p:tgtEl>
+                                          <p:spTgt spid="9"/>
+                                        </p:tgtEl>
+                                      </p:cBhvr>
+                                    </p:animEffect>
+                                  </p:childTnLst>
+                                </p:cTn>
+                              </p:par>
+                            </p:childTnLst>
+                          </p:cTn>
+                        </p:par>
+                      </p:childTnLst>
+                    </p:cTn>
+                  </p:par>
+                  <p:par>
+                    <p:cTn id="27" fill="hold">
+                      <p:stCondLst>
+                        <p:cond delay="indefinite"/>
+                      </p:stCondLst>
+                      <p:childTnLst>
+                        <p:par>
+                          <p:cTn id="28" fill="hold">
+                            <p:stCondLst>
+                              <p:cond delay="0"/>
+                            </p:stCondLst>
+                            <p:childTnLst>
+                              <p:par>
+                                <p:cTn id="29" presetID="10" presetClass="entr" presetSubtype="0" fill="hold" nodeType="clickEffect">
+                                  <p:stCondLst>
+                                    <p:cond delay="0"/>
+                                  </p:stCondLst>
+                                  <p:childTnLst>
+                                    <p:set>
+                                      <p:cBhvr>
+                                        <p:cTn id="30" dur="1" fill="hold">
+                                          <p:stCondLst>
+                                            <p:cond delay="0"/>
+                                          </p:stCondLst>
+                                        </p:cTn>
+                                        <p:tgtEl>
+                                          <p:spTgt spid="5">
+                                            <p:txEl>
+                                              <p:pRg st="2" end="2"/>
+                                            </p:txEl>
+                                          </p:spTgt>
+                                        </p:tgtEl>
+                                        <p:attrNameLst>
+                                          <p:attrName>style.visibility</p:attrName>
+                                        </p:attrNameLst>
+                                      </p:cBhvr>
+                                      <p:to>
+                                        <p:strVal val="visible"/>
+                                      </p:to>
+                                    </p:set>
+                                    <p:animEffect transition="in" filter="fade">
+                                      <p:cBhvr>
+                                        <p:cTn id="31" dur="500"/>
+                                        <p:tgtEl>
+                                          <p:spTgt spid="5">
+                                            <p:txEl>
+                                              <p:pRg st="2" end="2"/>
+                                            </p:txEl>
+                                          </p:spTgt>
+                                        </p:tgtEl>
+                                      </p:cBhvr>
+                                    </p:animEffect>
+                                  </p:childTnLst>
+                                </p:cTn>
+                              </p:par>
+                            </p:childTnLst>
+                          </p:cTn>
+                        </p:par>
+                      </p:childTnLst>
+                    </p:cTn>
+                  </p:par>
+                  <p:par>
+                    <p:cTn id="32" fill="hold">
+                      <p:stCondLst>
+                        <p:cond delay="indefinite"/>
+                      </p:stCondLst>
+                      <p:childTnLst>
+                        <p:par>
+                          <p:cTn id="33" fill="hold">
+                            <p:stCondLst>
+                              <p:cond delay="0"/>
+                            </p:stCondLst>
+                            <p:childTnLst>
+                              <p:par>
+                                <p:cTn id="34" presetID="10" presetClass="entr" presetSubtype="0" fill="hold" nodeType="clickEffect">
+                                  <p:stCondLst>
+                                    <p:cond delay="0"/>
+                                  </p:stCondLst>
+                                  <p:childTnLst>
+                                    <p:set>
+                                      <p:cBhvr>
+                                        <p:cTn id="35" dur="1" fill="hold">
+                                          <p:stCondLst>
+                                            <p:cond delay="0"/>
+                                          </p:stCondLst>
+                                        </p:cTn>
+                                        <p:tgtEl>
+                                          <p:spTgt spid="5">
+                                            <p:txEl>
+                                              <p:pRg st="3" end="3"/>
+                                            </p:txEl>
+                                          </p:spTgt>
+                                        </p:tgtEl>
+                                        <p:attrNameLst>
+                                          <p:attrName>style.visibility</p:attrName>
+                                        </p:attrNameLst>
+                                      </p:cBhvr>
+                                      <p:to>
+                                        <p:strVal val="visible"/>
+                                      </p:to>
+                                    </p:set>
+                                    <p:animEffect transition="in" filter="fade">
+                                      <p:cBhvr>
+                                        <p:cTn id="36" dur="500"/>
+                                        <p:tgtEl>
+                                          <p:spTgt spid="5">
+                                            <p:txEl>
+                                              <p:pRg st="3" end="3"/>
+                                            </p:txEl>
+                                          </p:spTgt>
+                                        </p:tgtEl>
+                                      </p:cBhvr>
+                                    </p:animEffect>
+                                  </p:childTnLst>
+                                </p:cTn>
+                              </p:par>
+                              <p:par>
+                                <p:cTn id="37" presetID="10" presetClass="exit" presetSubtype="0" fill="hold" nodeType="withEffect">
+                                  <p:stCondLst>
+                                    <p:cond delay="0"/>
+                                  </p:stCondLst>
+                                  <p:childTnLst>
+                                    <p:animEffect transition="out" filter="fade">
+                                      <p:cBhvr>
+                                        <p:cTn id="38" dur="500"/>
+                                        <p:tgtEl>
+                                          <p:spTgt spid="9"/>
+                                        </p:tgtEl>
+                                      </p:cBhvr>
+                                    </p:animEffect>
+                                    <p:set>
+                                      <p:cBhvr>
+                                        <p:cTn id="39" dur="1" fill="hold">
+                                          <p:stCondLst>
+                                            <p:cond delay="499"/>
+                                          </p:stCondLst>
+                                        </p:cTn>
+                                        <p:tgtEl>
+                                          <p:spTgt spid="9"/>
+                                        </p:tgtEl>
+                                        <p:attrNameLst>
+                                          <p:attrName>style.visibility</p:attrName>
+                                        </p:attrNameLst>
+                                      </p:cBhvr>
+                                      <p:to>
+                                        <p:strVal val="hidden"/>
+                                      </p:to>
+                                    </p:set>
+                                  </p:childTnLst>
+                                </p:cTn>
+                              </p:par>
+                              <p:par>
+                                <p:cTn id="40" presetID="10" presetClass="entr" presetSubtype="0" fill="hold" nodeType="withEffect">
+                                  <p:stCondLst>
+                                    <p:cond delay="0"/>
+                                  </p:stCondLst>
+                                  <p:childTnLst>
+                                    <p:set>
+                                      <p:cBhvr>
+                                        <p:cTn id="41" dur="1" fill="hold">
+                                          <p:stCondLst>
+                                            <p:cond delay="0"/>
+                                          </p:stCondLst>
+                                        </p:cTn>
+                                        <p:tgtEl>
+                                          <p:spTgt spid="11"/>
+                                        </p:tgtEl>
+                                        <p:attrNameLst>
+                                          <p:attrName>style.visibility</p:attrName>
+                                        </p:attrNameLst>
+                                      </p:cBhvr>
+                                      <p:to>
+                                        <p:strVal val="visible"/>
+                                      </p:to>
+                                    </p:set>
+                                    <p:animEffect transition="in" filter="fade">
+                                      <p:cBhvr>
+                                        <p:cTn id="42" dur="500"/>
+                                        <p:tgtEl>
+                                          <p:spTgt spid="11"/>
+                                        </p:tgtEl>
+                                      </p:cBhvr>
+                                    </p:animEffect>
+                                  </p:childTnLst>
+                                </p:cTn>
+                              </p:par>
+                            </p:childTnLst>
+                          </p:cTn>
+                        </p:par>
+                      </p:childTnLst>
+                    </p:cTn>
+                  </p:par>
+                  <p:par>
+                    <p:cTn id="43" fill="hold">
+                      <p:stCondLst>
+                        <p:cond delay="indefinite"/>
+                      </p:stCondLst>
+                      <p:childTnLst>
+                        <p:par>
+                          <p:cTn id="44" fill="hold">
+                            <p:stCondLst>
+                              <p:cond delay="0"/>
+                            </p:stCondLst>
+                            <p:childTnLst>
+                              <p:par>
+                                <p:cTn id="45" presetID="10" presetClass="entr" presetSubtype="0" fill="hold" grpId="0" nodeType="clickEffect">
+                                  <p:stCondLst>
+                                    <p:cond delay="0"/>
+                                  </p:stCondLst>
+                                  <p:childTnLst>
+                                    <p:set>
+                                      <p:cBhvr>
+                                        <p:cTn id="46" dur="1" fill="hold">
+                                          <p:stCondLst>
+                                            <p:cond delay="0"/>
+                                          </p:stCondLst>
+                                        </p:cTn>
+                                        <p:tgtEl>
+                                          <p:spTgt spid="14"/>
+                                        </p:tgtEl>
+                                        <p:attrNameLst>
+                                          <p:attrName>style.visibility</p:attrName>
+                                        </p:attrNameLst>
+                                      </p:cBhvr>
+                                      <p:to>
+                                        <p:strVal val="visible"/>
+                                      </p:to>
+                                    </p:set>
+                                    <p:animEffect transition="in" filter="fade">
+                                      <p:cBhvr>
+                                        <p:cTn id="47" dur="500"/>
+                                        <p:tgtEl>
+                                          <p:spTgt spid="14"/>
+                                        </p:tgtEl>
+                                      </p:cBhvr>
+                                    </p:animEffect>
+                                  </p:childTnLst>
+                                </p:cTn>
+                              </p:par>
+                              <p:par>
+                                <p:cTn id="48" presetID="10" presetClass="entr" presetSubtype="0" fill="hold" nodeType="withEffect">
+                                  <p:stCondLst>
+                                    <p:cond delay="0"/>
+                                  </p:stCondLst>
+                                  <p:childTnLst>
+                                    <p:set>
+                                      <p:cBhvr>
+                                        <p:cTn id="49" dur="1" fill="hold">
+                                          <p:stCondLst>
+                                            <p:cond delay="0"/>
+                                          </p:stCondLst>
+                                        </p:cTn>
+                                        <p:tgtEl>
+                                          <p:spTgt spid="13"/>
+                                        </p:tgtEl>
+                                        <p:attrNameLst>
+                                          <p:attrName>style.visibility</p:attrName>
+                                        </p:attrNameLst>
+                                      </p:cBhvr>
+                                      <p:to>
+                                        <p:strVal val="visible"/>
+                                      </p:to>
+                                    </p:set>
+                                    <p:animEffect transition="in" filter="fade">
+                                      <p:cBhvr>
+                                        <p:cTn id="50" dur="500"/>
+                                        <p:tgtEl>
+                                          <p:spTgt spid="13"/>
+                                        </p:tgtEl>
+                                      </p:cBhvr>
+                                    </p:animEffect>
+                                  </p:childTnLst>
+                                </p:cTn>
+                              </p:par>
+                            </p:childTnLst>
+                          </p:cTn>
+                        </p:par>
+                      </p:childTnLst>
+                    </p:cTn>
+                  </p:par>
+                </p:childTnLst>
+              </p:cTn>
+              <p:prevCondLst>
+                <p:cond evt="onPrev" delay="0">
+                  <p:tgtEl>
+                    <p:sldTgt/>
+                  </p:tgtEl>
+                </p:cond>
+              </p:prevCondLst>
+              <p:nextCondLst>
+                <p:cond evt="onNext" delay="0">
+                  <p:tgtEl>
+                    <p:sldTgt/>
+                  </p:tgtEl>
+                </p:cond>
+              </p:nextCondLst>
+            </p:seq>
+          </p:childTnLst>
+        </p:cTn>
+      </p:par>
+    </p:tnLst>
+    <p:bldLst>
+      <p:bldP spid="3" grpId="0"/>
+      <p:bldP spid="14" grpId="0"/>
+    </p:bldLst>
+  </p:timing>
+</p:sld>
+</file>
+
+<file path=ppt/slides/slide4.xml><?xml version="1.0" encoding="utf-8"?>
+<p:sld xmlns:a="http://schemas.openxmlformats.org/drawingml/2006/main" xmlns:r="http://schemas.openxmlformats.org/officeDocument/2006/relationships" xmlns:p="http://schemas.openxmlformats.org/presentationml/2006/main">
+  <p:cSld>
+    <p:spTree>
+      <p:nvGrpSpPr>
+        <p:cNvPr id="1" name=""/>
+        <p:cNvGrpSpPr/>
+        <p:nvPr/>
+      </p:nvGrpSpPr>
+      <p:grpSpPr>
+        <a:xfrm>
+          <a:off x="0" y="0"/>
+          <a:ext cx="0" cy="0"/>
+          <a:chOff x="0" y="0"/>
+          <a:chExt cx="0" cy="0"/>
+        </a:xfrm>
+      </p:grpSpPr>
+      <p:sp>
+        <p:nvSpPr>
+          <p:cNvPr id="2" name="TextBox 1">
+            <a:extLst>
+              <a:ext uri="{FF2B5EF4-FFF2-40B4-BE49-F238E27FC236}">
+                <a16:creationId xmlns:a16="http://schemas.microsoft.com/office/drawing/2014/main" id="{91D92853-E09D-8341-5060-B73F5C87741D}"/>
+              </a:ext>
+            </a:extLst>
+          </p:cNvPr>
+          <p:cNvSpPr txBox="1"/>
+          <p:nvPr/>
+        </p:nvSpPr>
+        <p:spPr>
+          <a:xfrm>
+            <a:off x="0" y="6440129"/>
+            <a:ext cx="12192000" cy="369332"/>
+          </a:xfrm>
+          <a:prstGeom prst="rect">
+            <a:avLst/>
+          </a:prstGeom>
+          <a:noFill/>
+        </p:spPr>
+        <p:txBody>
+          <a:bodyPr wrap="square" rtlCol="0">
+            <a:spAutoFit/>
+          </a:bodyPr>
+          <a:lstStyle/>
+          <a:p>
+            <a:r>
+              <a:rPr lang="en-IN" dirty="0"/>
+              <a:t>	SICET					 				GitHub : </a:t>
+            </a:r>
+            <a:r>
+              <a:rPr lang="en-IN" dirty="0">
+                <a:hlinkClick r:id="rId2"/>
+              </a:rPr>
+              <a:t>MKGandhi05</a:t>
+            </a:r>
+            <a:r>
+              <a:rPr lang="en-IN" dirty="0"/>
+              <a:t>									  04</a:t>
+            </a:r>
+          </a:p>
+        </p:txBody>
+      </p:sp>
+      <p:sp>
+        <p:nvSpPr>
+          <p:cNvPr id="3" name="Title 1">
+            <a:extLst>
+              <a:ext uri="{FF2B5EF4-FFF2-40B4-BE49-F238E27FC236}">
+                <a16:creationId xmlns:a16="http://schemas.microsoft.com/office/drawing/2014/main" id="{79AF04EE-4FF1-C4C4-BCE2-EF3A8DF7E2C6}"/>
+              </a:ext>
+            </a:extLst>
+          </p:cNvPr>
+          <p:cNvSpPr txBox="1">
+            <a:spLocks/>
+          </p:cNvSpPr>
+          <p:nvPr/>
+        </p:nvSpPr>
+        <p:spPr>
+          <a:xfrm>
+            <a:off x="300866" y="778617"/>
+            <a:ext cx="8469508" cy="745383"/>
+          </a:xfrm>
+          <a:prstGeom prst="rect">
+            <a:avLst/>
+          </a:prstGeom>
+        </p:spPr>
+        <p:txBody>
+          <a:bodyPr>
+            <a:noAutofit/>
+          </a:bodyPr>
+          <a:lstStyle>
+            <a:lvl1pPr algn="l" defTabSz="914400" rtl="0" eaLnBrk="1" latinLnBrk="0" hangingPunct="1">
+              <a:lnSpc>
+                <a:spcPct val="85000"/>
+              </a:lnSpc>
+              <a:spcBef>
+                <a:spcPct val="0"/>
+              </a:spcBef>
+              <a:buNone/>
+              <a:defRPr sz="4800" kern="1200" spc="-50" baseline="0">
+                <a:solidFill>
+                  <a:schemeClr val="tx1">
+                    <a:lumMod val="75000"/>
+                    <a:lumOff val="25000"/>
+                  </a:schemeClr>
+                </a:solidFill>
+                <a:latin typeface="+mj-lt"/>
+                <a:ea typeface="+mj-ea"/>
+                <a:cs typeface="+mj-cs"/>
+              </a:defRPr>
+            </a:lvl1pPr>
+          </a:lstStyle>
+          <a:p>
+            <a:r>
+              <a:rPr lang="en-US" i="1" dirty="0">
+                <a:latin typeface="Roboto Mono" panose="020F0502020204030204" pitchFamily="49" charset="0"/>
+                <a:ea typeface="Roboto Mono" panose="020F0502020204030204" pitchFamily="49" charset="0"/>
+                <a:cs typeface="Roboto Mono" panose="020F0502020204030204" pitchFamily="49" charset="0"/>
+              </a:rPr>
+              <a:t>Live Demo Plan 🧪</a:t>
+            </a:r>
+            <a:endParaRPr lang="en-IN" dirty="0">
+              <a:latin typeface="Roboto Mono" panose="020F0502020204030204" pitchFamily="49" charset="0"/>
+              <a:ea typeface="Roboto Mono" panose="020F0502020204030204" pitchFamily="49" charset="0"/>
+              <a:cs typeface="Roboto Mono" panose="020F0502020204030204" pitchFamily="49" charset="0"/>
+            </a:endParaRPr>
+          </a:p>
+        </p:txBody>
+      </p:sp>
+      <p:sp>
+        <p:nvSpPr>
+          <p:cNvPr id="5" name="Rectangle 1">
+            <a:extLst>
+              <a:ext uri="{FF2B5EF4-FFF2-40B4-BE49-F238E27FC236}">
+                <a16:creationId xmlns:a16="http://schemas.microsoft.com/office/drawing/2014/main" id="{8562FA32-6BD0-AA08-CCF4-4A1BC5E5D7DB}"/>
+              </a:ext>
+            </a:extLst>
+          </p:cNvPr>
+          <p:cNvSpPr>
+            <a:spLocks noChangeArrowheads="1"/>
+          </p:cNvSpPr>
+          <p:nvPr/>
+        </p:nvSpPr>
+        <p:spPr bwMode="auto">
+          <a:xfrm>
+            <a:off x="300866" y="1922985"/>
+            <a:ext cx="6715760" cy="3374077"/>
+          </a:xfrm>
+          <a:prstGeom prst="rect">
+            <a:avLst/>
+          </a:prstGeom>
+        </p:spPr>
+        <p:txBody>
+          <a:bodyPr>
+            <a:noAutofit/>
+          </a:bodyPr>
+          <a:lstStyle/>
+          <a:p>
+            <a:pPr marL="571500" indent="-571500" defTabSz="914400">
+              <a:lnSpc>
+                <a:spcPct val="150000"/>
+              </a:lnSpc>
+              <a:spcBef>
+                <a:spcPts val="1200"/>
+              </a:spcBef>
+              <a:buFont typeface="Wingdings" panose="05000000000000000000" pitchFamily="2" charset="2"/>
+              <a:buChar char="Ø"/>
+            </a:pPr>
+            <a:r>
+              <a:rPr lang="en-US" altLang="en-US" sz="2400" i="1" spc="-50" dirty="0">
+                <a:solidFill>
+                  <a:schemeClr val="tx1">
+                    <a:lumMod val="75000"/>
+                    <a:lumOff val="25000"/>
+                  </a:schemeClr>
+                </a:solidFill>
+                <a:latin typeface="Roboto Mono" panose="020F0502020204030204" pitchFamily="49" charset="0"/>
+                <a:ea typeface="Roboto Mono" panose="020F0502020204030204" pitchFamily="49" charset="0"/>
+              </a:rPr>
+              <a:t>Tools Used:</a:t>
+            </a:r>
+          </a:p>
+          <a:p>
+            <a:pPr marL="1028700" lvl="2" indent="-571500" defTabSz="914400">
+              <a:lnSpc>
+                <a:spcPct val="150000"/>
+              </a:lnSpc>
+              <a:spcBef>
+                <a:spcPts val="1200"/>
+              </a:spcBef>
+              <a:buFont typeface="Courier New" panose="02070309020205020404" pitchFamily="49" charset="0"/>
+              <a:buChar char="o"/>
+            </a:pPr>
+            <a:r>
+              <a:rPr lang="en-US" altLang="en-US" i="1" spc="-50" dirty="0">
+                <a:solidFill>
+                  <a:schemeClr val="tx1">
+                    <a:lumMod val="75000"/>
+                    <a:lumOff val="25000"/>
+                  </a:schemeClr>
+                </a:solidFill>
+                <a:latin typeface="Roboto Mono" panose="020F0502020204030204" pitchFamily="49" charset="0"/>
+                <a:ea typeface="Roboto Mono" panose="020F0502020204030204" pitchFamily="49" charset="0"/>
+              </a:rPr>
+              <a:t>Python SMTP Library</a:t>
+            </a:r>
+          </a:p>
+          <a:p>
+            <a:pPr marL="1028700" lvl="2" indent="-571500" defTabSz="914400">
+              <a:lnSpc>
+                <a:spcPct val="150000"/>
+              </a:lnSpc>
+              <a:spcBef>
+                <a:spcPts val="1200"/>
+              </a:spcBef>
+              <a:buFont typeface="Courier New" panose="02070309020205020404" pitchFamily="49" charset="0"/>
+              <a:buChar char="o"/>
+            </a:pPr>
+            <a:r>
+              <a:rPr lang="en-US" altLang="en-US" i="1" spc="-50" dirty="0" err="1">
+                <a:solidFill>
+                  <a:schemeClr val="tx1">
+                    <a:lumMod val="75000"/>
+                    <a:lumOff val="25000"/>
+                  </a:schemeClr>
+                </a:solidFill>
+                <a:latin typeface="Roboto Mono" panose="020F0502020204030204" pitchFamily="49" charset="0"/>
+                <a:ea typeface="Roboto Mono" panose="020F0502020204030204" pitchFamily="49" charset="0"/>
+              </a:rPr>
+              <a:t>Mailtrap</a:t>
+            </a:r>
+            <a:r>
+              <a:rPr lang="en-US" altLang="en-US" i="1" spc="-50" dirty="0">
+                <a:solidFill>
+                  <a:schemeClr val="tx1">
+                    <a:lumMod val="75000"/>
+                    <a:lumOff val="25000"/>
+                  </a:schemeClr>
+                </a:solidFill>
+                <a:latin typeface="Roboto Mono" panose="020F0502020204030204" pitchFamily="49" charset="0"/>
+                <a:ea typeface="Roboto Mono" panose="020F0502020204030204" pitchFamily="49" charset="0"/>
+              </a:rPr>
+              <a:t> (Safe email sandbox)</a:t>
+            </a:r>
+          </a:p>
+          <a:p>
+            <a:pPr marL="571500" indent="-571500" defTabSz="914400">
+              <a:lnSpc>
+                <a:spcPct val="150000"/>
+              </a:lnSpc>
+              <a:spcBef>
+                <a:spcPts val="1200"/>
+              </a:spcBef>
+              <a:buFont typeface="Wingdings" panose="05000000000000000000" pitchFamily="2" charset="2"/>
+              <a:buChar char="Ø"/>
+            </a:pPr>
+            <a:r>
+              <a:rPr lang="en-US" altLang="en-US" sz="2400" i="1" spc="-50" dirty="0">
+                <a:solidFill>
+                  <a:schemeClr val="tx1">
+                    <a:lumMod val="75000"/>
+                    <a:lumOff val="25000"/>
+                  </a:schemeClr>
+                </a:solidFill>
+                <a:latin typeface="Roboto Mono" panose="020F0502020204030204" pitchFamily="49" charset="0"/>
+                <a:ea typeface="Roboto Mono" panose="020F0502020204030204" pitchFamily="49" charset="0"/>
+              </a:rPr>
+              <a:t>No real email accounts harmed</a:t>
+            </a:r>
+          </a:p>
+          <a:p>
+            <a:pPr marL="571500" indent="-571500" defTabSz="914400">
+              <a:lnSpc>
+                <a:spcPct val="150000"/>
+              </a:lnSpc>
+              <a:spcBef>
+                <a:spcPts val="1200"/>
+              </a:spcBef>
+              <a:buFont typeface="Wingdings" panose="05000000000000000000" pitchFamily="2" charset="2"/>
+              <a:buChar char="Ø"/>
+            </a:pPr>
+            <a:r>
+              <a:rPr lang="en-US" altLang="en-US" sz="2400" i="1" spc="-50" dirty="0">
+                <a:solidFill>
+                  <a:schemeClr val="tx1">
+                    <a:lumMod val="75000"/>
+                    <a:lumOff val="25000"/>
+                  </a:schemeClr>
+                </a:solidFill>
+                <a:latin typeface="Roboto Mono" panose="020F0502020204030204" pitchFamily="49" charset="0"/>
+                <a:ea typeface="Roboto Mono" panose="020F0502020204030204" pitchFamily="49" charset="0"/>
+              </a:rPr>
+              <a:t>Demo shows spoofed email delivery</a:t>
+            </a:r>
+          </a:p>
+        </p:txBody>
+      </p:sp>
+      <p:pic>
+        <p:nvPicPr>
+          <p:cNvPr id="2051" name="Picture 3">
+            <a:extLst>
+              <a:ext uri="{FF2B5EF4-FFF2-40B4-BE49-F238E27FC236}">
+                <a16:creationId xmlns:a16="http://schemas.microsoft.com/office/drawing/2014/main" id="{E001FF77-DA34-070C-6524-2C6F7F50FDD6}"/>
+              </a:ext>
+            </a:extLst>
+          </p:cNvPr>
+          <p:cNvPicPr>
+            <a:picLocks noChangeAspect="1" noChangeArrowheads="1"/>
+          </p:cNvPicPr>
+          <p:nvPr/>
+        </p:nvPicPr>
+        <p:blipFill>
+          <a:blip r:embed="rId3">
+            <a:extLst>
+              <a:ext uri="{28A0092B-C50C-407E-A947-70E740481C1C}">
+                <a14:useLocalDpi xmlns:a14="http://schemas.microsoft.com/office/drawing/2010/main" val="0"/>
+              </a:ext>
+            </a:extLst>
+          </a:blip>
+          <a:srcRect/>
+          <a:stretch>
+            <a:fillRect/>
+          </a:stretch>
+        </p:blipFill>
+        <p:spPr bwMode="auto">
+          <a:xfrm>
+            <a:off x="6780103" y="1885463"/>
+            <a:ext cx="5298439" cy="3208025"/>
+          </a:xfrm>
+          <a:prstGeom prst="rect">
+            <a:avLst/>
+          </a:prstGeom>
+          <a:noFill/>
+          <a:extLst>
+            <a:ext uri="{909E8E84-426E-40DD-AFC4-6F175D3DCCD1}">
+              <a14:hiddenFill xmlns:a14="http://schemas.microsoft.com/office/drawing/2010/main">
+                <a:solidFill>
+                  <a:srgbClr val="FFFFFF"/>
+                </a:solidFill>
+              </a14:hiddenFill>
+            </a:ext>
+          </a:extLst>
+        </p:spPr>
+      </p:pic>
+      <p:pic>
+        <p:nvPicPr>
+          <p:cNvPr id="7" name="Picture 6">
+            <a:extLst>
+              <a:ext uri="{FF2B5EF4-FFF2-40B4-BE49-F238E27FC236}">
+                <a16:creationId xmlns:a16="http://schemas.microsoft.com/office/drawing/2014/main" id="{2C35CEF7-53CD-C55F-0094-95511CAE5D98}"/>
+              </a:ext>
+            </a:extLst>
+          </p:cNvPr>
+          <p:cNvPicPr>
+            <a:picLocks noChangeAspect="1"/>
+          </p:cNvPicPr>
+          <p:nvPr/>
+        </p:nvPicPr>
+        <p:blipFill>
+          <a:blip r:embed="rId4"/>
+          <a:stretch>
+            <a:fillRect/>
+          </a:stretch>
+        </p:blipFill>
+        <p:spPr>
+          <a:xfrm>
+            <a:off x="7019934" y="1678560"/>
+            <a:ext cx="1750440" cy="1750440"/>
+          </a:xfrm>
+          <a:prstGeom prst="rect">
+            <a:avLst/>
+          </a:prstGeom>
+        </p:spPr>
+      </p:pic>
+      <p:pic>
+        <p:nvPicPr>
+          <p:cNvPr id="9" name="Picture 8">
+            <a:extLst>
+              <a:ext uri="{FF2B5EF4-FFF2-40B4-BE49-F238E27FC236}">
+                <a16:creationId xmlns:a16="http://schemas.microsoft.com/office/drawing/2014/main" id="{765380D9-5393-AB60-526C-6F08FA6B0163}"/>
+              </a:ext>
+            </a:extLst>
+          </p:cNvPr>
+          <p:cNvPicPr>
+            <a:picLocks noChangeAspect="1"/>
+          </p:cNvPicPr>
+          <p:nvPr/>
+        </p:nvPicPr>
+        <p:blipFill>
+          <a:blip r:embed="rId5"/>
+          <a:stretch>
+            <a:fillRect/>
+          </a:stretch>
+        </p:blipFill>
+        <p:spPr>
+          <a:xfrm>
+            <a:off x="9429323" y="3610023"/>
+            <a:ext cx="2088538" cy="1508760"/>
+          </a:xfrm>
+          <a:prstGeom prst="rect">
+            <a:avLst/>
+          </a:prstGeom>
+        </p:spPr>
+      </p:pic>
+      <p:sp>
+        <p:nvSpPr>
+          <p:cNvPr id="10" name="TextBox 9">
+            <a:extLst>
+              <a:ext uri="{FF2B5EF4-FFF2-40B4-BE49-F238E27FC236}">
+                <a16:creationId xmlns:a16="http://schemas.microsoft.com/office/drawing/2014/main" id="{E03D3468-471E-50AC-91B1-8AD1DF49C23A}"/>
+              </a:ext>
+            </a:extLst>
+          </p:cNvPr>
+          <p:cNvSpPr txBox="1"/>
+          <p:nvPr/>
+        </p:nvSpPr>
+        <p:spPr>
+          <a:xfrm>
+            <a:off x="8554103" y="2553780"/>
+            <a:ext cx="1750440" cy="1446550"/>
+          </a:xfrm>
+          <a:prstGeom prst="rect">
+            <a:avLst/>
+          </a:prstGeom>
+          <a:noFill/>
+        </p:spPr>
+        <p:txBody>
+          <a:bodyPr wrap="square" rtlCol="0">
+            <a:spAutoFit/>
+          </a:bodyPr>
+          <a:lstStyle/>
+          <a:p>
+            <a:r>
+              <a:rPr lang="en-IN" sz="8800" dirty="0"/>
+              <a:t>+</a:t>
+            </a:r>
+          </a:p>
+        </p:txBody>
+      </p:sp>
+    </p:spTree>
+    <p:extLst>
+      <p:ext uri="{BB962C8B-B14F-4D97-AF65-F5344CB8AC3E}">
+        <p14:creationId xmlns:p14="http://schemas.microsoft.com/office/powerpoint/2010/main" val="125891812"/>
+      </p:ext>
+    </p:extLst>
+  </p:cSld>
+  <p:clrMapOvr>
+    <a:masterClrMapping/>
+  </p:clrMapOvr>
+  <p:timing>
+    <p:tnLst>
+      <p:par>
+        <p:cTn id="1" dur="indefinite" restart="never" nodeType="tmRoot">
+          <p:childTnLst>
+            <p:seq concurrent="1" nextAc="seek">
+              <p:cTn id="2" dur="indefinite" nodeType="mainSeq">
+                <p:childTnLst>
+                  <p:par>
+                    <p:cTn id="3" fill="hold">
+                      <p:stCondLst>
+                        <p:cond delay="indefinite"/>
+                        <p:cond evt="onBegin" delay="0">
+                          <p:tn val="2"/>
+                        </p:cond>
+                      </p:stCondLst>
+                      <p:childTnLst>
+                        <p:par>
+                          <p:cTn id="4" fill="hold">
+                            <p:stCondLst>
+                              <p:cond delay="0"/>
+                            </p:stCondLst>
+                            <p:childTnLst>
+                              <p:par>
+                                <p:cTn id="5" presetID="22" presetClass="entr" presetSubtype="8" fill="hold" grpId="0" nodeType="withEffect">
+                                  <p:stCondLst>
+                                    <p:cond delay="0"/>
+                                  </p:stCondLst>
+                                  <p:childTnLst>
+                                    <p:set>
+                                      <p:cBhvr>
+                                        <p:cTn id="6" dur="1" fill="hold">
+                                          <p:stCondLst>
+                                            <p:cond delay="0"/>
+                                          </p:stCondLst>
+                                        </p:cTn>
+                                        <p:tgtEl>
+                                          <p:spTgt spid="3"/>
+                                        </p:tgtEl>
+                                        <p:attrNameLst>
+                                          <p:attrName>style.visibility</p:attrName>
+                                        </p:attrNameLst>
+                                      </p:cBhvr>
+                                      <p:to>
+                                        <p:strVal val="visible"/>
+                                      </p:to>
+                                    </p:set>
+                                    <p:animEffect transition="in" filter="wipe(left)">
+                                      <p:cBhvr>
+                                        <p:cTn id="7" dur="1250"/>
+                                        <p:tgtEl>
+                                          <p:spTgt spid="3"/>
+                                        </p:tgtEl>
+                                      </p:cBhvr>
+                                    </p:animEffect>
+                                  </p:childTnLst>
+                                </p:cTn>
+                              </p:par>
+                            </p:childTnLst>
+                          </p:cTn>
+                        </p:par>
+                      </p:childTnLst>
+                    </p:cTn>
+                  </p:par>
+                  <p:par>
+                    <p:cTn id="8" fill="hold">
+                      <p:stCondLst>
+                        <p:cond delay="indefinite"/>
+                      </p:stCondLst>
+                      <p:childTnLst>
+                        <p:par>
+                          <p:cTn id="9" fill="hold">
+                            <p:stCondLst>
+                              <p:cond delay="0"/>
+                            </p:stCondLst>
+                            <p:childTnLst>
+                              <p:par>
+                                <p:cTn id="10" presetID="10" presetClass="entr" presetSubtype="0" fill="hold" nodeType="clickEffect">
+                                  <p:stCondLst>
+                                    <p:cond delay="0"/>
+                                  </p:stCondLst>
+                                  <p:childTnLst>
+                                    <p:set>
+                                      <p:cBhvr>
+                                        <p:cTn id="11" dur="1" fill="hold">
+                                          <p:stCondLst>
+                                            <p:cond delay="0"/>
+                                          </p:stCondLst>
+                                        </p:cTn>
+                                        <p:tgtEl>
+                                          <p:spTgt spid="5">
+                                            <p:txEl>
+                                              <p:pRg st="0" end="0"/>
+                                            </p:txEl>
+                                          </p:spTgt>
+                                        </p:tgtEl>
+                                        <p:attrNameLst>
+                                          <p:attrName>style.visibility</p:attrName>
+                                        </p:attrNameLst>
+                                      </p:cBhvr>
+                                      <p:to>
+                                        <p:strVal val="visible"/>
+                                      </p:to>
+                                    </p:set>
+                                    <p:animEffect transition="in" filter="fade">
+                                      <p:cBhvr>
+                                        <p:cTn id="12" dur="500"/>
+                                        <p:tgtEl>
+                                          <p:spTgt spid="5">
+                                            <p:txEl>
+                                              <p:pRg st="0" end="0"/>
+                                            </p:txEl>
+                                          </p:spTgt>
+                                        </p:tgtEl>
+                                      </p:cBhvr>
+                                    </p:animEffect>
+                                  </p:childTnLst>
+                                </p:cTn>
+                              </p:par>
+                            </p:childTnLst>
+                          </p:cTn>
+                        </p:par>
+                      </p:childTnLst>
+                    </p:cTn>
+                  </p:par>
+                  <p:par>
+                    <p:cTn id="13" fill="hold">
+                      <p:stCondLst>
+                        <p:cond delay="indefinite"/>
+                      </p:stCondLst>
+                      <p:childTnLst>
+                        <p:par>
+                          <p:cTn id="14" fill="hold">
+                            <p:stCondLst>
+                              <p:cond delay="0"/>
+                            </p:stCondLst>
+                            <p:childTnLst>
+                              <p:par>
+                                <p:cTn id="15" presetID="10" presetClass="entr" presetSubtype="0" fill="hold" nodeType="clickEffect">
+                                  <p:stCondLst>
+                                    <p:cond delay="0"/>
+                                  </p:stCondLst>
+                                  <p:childTnLst>
+                                    <p:set>
+                                      <p:cBhvr>
+                                        <p:cTn id="16" dur="1" fill="hold">
+                                          <p:stCondLst>
+                                            <p:cond delay="0"/>
+                                          </p:stCondLst>
+                                        </p:cTn>
+                                        <p:tgtEl>
+                                          <p:spTgt spid="5">
+                                            <p:txEl>
+                                              <p:pRg st="1" end="1"/>
+                                            </p:txEl>
+                                          </p:spTgt>
+                                        </p:tgtEl>
+                                        <p:attrNameLst>
+                                          <p:attrName>style.visibility</p:attrName>
+                                        </p:attrNameLst>
+                                      </p:cBhvr>
+                                      <p:to>
+                                        <p:strVal val="visible"/>
+                                      </p:to>
+                                    </p:set>
+                                    <p:animEffect transition="in" filter="fade">
+                                      <p:cBhvr>
+                                        <p:cTn id="17" dur="500"/>
+                                        <p:tgtEl>
+                                          <p:spTgt spid="5">
+                                            <p:txEl>
+                                              <p:pRg st="1" end="1"/>
+                                            </p:txEl>
+                                          </p:spTgt>
+                                        </p:tgtEl>
+                                      </p:cBhvr>
+                                    </p:animEffect>
+                                  </p:childTnLst>
+                                </p:cTn>
+                              </p:par>
+                              <p:par>
+                                <p:cTn id="18" presetID="10" presetClass="entr" presetSubtype="0" fill="hold" nodeType="withEffect">
+                                  <p:stCondLst>
+                                    <p:cond delay="0"/>
+                                  </p:stCondLst>
+                                  <p:childTnLst>
+                                    <p:set>
+                                      <p:cBhvr>
+                                        <p:cTn id="19" dur="1" fill="hold">
+                                          <p:stCondLst>
+                                            <p:cond delay="0"/>
+                                          </p:stCondLst>
+                                        </p:cTn>
+                                        <p:tgtEl>
+                                          <p:spTgt spid="7"/>
+                                        </p:tgtEl>
+                                        <p:attrNameLst>
+                                          <p:attrName>style.visibility</p:attrName>
+                                        </p:attrNameLst>
+                                      </p:cBhvr>
+                                      <p:to>
+                                        <p:strVal val="visible"/>
+                                      </p:to>
+                                    </p:set>
+                                    <p:animEffect transition="in" filter="fade">
+                                      <p:cBhvr>
+                                        <p:cTn id="20" dur="500"/>
+                                        <p:tgtEl>
+                                          <p:spTgt spid="7"/>
+                                        </p:tgtEl>
+                                      </p:cBhvr>
+                                    </p:animEffect>
+                                  </p:childTnLst>
+                                </p:cTn>
+                              </p:par>
+                              <p:par>
+                                <p:cTn id="21" presetID="10" presetClass="entr" presetSubtype="0" fill="hold" grpId="0" nodeType="withEffect">
+                                  <p:stCondLst>
+                                    <p:cond delay="0"/>
+                                  </p:stCondLst>
+                                  <p:childTnLst>
+                                    <p:set>
+                                      <p:cBhvr>
+                                        <p:cTn id="22" dur="1" fill="hold">
+                                          <p:stCondLst>
+                                            <p:cond delay="0"/>
+                                          </p:stCondLst>
+                                        </p:cTn>
+                                        <p:tgtEl>
+                                          <p:spTgt spid="10"/>
+                                        </p:tgtEl>
+                                        <p:attrNameLst>
+                                          <p:attrName>style.visibility</p:attrName>
+                                        </p:attrNameLst>
+                                      </p:cBhvr>
+                                      <p:to>
+                                        <p:strVal val="visible"/>
+                                      </p:to>
+                                    </p:set>
+                                    <p:animEffect transition="in" filter="fade">
+                                      <p:cBhvr>
+                                        <p:cTn id="23" dur="500"/>
+                                        <p:tgtEl>
+                                          <p:spTgt spid="10"/>
+                                        </p:tgtEl>
+                                      </p:cBhvr>
+                                    </p:animEffect>
+                                  </p:childTnLst>
+                                </p:cTn>
+                              </p:par>
+                              <p:par>
+                                <p:cTn id="24" presetID="10" presetClass="entr" presetSubtype="0" fill="hold" nodeType="withEffect">
+                                  <p:stCondLst>
+                                    <p:cond delay="0"/>
+                                  </p:stCondLst>
+                                  <p:childTnLst>
+                                    <p:set>
+                                      <p:cBhvr>
+                                        <p:cTn id="25" dur="1" fill="hold">
+                                          <p:stCondLst>
+                                            <p:cond delay="0"/>
+                                          </p:stCondLst>
+                                        </p:cTn>
+                                        <p:tgtEl>
+                                          <p:spTgt spid="9"/>
+                                        </p:tgtEl>
+                                        <p:attrNameLst>
+                                          <p:attrName>style.visibility</p:attrName>
+                                        </p:attrNameLst>
+                                      </p:cBhvr>
+                                      <p:to>
+                                        <p:strVal val="visible"/>
+                                      </p:to>
+                                    </p:set>
+                                    <p:animEffect transition="in" filter="fade">
+                                      <p:cBhvr>
+                                        <p:cTn id="26" dur="500"/>
+                                        <p:tgtEl>
+                                          <p:spTgt spid="9"/>
+                                        </p:tgtEl>
+                                      </p:cBhvr>
+                                    </p:animEffect>
+                                  </p:childTnLst>
+                                </p:cTn>
+                              </p:par>
+                            </p:childTnLst>
+                          </p:cTn>
+                        </p:par>
+                      </p:childTnLst>
+                    </p:cTn>
+                  </p:par>
+                  <p:par>
+                    <p:cTn id="27" fill="hold">
+                      <p:stCondLst>
+                        <p:cond delay="indefinite"/>
+                      </p:stCondLst>
+                      <p:childTnLst>
+                        <p:par>
+                          <p:cTn id="28" fill="hold">
+                            <p:stCondLst>
+                              <p:cond delay="0"/>
+                            </p:stCondLst>
+                            <p:childTnLst>
+                              <p:par>
+                                <p:cTn id="29" presetID="10" presetClass="entr" presetSubtype="0" fill="hold" nodeType="clickEffect">
+                                  <p:stCondLst>
+                                    <p:cond delay="0"/>
+                                  </p:stCondLst>
+                                  <p:childTnLst>
+                                    <p:set>
+                                      <p:cBhvr>
+                                        <p:cTn id="30" dur="1" fill="hold">
+                                          <p:stCondLst>
+                                            <p:cond delay="0"/>
+                                          </p:stCondLst>
+                                        </p:cTn>
+                                        <p:tgtEl>
+                                          <p:spTgt spid="5">
+                                            <p:txEl>
+                                              <p:pRg st="2" end="2"/>
+                                            </p:txEl>
+                                          </p:spTgt>
+                                        </p:tgtEl>
+                                        <p:attrNameLst>
+                                          <p:attrName>style.visibility</p:attrName>
+                                        </p:attrNameLst>
+                                      </p:cBhvr>
+                                      <p:to>
+                                        <p:strVal val="visible"/>
+                                      </p:to>
+                                    </p:set>
+                                    <p:animEffect transition="in" filter="fade">
+                                      <p:cBhvr>
+                                        <p:cTn id="31" dur="500"/>
+                                        <p:tgtEl>
+                                          <p:spTgt spid="5">
+                                            <p:txEl>
+                                              <p:pRg st="2" end="2"/>
+                                            </p:txEl>
+                                          </p:spTgt>
+                                        </p:tgtEl>
+                                      </p:cBhvr>
+                                    </p:animEffect>
+                                  </p:childTnLst>
+                                </p:cTn>
+                              </p:par>
+                              <p:par>
+                                <p:cTn id="32" presetID="10" presetClass="exit" presetSubtype="0" fill="hold" nodeType="withEffect">
+                                  <p:stCondLst>
+                                    <p:cond delay="0"/>
+                                  </p:stCondLst>
+                                  <p:childTnLst>
+                                    <p:animEffect transition="out" filter="fade">
+                                      <p:cBhvr>
+                                        <p:cTn id="33" dur="500"/>
+                                        <p:tgtEl>
+                                          <p:spTgt spid="7"/>
+                                        </p:tgtEl>
+                                      </p:cBhvr>
+                                    </p:animEffect>
+                                    <p:set>
+                                      <p:cBhvr>
+                                        <p:cTn id="34" dur="1" fill="hold">
+                                          <p:stCondLst>
+                                            <p:cond delay="499"/>
+                                          </p:stCondLst>
+                                        </p:cTn>
+                                        <p:tgtEl>
+                                          <p:spTgt spid="7"/>
+                                        </p:tgtEl>
+                                        <p:attrNameLst>
+                                          <p:attrName>style.visibility</p:attrName>
+                                        </p:attrNameLst>
+                                      </p:cBhvr>
+                                      <p:to>
+                                        <p:strVal val="hidden"/>
+                                      </p:to>
+                                    </p:set>
+                                  </p:childTnLst>
+                                </p:cTn>
+                              </p:par>
+                              <p:par>
+                                <p:cTn id="35" presetID="10" presetClass="exit" presetSubtype="0" fill="hold" grpId="1" nodeType="withEffect">
+                                  <p:stCondLst>
+                                    <p:cond delay="0"/>
+                                  </p:stCondLst>
+                                  <p:childTnLst>
+                                    <p:animEffect transition="out" filter="fade">
+                                      <p:cBhvr>
+                                        <p:cTn id="36" dur="500"/>
+                                        <p:tgtEl>
+                                          <p:spTgt spid="10"/>
+                                        </p:tgtEl>
+                                      </p:cBhvr>
+                                    </p:animEffect>
+                                    <p:set>
+                                      <p:cBhvr>
+                                        <p:cTn id="37" dur="1" fill="hold">
+                                          <p:stCondLst>
+                                            <p:cond delay="499"/>
+                                          </p:stCondLst>
+                                        </p:cTn>
+                                        <p:tgtEl>
+                                          <p:spTgt spid="10"/>
+                                        </p:tgtEl>
+                                        <p:attrNameLst>
+                                          <p:attrName>style.visibility</p:attrName>
+                                        </p:attrNameLst>
+                                      </p:cBhvr>
+                                      <p:to>
+                                        <p:strVal val="hidden"/>
+                                      </p:to>
+                                    </p:set>
+                                  </p:childTnLst>
+                                </p:cTn>
+                              </p:par>
+                              <p:par>
+                                <p:cTn id="38" presetID="10" presetClass="exit" presetSubtype="0" fill="hold" nodeType="withEffect">
+                                  <p:stCondLst>
+                                    <p:cond delay="0"/>
+                                  </p:stCondLst>
+                                  <p:childTnLst>
+                                    <p:animEffect transition="out" filter="fade">
+                                      <p:cBhvr>
+                                        <p:cTn id="39" dur="500"/>
+                                        <p:tgtEl>
+                                          <p:spTgt spid="9"/>
+                                        </p:tgtEl>
+                                      </p:cBhvr>
+                                    </p:animEffect>
+                                    <p:set>
+                                      <p:cBhvr>
+                                        <p:cTn id="40" dur="1" fill="hold">
+                                          <p:stCondLst>
+                                            <p:cond delay="499"/>
+                                          </p:stCondLst>
+                                        </p:cTn>
+                                        <p:tgtEl>
+                                          <p:spTgt spid="9"/>
+                                        </p:tgtEl>
+                                        <p:attrNameLst>
+                                          <p:attrName>style.visibility</p:attrName>
+                                        </p:attrNameLst>
+                                      </p:cBhvr>
+                                      <p:to>
+                                        <p:strVal val="hidden"/>
+                                      </p:to>
+                                    </p:set>
+                                  </p:childTnLst>
+                                </p:cTn>
+                              </p:par>
+                              <p:par>
+                                <p:cTn id="41" presetID="10" presetClass="entr" presetSubtype="0" fill="hold" nodeType="withEffect">
+                                  <p:stCondLst>
+                                    <p:cond delay="0"/>
+                                  </p:stCondLst>
+                                  <p:childTnLst>
+                                    <p:set>
+                                      <p:cBhvr>
+                                        <p:cTn id="42" dur="1" fill="hold">
+                                          <p:stCondLst>
+                                            <p:cond delay="0"/>
+                                          </p:stCondLst>
+                                        </p:cTn>
+                                        <p:tgtEl>
+                                          <p:spTgt spid="2051"/>
+                                        </p:tgtEl>
+                                        <p:attrNameLst>
+                                          <p:attrName>style.visibility</p:attrName>
+                                        </p:attrNameLst>
+                                      </p:cBhvr>
+                                      <p:to>
+                                        <p:strVal val="visible"/>
+                                      </p:to>
+                                    </p:set>
+                                    <p:animEffect transition="in" filter="fade">
+                                      <p:cBhvr>
+                                        <p:cTn id="43" dur="500"/>
+                                        <p:tgtEl>
+                                          <p:spTgt spid="2051"/>
+                                        </p:tgtEl>
+                                      </p:cBhvr>
+                                    </p:animEffect>
+                                  </p:childTnLst>
+                                </p:cTn>
+                              </p:par>
+                            </p:childTnLst>
+                          </p:cTn>
+                        </p:par>
+                      </p:childTnLst>
+                    </p:cTn>
+                  </p:par>
+                  <p:par>
+                    <p:cTn id="44" fill="hold">
+                      <p:stCondLst>
+                        <p:cond delay="indefinite"/>
+                      </p:stCondLst>
+                      <p:childTnLst>
+                        <p:par>
+                          <p:cTn id="45" fill="hold">
+                            <p:stCondLst>
+                              <p:cond delay="0"/>
+                            </p:stCondLst>
+                            <p:childTnLst>
+                              <p:par>
+                                <p:cTn id="46" presetID="10" presetClass="entr" presetSubtype="0" fill="hold" nodeType="clickEffect">
+                                  <p:stCondLst>
+                                    <p:cond delay="0"/>
+                                  </p:stCondLst>
+                                  <p:childTnLst>
+                                    <p:set>
+                                      <p:cBhvr>
+                                        <p:cTn id="47" dur="1" fill="hold">
+                                          <p:stCondLst>
+                                            <p:cond delay="0"/>
+                                          </p:stCondLst>
+                                        </p:cTn>
+                                        <p:tgtEl>
+                                          <p:spTgt spid="5">
+                                            <p:txEl>
+                                              <p:pRg st="3" end="3"/>
+                                            </p:txEl>
+                                          </p:spTgt>
+                                        </p:tgtEl>
+                                        <p:attrNameLst>
+                                          <p:attrName>style.visibility</p:attrName>
+                                        </p:attrNameLst>
+                                      </p:cBhvr>
+                                      <p:to>
+                                        <p:strVal val="visible"/>
+                                      </p:to>
+                                    </p:set>
+                                    <p:animEffect transition="in" filter="fade">
+                                      <p:cBhvr>
+                                        <p:cTn id="48" dur="500"/>
+                                        <p:tgtEl>
+                                          <p:spTgt spid="5">
+                                            <p:txEl>
+                                              <p:pRg st="3" end="3"/>
+                                            </p:txEl>
+                                          </p:spTgt>
+                                        </p:tgtEl>
+                                      </p:cBhvr>
+                                    </p:animEffect>
+                                  </p:childTnLst>
+                                </p:cTn>
+                              </p:par>
+                            </p:childTnLst>
+                          </p:cTn>
+                        </p:par>
+                      </p:childTnLst>
+                    </p:cTn>
+                  </p:par>
+                  <p:par>
+                    <p:cTn id="49" fill="hold">
+                      <p:stCondLst>
+                        <p:cond delay="indefinite"/>
+                      </p:stCondLst>
+                      <p:childTnLst>
+                        <p:par>
+                          <p:cTn id="50" fill="hold">
+                            <p:stCondLst>
+                              <p:cond delay="0"/>
+                            </p:stCondLst>
+                            <p:childTnLst>
+                              <p:par>
+                                <p:cTn id="51" presetID="10" presetClass="entr" presetSubtype="0" fill="hold" nodeType="clickEffect">
+                                  <p:stCondLst>
+                                    <p:cond delay="0"/>
+                                  </p:stCondLst>
+                                  <p:childTnLst>
+                                    <p:set>
+                                      <p:cBhvr>
+                                        <p:cTn id="52" dur="1" fill="hold">
+                                          <p:stCondLst>
+                                            <p:cond delay="0"/>
+                                          </p:stCondLst>
+                                        </p:cTn>
+                                        <p:tgtEl>
+                                          <p:spTgt spid="5">
+                                            <p:txEl>
+                                              <p:pRg st="4" end="4"/>
+                                            </p:txEl>
+                                          </p:spTgt>
+                                        </p:tgtEl>
+                                        <p:attrNameLst>
+                                          <p:attrName>style.visibility</p:attrName>
+                                        </p:attrNameLst>
+                                      </p:cBhvr>
+                                      <p:to>
+                                        <p:strVal val="visible"/>
+                                      </p:to>
+                                    </p:set>
+                                    <p:animEffect transition="in" filter="fade">
+                                      <p:cBhvr>
+                                        <p:cTn id="53" dur="500"/>
+                                        <p:tgtEl>
+                                          <p:spTgt spid="5">
+                                            <p:txEl>
+                                              <p:pRg st="4" end="4"/>
+                                            </p:txEl>
+                                          </p:spTgt>
+                                        </p:tgtEl>
+                                      </p:cBhvr>
+                                    </p:animEffect>
+                                  </p:childTnLst>
+                                </p:cTn>
+                              </p:par>
+                            </p:childTnLst>
+                          </p:cTn>
+                        </p:par>
+                      </p:childTnLst>
+                    </p:cTn>
+                  </p:par>
+                </p:childTnLst>
+              </p:cTn>
+              <p:prevCondLst>
+                <p:cond evt="onPrev" delay="0">
+                  <p:tgtEl>
+                    <p:sldTgt/>
+                  </p:tgtEl>
+                </p:cond>
+              </p:prevCondLst>
+              <p:nextCondLst>
+                <p:cond evt="onNext" delay="0">
+                  <p:tgtEl>
+                    <p:sldTgt/>
+                  </p:tgtEl>
+                </p:cond>
+              </p:nextCondLst>
+            </p:seq>
+          </p:childTnLst>
+        </p:cTn>
+      </p:par>
+    </p:tnLst>
+    <p:bldLst>
+      <p:bldP spid="3" grpId="0"/>
+      <p:bldP spid="10" grpId="0"/>
+      <p:bldP spid="10" grpId="1"/>
+    </p:bldLst>
+  </p:timing>
+</p:sld>
+</file>
+
+<file path=ppt/slides/slide5.xml><?xml version="1.0" encoding="utf-8"?>
+<p:sld xmlns:a="http://schemas.openxmlformats.org/drawingml/2006/main" xmlns:r="http://schemas.openxmlformats.org/officeDocument/2006/relationships" xmlns:p="http://schemas.openxmlformats.org/presentationml/2006/main">
+  <p:cSld>
+    <p:spTree>
+      <p:nvGrpSpPr>
+        <p:cNvPr id="1" name=""/>
+        <p:cNvGrpSpPr/>
+        <p:nvPr/>
+      </p:nvGrpSpPr>
+      <p:grpSpPr>
+        <a:xfrm>
+          <a:off x="0" y="0"/>
+          <a:ext cx="0" cy="0"/>
+          <a:chOff x="0" y="0"/>
+          <a:chExt cx="0" cy="0"/>
+        </a:xfrm>
+      </p:grpSpPr>
+      <p:sp>
+        <p:nvSpPr>
+          <p:cNvPr id="2" name="TextBox 1">
+            <a:extLst>
+              <a:ext uri="{FF2B5EF4-FFF2-40B4-BE49-F238E27FC236}">
+                <a16:creationId xmlns:a16="http://schemas.microsoft.com/office/drawing/2014/main" id="{DD682FAA-AD40-544A-80ED-7A9409938F84}"/>
+              </a:ext>
+            </a:extLst>
+          </p:cNvPr>
+          <p:cNvSpPr txBox="1"/>
+          <p:nvPr/>
+        </p:nvSpPr>
+        <p:spPr>
+          <a:xfrm>
+            <a:off x="0" y="6440129"/>
+            <a:ext cx="12192000" cy="369332"/>
+          </a:xfrm>
+          <a:prstGeom prst="rect">
+            <a:avLst/>
+          </a:prstGeom>
+          <a:noFill/>
+        </p:spPr>
+        <p:txBody>
+          <a:bodyPr wrap="square" rtlCol="0">
+            <a:spAutoFit/>
+          </a:bodyPr>
+          <a:lstStyle/>
+          <a:p>
+            <a:r>
+              <a:rPr lang="en-IN" dirty="0"/>
+              <a:t>	SICET					 				GitHub : </a:t>
+            </a:r>
+            <a:r>
+              <a:rPr lang="en-IN" dirty="0">
+                <a:hlinkClick r:id="rId2"/>
+              </a:rPr>
+              <a:t>MKGandhi05</a:t>
+            </a:r>
+            <a:r>
+              <a:rPr lang="en-IN" dirty="0"/>
+              <a:t>									  05</a:t>
+            </a:r>
+          </a:p>
+        </p:txBody>
+      </p:sp>
+      <p:sp>
+        <p:nvSpPr>
+          <p:cNvPr id="3" name="Title 1">
+            <a:extLst>
+              <a:ext uri="{FF2B5EF4-FFF2-40B4-BE49-F238E27FC236}">
+                <a16:creationId xmlns:a16="http://schemas.microsoft.com/office/drawing/2014/main" id="{DA47A0BA-EE9E-E1C1-293B-AD170FAFA784}"/>
+              </a:ext>
+            </a:extLst>
+          </p:cNvPr>
+          <p:cNvSpPr txBox="1">
+            <a:spLocks/>
+          </p:cNvSpPr>
+          <p:nvPr/>
+        </p:nvSpPr>
+        <p:spPr>
+          <a:xfrm>
+            <a:off x="-230567" y="2479106"/>
+            <a:ext cx="12653134" cy="3961023"/>
+          </a:xfrm>
+          <a:prstGeom prst="rect">
+            <a:avLst/>
+          </a:prstGeom>
+        </p:spPr>
+        <p:txBody>
+          <a:bodyPr>
+            <a:noAutofit/>
+          </a:bodyPr>
+          <a:lstStyle>
+            <a:defPPr>
+              <a:defRPr lang="en-US"/>
+            </a:defPPr>
+            <a:lvl1pPr defTabSz="914400">
+              <a:lnSpc>
+                <a:spcPct val="85000"/>
+              </a:lnSpc>
+              <a:spcBef>
+                <a:spcPct val="0"/>
+              </a:spcBef>
+              <a:buNone/>
+              <a:defRPr sz="4800" i="1" spc="-50" baseline="0">
+                <a:solidFill>
+                  <a:schemeClr val="tx1">
+                    <a:lumMod val="75000"/>
+                    <a:lumOff val="25000"/>
+                  </a:schemeClr>
+                </a:solidFill>
+                <a:latin typeface="Roboto Mono" panose="020F0502020204030204" pitchFamily="49" charset="0"/>
+                <a:ea typeface="Roboto Mono" panose="020F0502020204030204" pitchFamily="49" charset="0"/>
+                <a:cs typeface="Roboto Mono" panose="020F0502020204030204" pitchFamily="49" charset="0"/>
+              </a:defRPr>
+            </a:lvl1pPr>
+          </a:lstStyle>
+          <a:p>
+            <a:pPr algn="ctr"/>
+            <a:r>
+              <a:rPr lang="en-US" sz="6000" dirty="0"/>
+              <a:t>👉 Let’s Spoof an Email Live Demo Time!</a:t>
+            </a:r>
+            <a:endParaRPr lang="en-IN" sz="6000" dirty="0"/>
+          </a:p>
+        </p:txBody>
+      </p:sp>
+    </p:spTree>
+    <p:extLst>
+      <p:ext uri="{BB962C8B-B14F-4D97-AF65-F5344CB8AC3E}">
+        <p14:creationId xmlns:p14="http://schemas.microsoft.com/office/powerpoint/2010/main" val="1480795135"/>
+      </p:ext>
+    </p:extLst>
+  </p:cSld>
+  <p:clrMapOvr>
+    <a:masterClrMapping/>
+  </p:clrMapOvr>
+  <mc:AlternateContent xmlns:mc="http://schemas.openxmlformats.org/markup-compatibility/2006">
+    <mc:Choice xmlns:p14="http://schemas.microsoft.com/office/powerpoint/2010/main" Requires="p14">
+      <p:transition spd="slow" p14:dur="900">
+        <p14:warp dir="in"/>
+      </p:transition>
+    </mc:Choice>
+    <mc:Fallback>
+      <p:transition spd="slow">
+        <p:fade/>
+      </p:transition>
+    </mc:Fallback>
+  </mc:AlternateContent>
+  <p:timing>
+    <p:tnLst>
+      <p:par>
+        <p:cTn id="1" dur="indefinite" restart="never" nodeType="tmRoot">
+          <p:childTnLst>
+            <p:seq concurrent="1" nextAc="seek">
+              <p:cTn id="2" dur="indefinite" nodeType="mainSeq">
+                <p:childTnLst>
+                  <p:par>
+                    <p:cTn id="3" fill="hold">
+                      <p:stCondLst>
+                        <p:cond delay="indefinite"/>
+                        <p:cond evt="onBegin" delay="0">
+                          <p:tn val="2"/>
+                        </p:cond>
+                      </p:stCondLst>
+                      <p:childTnLst>
+                        <p:par>
+                          <p:cTn id="4" fill="hold">
+                            <p:stCondLst>
+                              <p:cond delay="0"/>
+                            </p:stCondLst>
+                            <p:childTnLst>
+                              <p:par>
+                                <p:cTn id="5" presetID="53" presetClass="entr" presetSubtype="16" fill="hold" grpId="0" nodeType="withEffect">
+                                  <p:stCondLst>
+                                    <p:cond delay="0"/>
+                                  </p:stCondLst>
+                                  <p:childTnLst>
+                                    <p:set>
+                                      <p:cBhvr>
+                                        <p:cTn id="6" dur="1" fill="hold">
+                                          <p:stCondLst>
+                                            <p:cond delay="0"/>
+                                          </p:stCondLst>
+                                        </p:cTn>
+                                        <p:tgtEl>
+                                          <p:spTgt spid="3"/>
+                                        </p:tgtEl>
+                                        <p:attrNameLst>
+                                          <p:attrName>style.visibility</p:attrName>
+                                        </p:attrNameLst>
+                                      </p:cBhvr>
+                                      <p:to>
+                                        <p:strVal val="visible"/>
+                                      </p:to>
+                                    </p:set>
+                                    <p:anim calcmode="lin" valueType="num">
+                                      <p:cBhvr>
+                                        <p:cTn id="7" dur="500" fill="hold"/>
+                                        <p:tgtEl>
+                                          <p:spTgt spid="3"/>
+                                        </p:tgtEl>
+                                        <p:attrNameLst>
+                                          <p:attrName>ppt_w</p:attrName>
+                                        </p:attrNameLst>
+                                      </p:cBhvr>
+                                      <p:tavLst>
+                                        <p:tav tm="0">
+                                          <p:val>
+                                            <p:fltVal val="0"/>
+                                          </p:val>
+                                        </p:tav>
+                                        <p:tav tm="100000">
+                                          <p:val>
+                                            <p:strVal val="#ppt_w"/>
+                                          </p:val>
+                                        </p:tav>
+                                      </p:tavLst>
+                                    </p:anim>
+                                    <p:anim calcmode="lin" valueType="num">
+                                      <p:cBhvr>
+                                        <p:cTn id="8" dur="500" fill="hold"/>
+                                        <p:tgtEl>
+                                          <p:spTgt spid="3"/>
+                                        </p:tgtEl>
+                                        <p:attrNameLst>
+                                          <p:attrName>ppt_h</p:attrName>
+                                        </p:attrNameLst>
+                                      </p:cBhvr>
+                                      <p:tavLst>
+                                        <p:tav tm="0">
+                                          <p:val>
+                                            <p:fltVal val="0"/>
+                                          </p:val>
+                                        </p:tav>
+                                        <p:tav tm="100000">
+                                          <p:val>
+                                            <p:strVal val="#ppt_h"/>
+                                          </p:val>
+                                        </p:tav>
+                                      </p:tavLst>
+                                    </p:anim>
+                                    <p:animEffect transition="in" filter="fade">
+                                      <p:cBhvr>
+                                        <p:cTn id="9" dur="500"/>
+                                        <p:tgtEl>
+                                          <p:spTgt spid="3"/>
+                                        </p:tgtEl>
+                                      </p:cBhvr>
+                                    </p:animEffect>
+                                  </p:childTnLst>
+                                </p:cTn>
+                              </p:par>
+                            </p:childTnLst>
+                          </p:cTn>
+                        </p:par>
+                      </p:childTnLst>
+                    </p:cTn>
+                  </p:par>
+                </p:childTnLst>
+              </p:cTn>
+              <p:prevCondLst>
+                <p:cond evt="onPrev" delay="0">
+                  <p:tgtEl>
+                    <p:sldTgt/>
+                  </p:tgtEl>
+                </p:cond>
+              </p:prevCondLst>
+              <p:nextCondLst>
+                <p:cond evt="onNext" delay="0">
+                  <p:tgtEl>
+                    <p:sldTgt/>
+                  </p:tgtEl>
+                </p:cond>
+              </p:nextCondLst>
+            </p:seq>
+          </p:childTnLst>
+        </p:cTn>
+      </p:par>
+    </p:tnLst>
+    <p:bldLst>
+      <p:bldP spid="3" grpId="0"/>
+    </p:bldLst>
+  </p:timing>
+</p:sld>
+</file>
+
+<file path=ppt/slides/slide6.xml><?xml version="1.0" encoding="utf-8"?>
+<p:sld xmlns:a="http://schemas.openxmlformats.org/drawingml/2006/main" xmlns:r="http://schemas.openxmlformats.org/officeDocument/2006/relationships" xmlns:p="http://schemas.openxmlformats.org/presentationml/2006/main">
+  <p:cSld>
+    <p:spTree>
+      <p:nvGrpSpPr>
+        <p:cNvPr id="1" name=""/>
+        <p:cNvGrpSpPr/>
+        <p:nvPr/>
+      </p:nvGrpSpPr>
+      <p:grpSpPr>
+        <a:xfrm>
+          <a:off x="0" y="0"/>
+          <a:ext cx="0" cy="0"/>
+          <a:chOff x="0" y="0"/>
+          <a:chExt cx="0" cy="0"/>
+        </a:xfrm>
+      </p:grpSpPr>
+      <p:sp>
+        <p:nvSpPr>
+          <p:cNvPr id="2" name="TextBox 1">
+            <a:extLst>
+              <a:ext uri="{FF2B5EF4-FFF2-40B4-BE49-F238E27FC236}">
+                <a16:creationId xmlns:a16="http://schemas.microsoft.com/office/drawing/2014/main" id="{01075D2E-7425-4D1C-27E4-0AECFA476A90}"/>
+              </a:ext>
+            </a:extLst>
+          </p:cNvPr>
+          <p:cNvSpPr txBox="1"/>
+          <p:nvPr/>
+        </p:nvSpPr>
+        <p:spPr>
+          <a:xfrm>
+            <a:off x="0" y="6440129"/>
+            <a:ext cx="12192000" cy="369332"/>
+          </a:xfrm>
+          <a:prstGeom prst="rect">
+            <a:avLst/>
+          </a:prstGeom>
+          <a:noFill/>
+        </p:spPr>
+        <p:txBody>
+          <a:bodyPr wrap="square" rtlCol="0">
+            <a:spAutoFit/>
+          </a:bodyPr>
+          <a:lstStyle/>
+          <a:p>
+            <a:r>
+              <a:rPr lang="en-IN" dirty="0"/>
+              <a:t>	SICET					 				GitHub : </a:t>
+            </a:r>
+            <a:r>
+              <a:rPr lang="en-IN" dirty="0">
+                <a:hlinkClick r:id="rId2"/>
+              </a:rPr>
+              <a:t>MKGandhi05</a:t>
+            </a:r>
+            <a:r>
+              <a:rPr lang="en-IN" dirty="0"/>
+              <a:t>									  06</a:t>
+            </a:r>
+          </a:p>
+        </p:txBody>
+      </p:sp>
+      <p:sp>
+        <p:nvSpPr>
+          <p:cNvPr id="3" name="Title 1">
+            <a:extLst>
+              <a:ext uri="{FF2B5EF4-FFF2-40B4-BE49-F238E27FC236}">
+                <a16:creationId xmlns:a16="http://schemas.microsoft.com/office/drawing/2014/main" id="{E7745C37-AE35-3614-C6B6-084E982DC4B8}"/>
+              </a:ext>
+            </a:extLst>
+          </p:cNvPr>
+          <p:cNvSpPr txBox="1">
+            <a:spLocks/>
+          </p:cNvSpPr>
+          <p:nvPr/>
+        </p:nvSpPr>
+        <p:spPr>
+          <a:xfrm>
+            <a:off x="300866" y="778617"/>
+            <a:ext cx="9132694" cy="745383"/>
+          </a:xfrm>
+          <a:prstGeom prst="rect">
+            <a:avLst/>
+          </a:prstGeom>
+        </p:spPr>
+        <p:txBody>
+          <a:bodyPr>
+            <a:noAutofit/>
+          </a:bodyPr>
+          <a:lstStyle>
+            <a:lvl1pPr algn="l" defTabSz="914400" rtl="0" eaLnBrk="1" latinLnBrk="0" hangingPunct="1">
+              <a:lnSpc>
+                <a:spcPct val="85000"/>
+              </a:lnSpc>
+              <a:spcBef>
+                <a:spcPct val="0"/>
+              </a:spcBef>
+              <a:buNone/>
+              <a:defRPr sz="4800" kern="1200" spc="-50" baseline="0">
+                <a:solidFill>
+                  <a:schemeClr val="tx1">
+                    <a:lumMod val="75000"/>
+                    <a:lumOff val="25000"/>
+                  </a:schemeClr>
+                </a:solidFill>
+                <a:latin typeface="+mj-lt"/>
+                <a:ea typeface="+mj-ea"/>
+                <a:cs typeface="+mj-cs"/>
+              </a:defRPr>
+            </a:lvl1pPr>
+          </a:lstStyle>
+          <a:p>
+            <a:r>
+              <a:rPr lang="en-US" i="1" dirty="0">
+                <a:latin typeface="Roboto Mono" panose="020F0502020204030204" pitchFamily="49" charset="0"/>
+                <a:ea typeface="Roboto Mono" panose="020F0502020204030204" pitchFamily="49" charset="0"/>
+                <a:cs typeface="Roboto Mono" panose="020F0502020204030204" pitchFamily="49" charset="0"/>
+              </a:rPr>
+              <a:t>Detecting a Spoofed Email</a:t>
+            </a:r>
+            <a:endParaRPr lang="en-IN" dirty="0">
+              <a:latin typeface="Roboto Mono" panose="020F0502020204030204" pitchFamily="49" charset="0"/>
+              <a:ea typeface="Roboto Mono" panose="020F0502020204030204" pitchFamily="49" charset="0"/>
+              <a:cs typeface="Roboto Mono" panose="020F0502020204030204" pitchFamily="49" charset="0"/>
+            </a:endParaRPr>
+          </a:p>
+        </p:txBody>
+      </p:sp>
+      <p:sp>
+        <p:nvSpPr>
+          <p:cNvPr id="4" name="Rectangle 1">
+            <a:extLst>
+              <a:ext uri="{FF2B5EF4-FFF2-40B4-BE49-F238E27FC236}">
+                <a16:creationId xmlns:a16="http://schemas.microsoft.com/office/drawing/2014/main" id="{CA88F8F5-975D-06D3-554F-93548C50B521}"/>
+              </a:ext>
+            </a:extLst>
+          </p:cNvPr>
+          <p:cNvSpPr>
+            <a:spLocks noChangeArrowheads="1"/>
+          </p:cNvSpPr>
+          <p:nvPr/>
+        </p:nvSpPr>
+        <p:spPr bwMode="auto">
+          <a:xfrm>
+            <a:off x="0" y="1846549"/>
+            <a:ext cx="6339840" cy="4232834"/>
+          </a:xfrm>
+          <a:prstGeom prst="rect">
+            <a:avLst/>
+          </a:prstGeom>
+        </p:spPr>
+        <p:txBody>
+          <a:bodyPr>
+            <a:noAutofit/>
+          </a:bodyPr>
+          <a:lstStyle/>
+          <a:p>
+            <a:pPr marL="571500" indent="-571500" defTabSz="914400">
+              <a:lnSpc>
+                <a:spcPct val="150000"/>
+              </a:lnSpc>
+              <a:spcBef>
+                <a:spcPts val="1200"/>
+              </a:spcBef>
+              <a:buFont typeface="Wingdings" panose="05000000000000000000" pitchFamily="2" charset="2"/>
+              <a:buChar char="Ø"/>
+            </a:pPr>
+            <a:r>
+              <a:rPr lang="en-US" altLang="en-US" sz="2400" i="1" spc="-50" dirty="0">
+                <a:solidFill>
+                  <a:schemeClr val="tx1">
+                    <a:lumMod val="75000"/>
+                    <a:lumOff val="25000"/>
+                  </a:schemeClr>
+                </a:solidFill>
+                <a:latin typeface="Roboto Mono" panose="020F0502020204030204" pitchFamily="49" charset="0"/>
+                <a:ea typeface="Roboto Mono" panose="020F0502020204030204" pitchFamily="49" charset="0"/>
+              </a:rPr>
+              <a:t>Always inspect headers: “Return-Path”, “Received”, etc.</a:t>
+            </a:r>
+          </a:p>
+          <a:p>
+            <a:pPr marL="571500" indent="-571500" defTabSz="914400">
+              <a:lnSpc>
+                <a:spcPct val="150000"/>
+              </a:lnSpc>
+              <a:spcBef>
+                <a:spcPts val="1200"/>
+              </a:spcBef>
+              <a:buFont typeface="Wingdings" panose="05000000000000000000" pitchFamily="2" charset="2"/>
+              <a:buChar char="Ø"/>
+            </a:pPr>
+            <a:r>
+              <a:rPr lang="en-US" altLang="en-US" sz="2400" i="1" spc="-50" dirty="0">
+                <a:solidFill>
+                  <a:schemeClr val="tx1">
+                    <a:lumMod val="75000"/>
+                    <a:lumOff val="25000"/>
+                  </a:schemeClr>
+                </a:solidFill>
+                <a:latin typeface="Roboto Mono" panose="020F0502020204030204" pitchFamily="49" charset="0"/>
+                <a:ea typeface="Roboto Mono" panose="020F0502020204030204" pitchFamily="49" charset="0"/>
+              </a:rPr>
+              <a:t>Look for mismatches in the actual sending domain</a:t>
+            </a:r>
+          </a:p>
+          <a:p>
+            <a:pPr marL="571500" indent="-571500" defTabSz="914400">
+              <a:lnSpc>
+                <a:spcPct val="150000"/>
+              </a:lnSpc>
+              <a:spcBef>
+                <a:spcPts val="1200"/>
+              </a:spcBef>
+              <a:buFont typeface="Wingdings" panose="05000000000000000000" pitchFamily="2" charset="2"/>
+              <a:buChar char="Ø"/>
+            </a:pPr>
+            <a:r>
+              <a:rPr lang="en-US" altLang="en-US" sz="2400" i="1" spc="-50" dirty="0">
+                <a:solidFill>
+                  <a:schemeClr val="tx1">
+                    <a:lumMod val="75000"/>
+                    <a:lumOff val="25000"/>
+                  </a:schemeClr>
+                </a:solidFill>
+                <a:latin typeface="Roboto Mono" panose="020F0502020204030204" pitchFamily="49" charset="0"/>
+                <a:ea typeface="Roboto Mono" panose="020F0502020204030204" pitchFamily="49" charset="0"/>
+              </a:rPr>
+              <a:t>Gmail: Click “Show Original” → Analyze SPF/DKIM status</a:t>
+            </a:r>
+          </a:p>
+        </p:txBody>
+      </p:sp>
+      <p:pic>
+        <p:nvPicPr>
+          <p:cNvPr id="8" name="Picture 7">
+            <a:extLst>
+              <a:ext uri="{FF2B5EF4-FFF2-40B4-BE49-F238E27FC236}">
+                <a16:creationId xmlns:a16="http://schemas.microsoft.com/office/drawing/2014/main" id="{5ABB7D47-6301-4A2C-B46C-7DFCC0ED6E63}"/>
+              </a:ext>
+            </a:extLst>
+          </p:cNvPr>
+          <p:cNvPicPr>
+            <a:picLocks noChangeAspect="1"/>
+          </p:cNvPicPr>
+          <p:nvPr/>
+        </p:nvPicPr>
+        <p:blipFill>
+          <a:blip r:embed="rId3"/>
+          <a:stretch>
+            <a:fillRect/>
+          </a:stretch>
+        </p:blipFill>
+        <p:spPr>
+          <a:xfrm>
+            <a:off x="6339840" y="2039116"/>
+            <a:ext cx="5802519" cy="3401564"/>
+          </a:xfrm>
+          <a:prstGeom prst="rect">
+            <a:avLst/>
+          </a:prstGeom>
+        </p:spPr>
+      </p:pic>
+    </p:spTree>
+    <p:extLst>
+      <p:ext uri="{BB962C8B-B14F-4D97-AF65-F5344CB8AC3E}">
+        <p14:creationId xmlns:p14="http://schemas.microsoft.com/office/powerpoint/2010/main" val="1683583929"/>
+      </p:ext>
+    </p:extLst>
+  </p:cSld>
+  <p:clrMapOvr>
+    <a:masterClrMapping/>
+  </p:clrMapOvr>
+  <p:timing>
+    <p:tnLst>
+      <p:par>
+        <p:cTn id="1" dur="indefinite" restart="never" nodeType="tmRoot">
+          <p:childTnLst>
+            <p:seq concurrent="1" nextAc="seek">
+              <p:cTn id="2" dur="indefinite" nodeType="mainSeq">
+                <p:childTnLst>
+                  <p:par>
+                    <p:cTn id="3" fill="hold">
+                      <p:stCondLst>
+                        <p:cond delay="indefinite"/>
+                        <p:cond evt="onBegin" delay="0">
+                          <p:tn val="2"/>
+                        </p:cond>
+                      </p:stCondLst>
+                      <p:childTnLst>
+                        <p:par>
+                          <p:cTn id="4" fill="hold">
+                            <p:stCondLst>
+                              <p:cond delay="0"/>
+                            </p:stCondLst>
+                            <p:childTnLst>
+                              <p:par>
+                                <p:cTn id="5" presetID="22" presetClass="entr" presetSubtype="8" fill="hold" grpId="0" nodeType="withEffect">
+                                  <p:stCondLst>
+                                    <p:cond delay="0"/>
+                                  </p:stCondLst>
+                                  <p:childTnLst>
+                                    <p:set>
+                                      <p:cBhvr>
+                                        <p:cTn id="6" dur="1" fill="hold">
+                                          <p:stCondLst>
+                                            <p:cond delay="0"/>
+                                          </p:stCondLst>
+                                        </p:cTn>
+                                        <p:tgtEl>
+                                          <p:spTgt spid="3"/>
+                                        </p:tgtEl>
+                                        <p:attrNameLst>
+                                          <p:attrName>style.visibility</p:attrName>
+                                        </p:attrNameLst>
+                                      </p:cBhvr>
+                                      <p:to>
+                                        <p:strVal val="visible"/>
+                                      </p:to>
+                                    </p:set>
+                                    <p:animEffect transition="in" filter="wipe(left)">
+                                      <p:cBhvr>
+                                        <p:cTn id="7" dur="1250"/>
+                                        <p:tgtEl>
+                                          <p:spTgt spid="3"/>
+                                        </p:tgtEl>
+                                      </p:cBhvr>
+                                    </p:animEffect>
+                                  </p:childTnLst>
+                                </p:cTn>
+                              </p:par>
+                            </p:childTnLst>
+                          </p:cTn>
+                        </p:par>
+                      </p:childTnLst>
+                    </p:cTn>
+                  </p:par>
+                  <p:par>
+                    <p:cTn id="8" fill="hold">
+                      <p:stCondLst>
+                        <p:cond delay="indefinite"/>
+                      </p:stCondLst>
+                      <p:childTnLst>
+                        <p:par>
+                          <p:cTn id="9" fill="hold">
+                            <p:stCondLst>
+                              <p:cond delay="0"/>
+                            </p:stCondLst>
+                            <p:childTnLst>
+                              <p:par>
+                                <p:cTn id="10" presetID="10" presetClass="entr" presetSubtype="0" fill="hold" nodeType="clickEffect">
+                                  <p:stCondLst>
+                                    <p:cond delay="0"/>
+                                  </p:stCondLst>
+                                  <p:childTnLst>
+                                    <p:set>
+                                      <p:cBhvr>
+                                        <p:cTn id="11" dur="1" fill="hold">
+                                          <p:stCondLst>
+                                            <p:cond delay="0"/>
+                                          </p:stCondLst>
+                                        </p:cTn>
+                                        <p:tgtEl>
+                                          <p:spTgt spid="4">
+                                            <p:txEl>
+                                              <p:pRg st="0" end="0"/>
+                                            </p:txEl>
+                                          </p:spTgt>
+                                        </p:tgtEl>
+                                        <p:attrNameLst>
+                                          <p:attrName>style.visibility</p:attrName>
+                                        </p:attrNameLst>
+                                      </p:cBhvr>
+                                      <p:to>
+                                        <p:strVal val="visible"/>
+                                      </p:to>
+                                    </p:set>
+                                    <p:animEffect transition="in" filter="fade">
+                                      <p:cBhvr>
+                                        <p:cTn id="12" dur="500"/>
+                                        <p:tgtEl>
+                                          <p:spTgt spid="4">
+                                            <p:txEl>
+                                              <p:pRg st="0" end="0"/>
+                                            </p:txEl>
+                                          </p:spTgt>
+                                        </p:tgtEl>
+                                      </p:cBhvr>
+                                    </p:animEffect>
+                                  </p:childTnLst>
+                                </p:cTn>
+                              </p:par>
+                              <p:par>
+                                <p:cTn id="13" presetID="10" presetClass="entr" presetSubtype="0" fill="hold" nodeType="withEffect">
+                                  <p:stCondLst>
+                                    <p:cond delay="0"/>
+                                  </p:stCondLst>
+                                  <p:childTnLst>
+                                    <p:set>
+                                      <p:cBhvr>
+                                        <p:cTn id="14" dur="1" fill="hold">
+                                          <p:stCondLst>
+                                            <p:cond delay="0"/>
+                                          </p:stCondLst>
+                                        </p:cTn>
+                                        <p:tgtEl>
+                                          <p:spTgt spid="8"/>
+                                        </p:tgtEl>
+                                        <p:attrNameLst>
+                                          <p:attrName>style.visibility</p:attrName>
+                                        </p:attrNameLst>
+                                      </p:cBhvr>
+                                      <p:to>
+                                        <p:strVal val="visible"/>
+                                      </p:to>
+                                    </p:set>
+                                    <p:animEffect transition="in" filter="fade">
+                                      <p:cBhvr>
+                                        <p:cTn id="15" dur="500"/>
+                                        <p:tgtEl>
+                                          <p:spTgt spid="8"/>
+                                        </p:tgtEl>
+                                      </p:cBhvr>
+                                    </p:animEffect>
+                                  </p:childTnLst>
+                                </p:cTn>
+                              </p:par>
+                            </p:childTnLst>
+                          </p:cTn>
+                        </p:par>
+                      </p:childTnLst>
+                    </p:cTn>
+                  </p:par>
+                  <p:par>
+                    <p:cTn id="16" fill="hold">
+                      <p:stCondLst>
+                        <p:cond delay="indefinite"/>
+                      </p:stCondLst>
+                      <p:childTnLst>
+                        <p:par>
+                          <p:cTn id="17" fill="hold">
+                            <p:stCondLst>
+                              <p:cond delay="0"/>
+                            </p:stCondLst>
+                            <p:childTnLst>
+                              <p:par>
+                                <p:cTn id="18" presetID="10" presetClass="entr" presetSubtype="0" fill="hold" nodeType="clickEffect">
+                                  <p:stCondLst>
+                                    <p:cond delay="0"/>
+                                  </p:stCondLst>
+                                  <p:childTnLst>
+                                    <p:set>
+                                      <p:cBhvr>
+                                        <p:cTn id="19" dur="1" fill="hold">
+                                          <p:stCondLst>
+                                            <p:cond delay="0"/>
+                                          </p:stCondLst>
+                                        </p:cTn>
+                                        <p:tgtEl>
+                                          <p:spTgt spid="4">
+                                            <p:txEl>
+                                              <p:pRg st="1" end="1"/>
+                                            </p:txEl>
+                                          </p:spTgt>
+                                        </p:tgtEl>
+                                        <p:attrNameLst>
+                                          <p:attrName>style.visibility</p:attrName>
+                                        </p:attrNameLst>
+                                      </p:cBhvr>
+                                      <p:to>
+                                        <p:strVal val="visible"/>
+                                      </p:to>
+                                    </p:set>
+                                    <p:animEffect transition="in" filter="fade">
+                                      <p:cBhvr>
+                                        <p:cTn id="20" dur="500"/>
+                                        <p:tgtEl>
+                                          <p:spTgt spid="4">
+                                            <p:txEl>
+                                              <p:pRg st="1" end="1"/>
+                                            </p:txEl>
+                                          </p:spTgt>
+                                        </p:tgtEl>
+                                      </p:cBhvr>
+                                    </p:animEffect>
+                                  </p:childTnLst>
+                                </p:cTn>
+                              </p:par>
+                            </p:childTnLst>
+                          </p:cTn>
+                        </p:par>
+                      </p:childTnLst>
+                    </p:cTn>
+                  </p:par>
+                  <p:par>
+                    <p:cTn id="21" fill="hold">
+                      <p:stCondLst>
+                        <p:cond delay="indefinite"/>
+                      </p:stCondLst>
+                      <p:childTnLst>
+                        <p:par>
+                          <p:cTn id="22" fill="hold">
+                            <p:stCondLst>
+                              <p:cond delay="0"/>
+                            </p:stCondLst>
+                            <p:childTnLst>
+                              <p:par>
+                                <p:cTn id="23" presetID="10" presetClass="entr" presetSubtype="0" fill="hold" nodeType="clickEffect">
+                                  <p:stCondLst>
+                                    <p:cond delay="0"/>
+                                  </p:stCondLst>
+                                  <p:childTnLst>
+                                    <p:set>
+                                      <p:cBhvr>
+                                        <p:cTn id="24" dur="1" fill="hold">
+                                          <p:stCondLst>
+                                            <p:cond delay="0"/>
+                                          </p:stCondLst>
+                                        </p:cTn>
+                                        <p:tgtEl>
+                                          <p:spTgt spid="4">
+                                            <p:txEl>
+                                              <p:pRg st="2" end="2"/>
+                                            </p:txEl>
+                                          </p:spTgt>
+                                        </p:tgtEl>
+                                        <p:attrNameLst>
+                                          <p:attrName>style.visibility</p:attrName>
+                                        </p:attrNameLst>
+                                      </p:cBhvr>
+                                      <p:to>
+                                        <p:strVal val="visible"/>
+                                      </p:to>
+                                    </p:set>
+                                    <p:animEffect transition="in" filter="fade">
+                                      <p:cBhvr>
+                                        <p:cTn id="25" dur="500"/>
+                                        <p:tgtEl>
+                                          <p:spTgt spid="4">
+                                            <p:txEl>
+                                              <p:pRg st="2" end="2"/>
+                                            </p:txEl>
+                                          </p:spTgt>
+                                        </p:tgtEl>
+                                      </p:cBhvr>
+                                    </p:animEffect>
+                                  </p:childTnLst>
+                                </p:cTn>
+                              </p:par>
+                            </p:childTnLst>
+                          </p:cTn>
+                        </p:par>
+                      </p:childTnLst>
+                    </p:cTn>
+                  </p:par>
+                </p:childTnLst>
+              </p:cTn>
+              <p:prevCondLst>
+                <p:cond evt="onPrev" delay="0">
+                  <p:tgtEl>
+                    <p:sldTgt/>
+                  </p:tgtEl>
+                </p:cond>
+              </p:prevCondLst>
+              <p:nextCondLst>
+                <p:cond evt="onNext" delay="0">
+                  <p:tgtEl>
+                    <p:sldTgt/>
+                  </p:tgtEl>
+                </p:cond>
+              </p:nextCondLst>
+            </p:seq>
+          </p:childTnLst>
+        </p:cTn>
+      </p:par>
+    </p:tnLst>
+    <p:bldLst>
+      <p:bldP spid="3" grpId="0"/>
+    </p:bldLst>
+  </p:timing>
+</p:sld>
+</file>
+
+<file path=ppt/slides/slide7.xml><?xml version="1.0" encoding="utf-8"?>
+<p:sld xmlns:a="http://schemas.openxmlformats.org/drawingml/2006/main" xmlns:r="http://schemas.openxmlformats.org/officeDocument/2006/relationships" xmlns:p="http://schemas.openxmlformats.org/presentationml/2006/main">
+  <p:cSld>
+    <p:spTree>
+      <p:nvGrpSpPr>
+        <p:cNvPr id="1" name=""/>
+        <p:cNvGrpSpPr/>
+        <p:nvPr/>
+      </p:nvGrpSpPr>
+      <p:grpSpPr>
+        <a:xfrm>
+          <a:off x="0" y="0"/>
+          <a:ext cx="0" cy="0"/>
+          <a:chOff x="0" y="0"/>
+          <a:chExt cx="0" cy="0"/>
+        </a:xfrm>
+      </p:grpSpPr>
+      <p:sp>
+        <p:nvSpPr>
+          <p:cNvPr id="2" name="TextBox 1">
+            <a:extLst>
+              <a:ext uri="{FF2B5EF4-FFF2-40B4-BE49-F238E27FC236}">
+                <a16:creationId xmlns:a16="http://schemas.microsoft.com/office/drawing/2014/main" id="{33212D2A-1691-0902-8CC8-0AE7C71F0485}"/>
+              </a:ext>
+            </a:extLst>
+          </p:cNvPr>
+          <p:cNvSpPr txBox="1"/>
+          <p:nvPr/>
+        </p:nvSpPr>
+        <p:spPr>
+          <a:xfrm>
+            <a:off x="0" y="6440129"/>
+            <a:ext cx="12192000" cy="369332"/>
+          </a:xfrm>
+          <a:prstGeom prst="rect">
+            <a:avLst/>
+          </a:prstGeom>
+          <a:noFill/>
+        </p:spPr>
+        <p:txBody>
+          <a:bodyPr wrap="square" rtlCol="0">
+            <a:spAutoFit/>
+          </a:bodyPr>
+          <a:lstStyle/>
+          <a:p>
+            <a:r>
+              <a:rPr lang="en-IN" dirty="0"/>
+              <a:t>	SICET					 				GitHub : </a:t>
+            </a:r>
+            <a:r>
+              <a:rPr lang="en-IN" dirty="0">
+                <a:hlinkClick r:id="rId2"/>
+              </a:rPr>
+              <a:t>MKGandhi05</a:t>
+            </a:r>
+            <a:r>
+              <a:rPr lang="en-IN" dirty="0"/>
+              <a:t>									  07</a:t>
+            </a:r>
+          </a:p>
+        </p:txBody>
+      </p:sp>
+      <p:sp>
+        <p:nvSpPr>
+          <p:cNvPr id="3" name="Title 1">
+            <a:extLst>
+              <a:ext uri="{FF2B5EF4-FFF2-40B4-BE49-F238E27FC236}">
+                <a16:creationId xmlns:a16="http://schemas.microsoft.com/office/drawing/2014/main" id="{2DB81642-7F17-04E0-8100-3BE6C6278ACA}"/>
+              </a:ext>
+            </a:extLst>
+          </p:cNvPr>
+          <p:cNvSpPr txBox="1">
+            <a:spLocks/>
+          </p:cNvSpPr>
+          <p:nvPr/>
+        </p:nvSpPr>
+        <p:spPr>
+          <a:xfrm>
+            <a:off x="300866" y="778617"/>
+            <a:ext cx="11083414" cy="745383"/>
+          </a:xfrm>
+          <a:prstGeom prst="rect">
+            <a:avLst/>
+          </a:prstGeom>
+        </p:spPr>
+        <p:txBody>
+          <a:bodyPr>
+            <a:noAutofit/>
+          </a:bodyPr>
+          <a:lstStyle>
+            <a:defPPr>
+              <a:defRPr lang="en-US"/>
+            </a:defPPr>
+            <a:lvl1pPr defTabSz="914400">
+              <a:lnSpc>
+                <a:spcPct val="85000"/>
+              </a:lnSpc>
+              <a:spcBef>
+                <a:spcPct val="0"/>
+              </a:spcBef>
+              <a:buNone/>
+              <a:defRPr sz="4800" i="1" spc="-50" baseline="0">
+                <a:solidFill>
+                  <a:schemeClr val="tx1">
+                    <a:lumMod val="75000"/>
+                    <a:lumOff val="25000"/>
+                  </a:schemeClr>
+                </a:solidFill>
+                <a:latin typeface="Roboto Mono" panose="020F0502020204030204" pitchFamily="49" charset="0"/>
+                <a:ea typeface="Roboto Mono" panose="020F0502020204030204" pitchFamily="49" charset="0"/>
+                <a:cs typeface="Roboto Mono" panose="020F0502020204030204" pitchFamily="49" charset="0"/>
+              </a:defRPr>
+            </a:lvl1pPr>
+          </a:lstStyle>
+          <a:p>
+            <a:r>
+              <a:rPr lang="en-US" dirty="0"/>
+              <a:t>How to Prevent Email Spoofing?</a:t>
+            </a:r>
+            <a:endParaRPr lang="en-IN" dirty="0"/>
+          </a:p>
+        </p:txBody>
+      </p:sp>
+      <p:sp>
+        <p:nvSpPr>
+          <p:cNvPr id="4" name="Rectangle 1">
+            <a:extLst>
+              <a:ext uri="{FF2B5EF4-FFF2-40B4-BE49-F238E27FC236}">
+                <a16:creationId xmlns:a16="http://schemas.microsoft.com/office/drawing/2014/main" id="{227F2212-C6AF-9DA5-52AE-69666F9FC699}"/>
+              </a:ext>
+            </a:extLst>
+          </p:cNvPr>
+          <p:cNvSpPr>
+            <a:spLocks noChangeArrowheads="1"/>
+          </p:cNvSpPr>
+          <p:nvPr/>
+        </p:nvSpPr>
+        <p:spPr bwMode="auto">
+          <a:xfrm>
+            <a:off x="422786" y="1761529"/>
+            <a:ext cx="6435214" cy="3785831"/>
+          </a:xfrm>
+          <a:prstGeom prst="rect">
+            <a:avLst/>
+          </a:prstGeom>
+        </p:spPr>
+        <p:txBody>
+          <a:bodyPr>
+            <a:noAutofit/>
+          </a:bodyPr>
+          <a:lstStyle/>
+          <a:p>
+            <a:pPr defTabSz="914400">
+              <a:lnSpc>
+                <a:spcPct val="150000"/>
+              </a:lnSpc>
+              <a:spcBef>
+                <a:spcPts val="1200"/>
+              </a:spcBef>
+            </a:pPr>
+            <a:r>
+              <a:rPr lang="en-US" altLang="en-US" sz="2400" i="1" spc="-50" dirty="0">
+                <a:solidFill>
+                  <a:schemeClr val="tx1">
+                    <a:lumMod val="75000"/>
+                    <a:lumOff val="25000"/>
+                  </a:schemeClr>
+                </a:solidFill>
+                <a:latin typeface="Roboto Mono" panose="020F0502020204030204" pitchFamily="49" charset="0"/>
+                <a:ea typeface="Roboto Mono" panose="020F0502020204030204" pitchFamily="49" charset="0"/>
+              </a:rPr>
+              <a:t>✅ SPF – Validates authorized IPs</a:t>
+            </a:r>
+          </a:p>
+          <a:p>
+            <a:pPr defTabSz="914400">
+              <a:lnSpc>
+                <a:spcPct val="150000"/>
+              </a:lnSpc>
+              <a:spcBef>
+                <a:spcPts val="1200"/>
+              </a:spcBef>
+            </a:pPr>
+            <a:r>
+              <a:rPr lang="en-US" altLang="en-US" sz="2400" i="1" spc="-50" dirty="0">
+                <a:solidFill>
+                  <a:schemeClr val="tx1">
+                    <a:lumMod val="75000"/>
+                    <a:lumOff val="25000"/>
+                  </a:schemeClr>
+                </a:solidFill>
+                <a:latin typeface="Roboto Mono" panose="020F0502020204030204" pitchFamily="49" charset="0"/>
+                <a:ea typeface="Roboto Mono" panose="020F0502020204030204" pitchFamily="49" charset="0"/>
+              </a:rPr>
+              <a:t>✅ DKIM – Email is digitally signed</a:t>
+            </a:r>
+          </a:p>
+          <a:p>
+            <a:pPr defTabSz="914400">
+              <a:lnSpc>
+                <a:spcPct val="150000"/>
+              </a:lnSpc>
+              <a:spcBef>
+                <a:spcPts val="1200"/>
+              </a:spcBef>
+            </a:pPr>
+            <a:r>
+              <a:rPr lang="en-US" altLang="en-US" sz="2400" i="1" spc="-50" dirty="0">
+                <a:solidFill>
+                  <a:schemeClr val="tx1">
+                    <a:lumMod val="75000"/>
+                    <a:lumOff val="25000"/>
+                  </a:schemeClr>
+                </a:solidFill>
+                <a:latin typeface="Roboto Mono" panose="020F0502020204030204" pitchFamily="49" charset="0"/>
+                <a:ea typeface="Roboto Mono" panose="020F0502020204030204" pitchFamily="49" charset="0"/>
+              </a:rPr>
+              <a:t>✅ DMARC – Tells receivers how to act if SPF/DKIM fail</a:t>
+            </a:r>
+          </a:p>
+          <a:p>
+            <a:pPr defTabSz="914400">
+              <a:lnSpc>
+                <a:spcPct val="150000"/>
+              </a:lnSpc>
+              <a:spcBef>
+                <a:spcPts val="1200"/>
+              </a:spcBef>
+            </a:pPr>
+            <a:r>
+              <a:rPr lang="en-US" altLang="en-US" sz="2400" i="1" spc="-50" dirty="0">
+                <a:solidFill>
+                  <a:schemeClr val="tx1">
+                    <a:lumMod val="75000"/>
+                    <a:lumOff val="25000"/>
+                  </a:schemeClr>
+                </a:solidFill>
+                <a:latin typeface="Roboto Mono" panose="020F0502020204030204" pitchFamily="49" charset="0"/>
+                <a:ea typeface="Roboto Mono" panose="020F0502020204030204" pitchFamily="49" charset="0"/>
+              </a:rPr>
+              <a:t>✅ Works together to stop impersonation</a:t>
+            </a:r>
+          </a:p>
+        </p:txBody>
+      </p:sp>
+      <p:sp>
+        <p:nvSpPr>
+          <p:cNvPr id="5" name="TextBox 4">
+            <a:extLst>
+              <a:ext uri="{FF2B5EF4-FFF2-40B4-BE49-F238E27FC236}">
+                <a16:creationId xmlns:a16="http://schemas.microsoft.com/office/drawing/2014/main" id="{04BF8C40-2C45-3B62-5B95-E02EC79931E6}"/>
+              </a:ext>
+            </a:extLst>
+          </p:cNvPr>
+          <p:cNvSpPr txBox="1"/>
+          <p:nvPr/>
+        </p:nvSpPr>
+        <p:spPr>
+          <a:xfrm>
+            <a:off x="6972509" y="1376752"/>
+            <a:ext cx="4450080" cy="4555383"/>
+          </a:xfrm>
+          <a:prstGeom prst="rect">
+            <a:avLst/>
+          </a:prstGeom>
+        </p:spPr>
+        <p:txBody>
+          <a:bodyPr>
+            <a:noAutofit/>
+          </a:bodyPr>
+          <a:lstStyle>
+            <a:defPPr>
+              <a:defRPr lang="en-US"/>
+            </a:defPPr>
+            <a:lvl1pPr defTabSz="914400">
+              <a:lnSpc>
+                <a:spcPct val="150000"/>
+              </a:lnSpc>
+              <a:spcBef>
+                <a:spcPts val="1200"/>
+              </a:spcBef>
+              <a:defRPr sz="2400" i="1" spc="-50">
+                <a:solidFill>
+                  <a:schemeClr val="tx1">
+                    <a:lumMod val="75000"/>
+                    <a:lumOff val="25000"/>
+                  </a:schemeClr>
+                </a:solidFill>
+                <a:latin typeface="Roboto Mono" panose="020F0502020204030204" pitchFamily="49" charset="0"/>
+                <a:ea typeface="Roboto Mono" panose="020F0502020204030204" pitchFamily="49" charset="0"/>
+              </a:defRPr>
+            </a:lvl1pPr>
+          </a:lstStyle>
+          <a:p>
+            <a:pPr>
+              <a:spcBef>
+                <a:spcPts val="0"/>
+              </a:spcBef>
+            </a:pPr>
+            <a:r>
+              <a:rPr lang="en-IN" sz="6000" i="0" dirty="0">
+                <a:solidFill>
+                  <a:srgbClr val="FF0000"/>
+                </a:solidFill>
+              </a:rPr>
+              <a:t>S</a:t>
+            </a:r>
+            <a:r>
+              <a:rPr lang="en-IN" sz="6000" i="0" dirty="0">
+                <a:solidFill>
+                  <a:srgbClr val="FFFF00"/>
+                </a:solidFill>
+              </a:rPr>
+              <a:t>ender</a:t>
+            </a:r>
+            <a:br>
+              <a:rPr lang="en-IN" sz="6000" i="0" dirty="0">
+                <a:solidFill>
+                  <a:srgbClr val="FFFF00"/>
+                </a:solidFill>
+              </a:rPr>
+            </a:br>
+            <a:r>
+              <a:rPr lang="en-IN" sz="6000" i="0" dirty="0">
+                <a:solidFill>
+                  <a:srgbClr val="FF0000"/>
+                </a:solidFill>
+              </a:rPr>
+              <a:t>P</a:t>
+            </a:r>
+            <a:r>
+              <a:rPr lang="en-IN" sz="6000" i="0" dirty="0">
+                <a:solidFill>
+                  <a:srgbClr val="FFFF00"/>
+                </a:solidFill>
+              </a:rPr>
+              <a:t>olicy </a:t>
+            </a:r>
+            <a:r>
+              <a:rPr lang="en-IN" sz="6000" i="0" dirty="0">
+                <a:solidFill>
+                  <a:srgbClr val="FF0000"/>
+                </a:solidFill>
+              </a:rPr>
+              <a:t>F</a:t>
+            </a:r>
+            <a:r>
+              <a:rPr lang="en-IN" sz="6000" i="0" dirty="0">
+                <a:solidFill>
+                  <a:srgbClr val="FFFF00"/>
+                </a:solidFill>
+              </a:rPr>
+              <a:t>ramework</a:t>
+            </a:r>
+          </a:p>
+        </p:txBody>
+      </p:sp>
+      <p:sp>
+        <p:nvSpPr>
+          <p:cNvPr id="6" name="TextBox 5">
+            <a:extLst>
+              <a:ext uri="{FF2B5EF4-FFF2-40B4-BE49-F238E27FC236}">
+                <a16:creationId xmlns:a16="http://schemas.microsoft.com/office/drawing/2014/main" id="{78FDADF2-4682-1171-6F04-B3D686BBE624}"/>
+              </a:ext>
+            </a:extLst>
+          </p:cNvPr>
+          <p:cNvSpPr txBox="1"/>
+          <p:nvPr/>
+        </p:nvSpPr>
+        <p:spPr>
+          <a:xfrm>
+            <a:off x="6972509" y="1376751"/>
+            <a:ext cx="5227320" cy="4555383"/>
+          </a:xfrm>
+          <a:prstGeom prst="rect">
+            <a:avLst/>
+          </a:prstGeom>
+        </p:spPr>
+        <p:txBody>
+          <a:bodyPr>
+            <a:noAutofit/>
+          </a:bodyPr>
+          <a:lstStyle>
+            <a:defPPr>
+              <a:defRPr lang="en-US"/>
+            </a:defPPr>
+            <a:lvl1pPr defTabSz="914400">
+              <a:lnSpc>
+                <a:spcPct val="150000"/>
+              </a:lnSpc>
+              <a:spcBef>
+                <a:spcPts val="1200"/>
+              </a:spcBef>
+              <a:defRPr sz="2400" i="1" spc="-50">
+                <a:solidFill>
+                  <a:schemeClr val="tx1">
+                    <a:lumMod val="75000"/>
+                    <a:lumOff val="25000"/>
+                  </a:schemeClr>
+                </a:solidFill>
+                <a:latin typeface="Roboto Mono" panose="020F0502020204030204" pitchFamily="49" charset="0"/>
+                <a:ea typeface="Roboto Mono" panose="020F0502020204030204" pitchFamily="49" charset="0"/>
+              </a:defRPr>
+            </a:lvl1pPr>
+          </a:lstStyle>
+          <a:p>
+            <a:pPr>
+              <a:spcBef>
+                <a:spcPts val="0"/>
+              </a:spcBef>
+            </a:pPr>
+            <a:r>
+              <a:rPr lang="en-IN" sz="4800" i="0" dirty="0">
+                <a:solidFill>
+                  <a:srgbClr val="FF0000"/>
+                </a:solidFill>
+              </a:rPr>
+              <a:t>D</a:t>
+            </a:r>
+            <a:r>
+              <a:rPr lang="en-IN" sz="4800" i="0" dirty="0">
+                <a:solidFill>
+                  <a:srgbClr val="FFFF00"/>
+                </a:solidFill>
+              </a:rPr>
+              <a:t>omain </a:t>
+            </a:r>
+          </a:p>
+          <a:p>
+            <a:pPr>
+              <a:spcBef>
+                <a:spcPts val="0"/>
+              </a:spcBef>
+            </a:pPr>
+            <a:r>
+              <a:rPr lang="en-IN" sz="4800" i="0" dirty="0">
+                <a:solidFill>
+                  <a:srgbClr val="FF0000"/>
+                </a:solidFill>
+              </a:rPr>
+              <a:t>K</a:t>
+            </a:r>
+            <a:r>
+              <a:rPr lang="en-IN" sz="4800" i="0" dirty="0">
+                <a:solidFill>
+                  <a:srgbClr val="FFFF00"/>
+                </a:solidFill>
+              </a:rPr>
+              <a:t>ey</a:t>
+            </a:r>
+            <a:br>
+              <a:rPr lang="en-IN" sz="4800" i="0" dirty="0">
+                <a:solidFill>
+                  <a:srgbClr val="FFFF00"/>
+                </a:solidFill>
+              </a:rPr>
+            </a:br>
+            <a:r>
+              <a:rPr lang="en-IN" sz="4800" i="0" dirty="0">
+                <a:solidFill>
+                  <a:srgbClr val="FF0000"/>
+                </a:solidFill>
+              </a:rPr>
+              <a:t>I</a:t>
+            </a:r>
+            <a:r>
+              <a:rPr lang="en-IN" sz="4800" i="0" dirty="0">
+                <a:solidFill>
+                  <a:srgbClr val="FFFF00"/>
+                </a:solidFill>
+              </a:rPr>
+              <a:t>dentified</a:t>
+            </a:r>
+            <a:br>
+              <a:rPr lang="en-IN" sz="4800" i="0" dirty="0">
+                <a:solidFill>
+                  <a:srgbClr val="FFFF00"/>
+                </a:solidFill>
+              </a:rPr>
+            </a:br>
+            <a:r>
+              <a:rPr lang="en-IN" sz="4800" i="0" dirty="0">
+                <a:solidFill>
+                  <a:srgbClr val="FF0000"/>
+                </a:solidFill>
+              </a:rPr>
+              <a:t>M</a:t>
+            </a:r>
+            <a:r>
+              <a:rPr lang="en-IN" sz="4800" i="0" dirty="0">
+                <a:solidFill>
+                  <a:srgbClr val="FFFF00"/>
+                </a:solidFill>
+              </a:rPr>
+              <a:t>ail</a:t>
+            </a:r>
+          </a:p>
+        </p:txBody>
+      </p:sp>
+      <p:sp>
+        <p:nvSpPr>
+          <p:cNvPr id="7" name="TextBox 6">
+            <a:extLst>
+              <a:ext uri="{FF2B5EF4-FFF2-40B4-BE49-F238E27FC236}">
+                <a16:creationId xmlns:a16="http://schemas.microsoft.com/office/drawing/2014/main" id="{3DC7793F-A802-3412-217E-2CA85CD8FFD1}"/>
+              </a:ext>
+            </a:extLst>
+          </p:cNvPr>
+          <p:cNvSpPr txBox="1"/>
+          <p:nvPr/>
+        </p:nvSpPr>
+        <p:spPr>
+          <a:xfrm>
+            <a:off x="6972509" y="1450376"/>
+            <a:ext cx="4686300" cy="4555382"/>
+          </a:xfrm>
+          <a:prstGeom prst="rect">
+            <a:avLst/>
+          </a:prstGeom>
+        </p:spPr>
+        <p:txBody>
+          <a:bodyPr>
+            <a:noAutofit/>
+          </a:bodyPr>
+          <a:lstStyle>
+            <a:defPPr>
+              <a:defRPr lang="en-US"/>
+            </a:defPPr>
+            <a:lvl1pPr defTabSz="914400">
+              <a:lnSpc>
+                <a:spcPct val="150000"/>
+              </a:lnSpc>
+              <a:spcBef>
+                <a:spcPts val="1200"/>
+              </a:spcBef>
+              <a:defRPr sz="2400" i="1" spc="-50">
+                <a:solidFill>
+                  <a:schemeClr val="tx1">
+                    <a:lumMod val="75000"/>
+                    <a:lumOff val="25000"/>
+                  </a:schemeClr>
+                </a:solidFill>
+                <a:latin typeface="Roboto Mono" panose="020F0502020204030204" pitchFamily="49" charset="0"/>
+                <a:ea typeface="Roboto Mono" panose="020F0502020204030204" pitchFamily="49" charset="0"/>
+              </a:defRPr>
+            </a:lvl1pPr>
+          </a:lstStyle>
+          <a:p>
+            <a:pPr>
+              <a:spcBef>
+                <a:spcPts val="0"/>
+              </a:spcBef>
+            </a:pPr>
+            <a:r>
+              <a:rPr lang="en-IN" sz="3600" i="0" dirty="0">
+                <a:solidFill>
+                  <a:srgbClr val="FF0000"/>
+                </a:solidFill>
+              </a:rPr>
+              <a:t>D</a:t>
+            </a:r>
+            <a:r>
+              <a:rPr lang="en-IN" sz="3600" i="0" dirty="0">
+                <a:solidFill>
+                  <a:srgbClr val="FFFF00"/>
+                </a:solidFill>
+              </a:rPr>
+              <a:t>omain </a:t>
+            </a:r>
+          </a:p>
+          <a:p>
+            <a:pPr>
+              <a:spcBef>
+                <a:spcPts val="0"/>
+              </a:spcBef>
+            </a:pPr>
+            <a:r>
+              <a:rPr lang="en-IN" sz="3600" i="0" dirty="0">
+                <a:solidFill>
+                  <a:srgbClr val="FF0000"/>
+                </a:solidFill>
+              </a:rPr>
+              <a:t>B</a:t>
+            </a:r>
+            <a:r>
+              <a:rPr lang="en-IN" sz="3600" i="0" dirty="0">
+                <a:solidFill>
+                  <a:srgbClr val="FFFF00"/>
+                </a:solidFill>
+              </a:rPr>
+              <a:t>ased</a:t>
+            </a:r>
+            <a:br>
+              <a:rPr lang="en-IN" sz="3600" i="0" dirty="0">
+                <a:solidFill>
+                  <a:srgbClr val="FFFF00"/>
+                </a:solidFill>
+              </a:rPr>
+            </a:br>
+            <a:r>
+              <a:rPr lang="en-IN" sz="3600" i="0" dirty="0">
+                <a:solidFill>
+                  <a:srgbClr val="FF0000"/>
+                </a:solidFill>
+              </a:rPr>
+              <a:t>A</a:t>
+            </a:r>
+            <a:r>
+              <a:rPr lang="en-IN" sz="3600" i="0" dirty="0">
+                <a:solidFill>
+                  <a:srgbClr val="FFFF00"/>
+                </a:solidFill>
+              </a:rPr>
+              <a:t>uthentication,</a:t>
+            </a:r>
+            <a:br>
+              <a:rPr lang="en-IN" sz="3600" i="0" dirty="0">
+                <a:solidFill>
+                  <a:srgbClr val="FFFF00"/>
+                </a:solidFill>
+              </a:rPr>
+            </a:br>
+            <a:r>
+              <a:rPr lang="en-IN" sz="3600" i="0" dirty="0">
+                <a:solidFill>
+                  <a:srgbClr val="FF0000"/>
+                </a:solidFill>
+              </a:rPr>
+              <a:t>R</a:t>
+            </a:r>
+            <a:r>
+              <a:rPr lang="en-IN" sz="3600" i="0" dirty="0">
+                <a:solidFill>
+                  <a:srgbClr val="FFFF00"/>
+                </a:solidFill>
+              </a:rPr>
+              <a:t>eporting and</a:t>
+            </a:r>
+          </a:p>
+          <a:p>
+            <a:pPr>
+              <a:spcBef>
+                <a:spcPts val="0"/>
+              </a:spcBef>
+            </a:pPr>
+            <a:r>
+              <a:rPr lang="en-IN" sz="3600" i="0" dirty="0">
+                <a:solidFill>
+                  <a:srgbClr val="FF0000"/>
+                </a:solidFill>
+              </a:rPr>
+              <a:t>C</a:t>
+            </a:r>
+            <a:r>
+              <a:rPr lang="en-IN" sz="3600" i="0" dirty="0">
+                <a:solidFill>
+                  <a:srgbClr val="FFFF00"/>
+                </a:solidFill>
+              </a:rPr>
+              <a:t>onformance</a:t>
+            </a:r>
+          </a:p>
+        </p:txBody>
+      </p:sp>
+    </p:spTree>
+    <p:extLst>
+      <p:ext uri="{BB962C8B-B14F-4D97-AF65-F5344CB8AC3E}">
+        <p14:creationId xmlns:p14="http://schemas.microsoft.com/office/powerpoint/2010/main" val="2288515693"/>
+      </p:ext>
+    </p:extLst>
+  </p:cSld>
+  <p:clrMapOvr>
+    <a:masterClrMapping/>
+  </p:clrMapOvr>
+  <p:timing>
+    <p:tnLst>
+      <p:par>
+        <p:cTn id="1" dur="indefinite" restart="never" nodeType="tmRoot">
+          <p:childTnLst>
+            <p:seq concurrent="1" nextAc="seek">
+              <p:cTn id="2" dur="indefinite" nodeType="mainSeq">
+                <p:childTnLst>
+                  <p:par>
+                    <p:cTn id="3" fill="hold">
+                      <p:stCondLst>
+                        <p:cond delay="indefinite"/>
+                        <p:cond evt="onBegin" delay="0">
+                          <p:tn val="2"/>
+                        </p:cond>
+                      </p:stCondLst>
+                      <p:childTnLst>
+                        <p:par>
+                          <p:cTn id="4" fill="hold">
+                            <p:stCondLst>
+                              <p:cond delay="0"/>
+                            </p:stCondLst>
+                            <p:childTnLst>
+                              <p:par>
+                                <p:cTn id="5" presetID="22" presetClass="entr" presetSubtype="8" fill="hold" grpId="0" nodeType="withEffect">
+                                  <p:stCondLst>
+                                    <p:cond delay="0"/>
+                                  </p:stCondLst>
+                                  <p:childTnLst>
+                                    <p:set>
+                                      <p:cBhvr>
+                                        <p:cTn id="6" dur="1" fill="hold">
+                                          <p:stCondLst>
+                                            <p:cond delay="0"/>
+                                          </p:stCondLst>
+                                        </p:cTn>
+                                        <p:tgtEl>
+                                          <p:spTgt spid="3"/>
+                                        </p:tgtEl>
+                                        <p:attrNameLst>
+                                          <p:attrName>style.visibility</p:attrName>
+                                        </p:attrNameLst>
+                                      </p:cBhvr>
+                                      <p:to>
+                                        <p:strVal val="visible"/>
+                                      </p:to>
+                                    </p:set>
+                                    <p:animEffect transition="in" filter="wipe(left)">
+                                      <p:cBhvr>
+                                        <p:cTn id="7" dur="1250"/>
+                                        <p:tgtEl>
+                                          <p:spTgt spid="3"/>
+                                        </p:tgtEl>
+                                      </p:cBhvr>
+                                    </p:animEffect>
+                                  </p:childTnLst>
+                                </p:cTn>
+                              </p:par>
+                            </p:childTnLst>
+                          </p:cTn>
+                        </p:par>
+                      </p:childTnLst>
+                    </p:cTn>
+                  </p:par>
+                  <p:par>
+                    <p:cTn id="8" fill="hold">
+                      <p:stCondLst>
+                        <p:cond delay="indefinite"/>
+                      </p:stCondLst>
+                      <p:childTnLst>
+                        <p:par>
+                          <p:cTn id="9" fill="hold">
+                            <p:stCondLst>
+                              <p:cond delay="0"/>
+                            </p:stCondLst>
+                            <p:childTnLst>
+                              <p:par>
+                                <p:cTn id="10" presetID="10" presetClass="entr" presetSubtype="0" fill="hold" nodeType="clickEffect">
+                                  <p:stCondLst>
+                                    <p:cond delay="0"/>
+                                  </p:stCondLst>
+                                  <p:childTnLst>
+                                    <p:set>
+                                      <p:cBhvr>
+                                        <p:cTn id="11" dur="1" fill="hold">
+                                          <p:stCondLst>
+                                            <p:cond delay="0"/>
+                                          </p:stCondLst>
+                                        </p:cTn>
+                                        <p:tgtEl>
+                                          <p:spTgt spid="4">
+                                            <p:txEl>
+                                              <p:pRg st="0" end="0"/>
+                                            </p:txEl>
+                                          </p:spTgt>
+                                        </p:tgtEl>
+                                        <p:attrNameLst>
+                                          <p:attrName>style.visibility</p:attrName>
+                                        </p:attrNameLst>
+                                      </p:cBhvr>
+                                      <p:to>
+                                        <p:strVal val="visible"/>
+                                      </p:to>
+                                    </p:set>
+                                    <p:animEffect transition="in" filter="fade">
+                                      <p:cBhvr>
+                                        <p:cTn id="12" dur="500"/>
+                                        <p:tgtEl>
+                                          <p:spTgt spid="4">
+                                            <p:txEl>
+                                              <p:pRg st="0" end="0"/>
+                                            </p:txEl>
+                                          </p:spTgt>
+                                        </p:tgtEl>
+                                      </p:cBhvr>
+                                    </p:animEffect>
+                                  </p:childTnLst>
+                                </p:cTn>
+                              </p:par>
+                              <p:par>
+                                <p:cTn id="13" presetID="10" presetClass="entr" presetSubtype="0" fill="hold" grpId="0" nodeType="withEffect">
+                                  <p:stCondLst>
+                                    <p:cond delay="0"/>
+                                  </p:stCondLst>
+                                  <p:childTnLst>
+                                    <p:set>
+                                      <p:cBhvr>
+                                        <p:cTn id="14" dur="1" fill="hold">
+                                          <p:stCondLst>
+                                            <p:cond delay="0"/>
+                                          </p:stCondLst>
+                                        </p:cTn>
+                                        <p:tgtEl>
+                                          <p:spTgt spid="5"/>
+                                        </p:tgtEl>
+                                        <p:attrNameLst>
+                                          <p:attrName>style.visibility</p:attrName>
+                                        </p:attrNameLst>
+                                      </p:cBhvr>
+                                      <p:to>
+                                        <p:strVal val="visible"/>
+                                      </p:to>
+                                    </p:set>
+                                    <p:animEffect transition="in" filter="fade">
+                                      <p:cBhvr>
+                                        <p:cTn id="15" dur="500"/>
+                                        <p:tgtEl>
+                                          <p:spTgt spid="5"/>
+                                        </p:tgtEl>
+                                      </p:cBhvr>
+                                    </p:animEffect>
+                                  </p:childTnLst>
+                                </p:cTn>
+                              </p:par>
+                            </p:childTnLst>
+                          </p:cTn>
+                        </p:par>
+                      </p:childTnLst>
+                    </p:cTn>
+                  </p:par>
+                  <p:par>
+                    <p:cTn id="16" fill="hold">
+                      <p:stCondLst>
+                        <p:cond delay="indefinite"/>
+                      </p:stCondLst>
+                      <p:childTnLst>
+                        <p:par>
+                          <p:cTn id="17" fill="hold">
+                            <p:stCondLst>
+                              <p:cond delay="0"/>
+                            </p:stCondLst>
+                            <p:childTnLst>
+                              <p:par>
+                                <p:cTn id="18" presetID="10" presetClass="entr" presetSubtype="0" fill="hold" nodeType="clickEffect">
+                                  <p:stCondLst>
+                                    <p:cond delay="0"/>
+                                  </p:stCondLst>
+                                  <p:childTnLst>
+                                    <p:set>
+                                      <p:cBhvr>
+                                        <p:cTn id="19" dur="1" fill="hold">
+                                          <p:stCondLst>
+                                            <p:cond delay="0"/>
+                                          </p:stCondLst>
+                                        </p:cTn>
+                                        <p:tgtEl>
+                                          <p:spTgt spid="4">
+                                            <p:txEl>
+                                              <p:pRg st="1" end="1"/>
+                                            </p:txEl>
+                                          </p:spTgt>
+                                        </p:tgtEl>
+                                        <p:attrNameLst>
+                                          <p:attrName>style.visibility</p:attrName>
+                                        </p:attrNameLst>
+                                      </p:cBhvr>
+                                      <p:to>
+                                        <p:strVal val="visible"/>
+                                      </p:to>
+                                    </p:set>
+                                    <p:animEffect transition="in" filter="fade">
+                                      <p:cBhvr>
+                                        <p:cTn id="20" dur="500"/>
+                                        <p:tgtEl>
+                                          <p:spTgt spid="4">
+                                            <p:txEl>
+                                              <p:pRg st="1" end="1"/>
+                                            </p:txEl>
+                                          </p:spTgt>
+                                        </p:tgtEl>
+                                      </p:cBhvr>
+                                    </p:animEffect>
+                                  </p:childTnLst>
+                                </p:cTn>
+                              </p:par>
+                              <p:par>
+                                <p:cTn id="21" presetID="10" presetClass="exit" presetSubtype="0" fill="hold" grpId="1" nodeType="withEffect">
+                                  <p:stCondLst>
+                                    <p:cond delay="0"/>
+                                  </p:stCondLst>
+                                  <p:childTnLst>
+                                    <p:animEffect transition="out" filter="fade">
+                                      <p:cBhvr>
+                                        <p:cTn id="22" dur="500"/>
+                                        <p:tgtEl>
+                                          <p:spTgt spid="5"/>
+                                        </p:tgtEl>
+                                      </p:cBhvr>
+                                    </p:animEffect>
+                                    <p:set>
+                                      <p:cBhvr>
+                                        <p:cTn id="23" dur="1" fill="hold">
+                                          <p:stCondLst>
+                                            <p:cond delay="499"/>
+                                          </p:stCondLst>
+                                        </p:cTn>
+                                        <p:tgtEl>
+                                          <p:spTgt spid="5"/>
+                                        </p:tgtEl>
+                                        <p:attrNameLst>
+                                          <p:attrName>style.visibility</p:attrName>
+                                        </p:attrNameLst>
+                                      </p:cBhvr>
+                                      <p:to>
+                                        <p:strVal val="hidden"/>
+                                      </p:to>
+                                    </p:set>
+                                  </p:childTnLst>
+                                </p:cTn>
+                              </p:par>
+                              <p:par>
+                                <p:cTn id="24" presetID="10" presetClass="entr" presetSubtype="0" fill="hold" grpId="0" nodeType="withEffect">
+                                  <p:stCondLst>
+                                    <p:cond delay="0"/>
+                                  </p:stCondLst>
+                                  <p:childTnLst>
+                                    <p:set>
+                                      <p:cBhvr>
+                                        <p:cTn id="25" dur="1" fill="hold">
+                                          <p:stCondLst>
+                                            <p:cond delay="0"/>
+                                          </p:stCondLst>
+                                        </p:cTn>
+                                        <p:tgtEl>
+                                          <p:spTgt spid="6"/>
+                                        </p:tgtEl>
+                                        <p:attrNameLst>
+                                          <p:attrName>style.visibility</p:attrName>
+                                        </p:attrNameLst>
+                                      </p:cBhvr>
+                                      <p:to>
+                                        <p:strVal val="visible"/>
+                                      </p:to>
+                                    </p:set>
+                                    <p:animEffect transition="in" filter="fade">
+                                      <p:cBhvr>
+                                        <p:cTn id="26" dur="500"/>
+                                        <p:tgtEl>
+                                          <p:spTgt spid="6"/>
+                                        </p:tgtEl>
+                                      </p:cBhvr>
+                                    </p:animEffect>
+                                  </p:childTnLst>
+                                </p:cTn>
+                              </p:par>
+                            </p:childTnLst>
+                          </p:cTn>
+                        </p:par>
+                      </p:childTnLst>
+                    </p:cTn>
+                  </p:par>
+                  <p:par>
+                    <p:cTn id="27" fill="hold">
+                      <p:stCondLst>
+                        <p:cond delay="indefinite"/>
+                      </p:stCondLst>
+                      <p:childTnLst>
+                        <p:par>
+                          <p:cTn id="28" fill="hold">
+                            <p:stCondLst>
+                              <p:cond delay="0"/>
+                            </p:stCondLst>
+                            <p:childTnLst>
+                              <p:par>
+                                <p:cTn id="29" presetID="10" presetClass="entr" presetSubtype="0" fill="hold" nodeType="clickEffect">
+                                  <p:stCondLst>
+                                    <p:cond delay="0"/>
+                                  </p:stCondLst>
+                                  <p:childTnLst>
+                                    <p:set>
+                                      <p:cBhvr>
+                                        <p:cTn id="30" dur="1" fill="hold">
+                                          <p:stCondLst>
+                                            <p:cond delay="0"/>
+                                          </p:stCondLst>
+                                        </p:cTn>
+                                        <p:tgtEl>
+                                          <p:spTgt spid="4">
+                                            <p:txEl>
+                                              <p:pRg st="2" end="2"/>
+                                            </p:txEl>
+                                          </p:spTgt>
+                                        </p:tgtEl>
+                                        <p:attrNameLst>
+                                          <p:attrName>style.visibility</p:attrName>
+                                        </p:attrNameLst>
+                                      </p:cBhvr>
+                                      <p:to>
+                                        <p:strVal val="visible"/>
+                                      </p:to>
+                                    </p:set>
+                                    <p:animEffect transition="in" filter="fade">
+                                      <p:cBhvr>
+                                        <p:cTn id="31" dur="500"/>
+                                        <p:tgtEl>
+                                          <p:spTgt spid="4">
+                                            <p:txEl>
+                                              <p:pRg st="2" end="2"/>
+                                            </p:txEl>
+                                          </p:spTgt>
+                                        </p:tgtEl>
+                                      </p:cBhvr>
+                                    </p:animEffect>
+                                  </p:childTnLst>
+                                </p:cTn>
+                              </p:par>
+                              <p:par>
+                                <p:cTn id="32" presetID="10" presetClass="exit" presetSubtype="0" fill="hold" grpId="1" nodeType="withEffect">
+                                  <p:stCondLst>
+                                    <p:cond delay="0"/>
+                                  </p:stCondLst>
+                                  <p:childTnLst>
+                                    <p:animEffect transition="out" filter="fade">
+                                      <p:cBhvr>
+                                        <p:cTn id="33" dur="500"/>
+                                        <p:tgtEl>
+                                          <p:spTgt spid="6"/>
+                                        </p:tgtEl>
+                                      </p:cBhvr>
+                                    </p:animEffect>
+                                    <p:set>
+                                      <p:cBhvr>
+                                        <p:cTn id="34" dur="1" fill="hold">
+                                          <p:stCondLst>
+                                            <p:cond delay="499"/>
+                                          </p:stCondLst>
+                                        </p:cTn>
+                                        <p:tgtEl>
+                                          <p:spTgt spid="6"/>
+                                        </p:tgtEl>
+                                        <p:attrNameLst>
+                                          <p:attrName>style.visibility</p:attrName>
+                                        </p:attrNameLst>
+                                      </p:cBhvr>
+                                      <p:to>
+                                        <p:strVal val="hidden"/>
+                                      </p:to>
+                                    </p:set>
+                                  </p:childTnLst>
+                                </p:cTn>
+                              </p:par>
+                              <p:par>
+                                <p:cTn id="35" presetID="10" presetClass="entr" presetSubtype="0" fill="hold" grpId="0" nodeType="withEffect">
+                                  <p:stCondLst>
+                                    <p:cond delay="0"/>
+                                  </p:stCondLst>
+                                  <p:childTnLst>
+                                    <p:set>
+                                      <p:cBhvr>
+                                        <p:cTn id="36" dur="1" fill="hold">
+                                          <p:stCondLst>
+                                            <p:cond delay="0"/>
+                                          </p:stCondLst>
+                                        </p:cTn>
+                                        <p:tgtEl>
+                                          <p:spTgt spid="7"/>
+                                        </p:tgtEl>
+                                        <p:attrNameLst>
+                                          <p:attrName>style.visibility</p:attrName>
+                                        </p:attrNameLst>
+                                      </p:cBhvr>
+                                      <p:to>
+                                        <p:strVal val="visible"/>
+                                      </p:to>
+                                    </p:set>
+                                    <p:animEffect transition="in" filter="fade">
+                                      <p:cBhvr>
+                                        <p:cTn id="37" dur="500"/>
+                                        <p:tgtEl>
+                                          <p:spTgt spid="7"/>
+                                        </p:tgtEl>
+                                      </p:cBhvr>
+                                    </p:animEffect>
+                                  </p:childTnLst>
+                                </p:cTn>
+                              </p:par>
+                            </p:childTnLst>
+                          </p:cTn>
+                        </p:par>
+                      </p:childTnLst>
+                    </p:cTn>
+                  </p:par>
+                  <p:par>
+                    <p:cTn id="38" fill="hold">
+                      <p:stCondLst>
+                        <p:cond delay="indefinite"/>
+                      </p:stCondLst>
+                      <p:childTnLst>
+                        <p:par>
+                          <p:cTn id="39" fill="hold">
+                            <p:stCondLst>
+                              <p:cond delay="0"/>
+                            </p:stCondLst>
+                            <p:childTnLst>
+                              <p:par>
+                                <p:cTn id="40" presetID="10" presetClass="entr" presetSubtype="0" fill="hold" nodeType="clickEffect">
+                                  <p:stCondLst>
+                                    <p:cond delay="0"/>
+                                  </p:stCondLst>
+                                  <p:childTnLst>
+                                    <p:set>
+                                      <p:cBhvr>
+                                        <p:cTn id="41" dur="1" fill="hold">
+                                          <p:stCondLst>
+                                            <p:cond delay="0"/>
+                                          </p:stCondLst>
+                                        </p:cTn>
+                                        <p:tgtEl>
+                                          <p:spTgt spid="4">
+                                            <p:txEl>
+                                              <p:pRg st="3" end="3"/>
+                                            </p:txEl>
+                                          </p:spTgt>
+                                        </p:tgtEl>
+                                        <p:attrNameLst>
+                                          <p:attrName>style.visibility</p:attrName>
+                                        </p:attrNameLst>
+                                      </p:cBhvr>
+                                      <p:to>
+                                        <p:strVal val="visible"/>
+                                      </p:to>
+                                    </p:set>
+                                    <p:animEffect transition="in" filter="fade">
+                                      <p:cBhvr>
+                                        <p:cTn id="42" dur="500"/>
+                                        <p:tgtEl>
+                                          <p:spTgt spid="4">
+                                            <p:txEl>
+                                              <p:pRg st="3" end="3"/>
+                                            </p:txEl>
+                                          </p:spTgt>
+                                        </p:tgtEl>
+                                      </p:cBhvr>
+                                    </p:animEffect>
+                                  </p:childTnLst>
+                                </p:cTn>
+                              </p:par>
+                            </p:childTnLst>
+                          </p:cTn>
+                        </p:par>
+                      </p:childTnLst>
+                    </p:cTn>
+                  </p:par>
+                </p:childTnLst>
+              </p:cTn>
+              <p:prevCondLst>
+                <p:cond evt="onPrev" delay="0">
+                  <p:tgtEl>
+                    <p:sldTgt/>
+                  </p:tgtEl>
+                </p:cond>
+              </p:prevCondLst>
+              <p:nextCondLst>
+                <p:cond evt="onNext" delay="0">
+                  <p:tgtEl>
+                    <p:sldTgt/>
+                  </p:tgtEl>
+                </p:cond>
+              </p:nextCondLst>
+            </p:seq>
+          </p:childTnLst>
+        </p:cTn>
+      </p:par>
+    </p:tnLst>
+    <p:bldLst>
+      <p:bldP spid="3" grpId="0"/>
+      <p:bldP spid="5" grpId="0"/>
+      <p:bldP spid="5" grpId="1"/>
+      <p:bldP spid="6" grpId="0"/>
+      <p:bldP spid="6" grpId="1"/>
+      <p:bldP spid="7" grpId="0"/>
+    </p:bldLst>
+  </p:timing>
+</p:sld>
+</file>
+
+<file path=ppt/slides/slide8.xml><?xml version="1.0" encoding="utf-8"?>
+<p:sld xmlns:a="http://schemas.openxmlformats.org/drawingml/2006/main" xmlns:r="http://schemas.openxmlformats.org/officeDocument/2006/relationships" xmlns:p="http://schemas.openxmlformats.org/presentationml/2006/main">
+  <p:cSld>
+    <p:spTree>
+      <p:nvGrpSpPr>
+        <p:cNvPr id="1" name=""/>
+        <p:cNvGrpSpPr/>
+        <p:nvPr/>
+      </p:nvGrpSpPr>
+      <p:grpSpPr>
+        <a:xfrm>
+          <a:off x="0" y="0"/>
+          <a:ext cx="0" cy="0"/>
+          <a:chOff x="0" y="0"/>
+          <a:chExt cx="0" cy="0"/>
+        </a:xfrm>
+      </p:grpSpPr>
+      <p:sp>
+        <p:nvSpPr>
+          <p:cNvPr id="2" name="TextBox 1">
+            <a:extLst>
+              <a:ext uri="{FF2B5EF4-FFF2-40B4-BE49-F238E27FC236}">
+                <a16:creationId xmlns:a16="http://schemas.microsoft.com/office/drawing/2014/main" id="{D01CEEC5-D856-8DE8-699D-C15D1E4083F7}"/>
+              </a:ext>
+            </a:extLst>
+          </p:cNvPr>
+          <p:cNvSpPr txBox="1"/>
+          <p:nvPr/>
+        </p:nvSpPr>
+        <p:spPr>
+          <a:xfrm>
+            <a:off x="0" y="6440129"/>
+            <a:ext cx="12192000" cy="369332"/>
+          </a:xfrm>
+          <a:prstGeom prst="rect">
+            <a:avLst/>
+          </a:prstGeom>
+          <a:noFill/>
+        </p:spPr>
+        <p:txBody>
+          <a:bodyPr wrap="square" rtlCol="0">
+            <a:spAutoFit/>
+          </a:bodyPr>
+          <a:lstStyle/>
+          <a:p>
+            <a:r>
+              <a:rPr lang="en-IN" dirty="0"/>
+              <a:t>	SICET					 				GitHub : </a:t>
+            </a:r>
+            <a:r>
+              <a:rPr lang="en-IN" dirty="0">
+                <a:hlinkClick r:id="rId2"/>
+              </a:rPr>
+              <a:t>MKGandhi05</a:t>
+            </a:r>
+            <a:r>
+              <a:rPr lang="en-IN" dirty="0"/>
+              <a:t>									  08</a:t>
+            </a:r>
+          </a:p>
+        </p:txBody>
+      </p:sp>
+      <p:sp>
+        <p:nvSpPr>
+          <p:cNvPr id="3" name="Title 1">
+            <a:extLst>
+              <a:ext uri="{FF2B5EF4-FFF2-40B4-BE49-F238E27FC236}">
+                <a16:creationId xmlns:a16="http://schemas.microsoft.com/office/drawing/2014/main" id="{BB0E0E6D-9971-5BEA-0404-64CEC0AF1C28}"/>
+              </a:ext>
+            </a:extLst>
+          </p:cNvPr>
+          <p:cNvSpPr txBox="1">
+            <a:spLocks/>
+          </p:cNvSpPr>
+          <p:nvPr/>
+        </p:nvSpPr>
+        <p:spPr>
+          <a:xfrm>
+            <a:off x="300866" y="778617"/>
+            <a:ext cx="11759054" cy="745383"/>
+          </a:xfrm>
+          <a:prstGeom prst="rect">
+            <a:avLst/>
+          </a:prstGeom>
+        </p:spPr>
+        <p:txBody>
+          <a:bodyPr>
+            <a:noAutofit/>
+          </a:bodyPr>
+          <a:lstStyle>
+            <a:lvl1pPr algn="l" defTabSz="914400" rtl="0" eaLnBrk="1" latinLnBrk="0" hangingPunct="1">
+              <a:lnSpc>
+                <a:spcPct val="85000"/>
+              </a:lnSpc>
+              <a:spcBef>
+                <a:spcPct val="0"/>
+              </a:spcBef>
+              <a:buNone/>
+              <a:defRPr sz="4800" kern="1200" spc="-50" baseline="0">
+                <a:solidFill>
+                  <a:schemeClr val="tx1">
+                    <a:lumMod val="75000"/>
+                    <a:lumOff val="25000"/>
+                  </a:schemeClr>
+                </a:solidFill>
+                <a:latin typeface="+mj-lt"/>
+                <a:ea typeface="+mj-ea"/>
+                <a:cs typeface="+mj-cs"/>
+              </a:defRPr>
+            </a:lvl1pPr>
+          </a:lstStyle>
+          <a:p>
+            <a:r>
+              <a:rPr lang="en-US" i="1" dirty="0">
+                <a:latin typeface="Roboto Mono" panose="020F0502020204030204" pitchFamily="49" charset="0"/>
+                <a:ea typeface="Roboto Mono" panose="020F0502020204030204" pitchFamily="49" charset="0"/>
+                <a:cs typeface="Roboto Mono" panose="020F0502020204030204" pitchFamily="49" charset="0"/>
+              </a:rPr>
+              <a:t>🛡️ Stay Safe from Spoofed Emails</a:t>
+            </a:r>
+            <a:endParaRPr lang="en-IN" dirty="0">
+              <a:latin typeface="Roboto Mono" panose="020F0502020204030204" pitchFamily="49" charset="0"/>
+              <a:ea typeface="Roboto Mono" panose="020F0502020204030204" pitchFamily="49" charset="0"/>
+              <a:cs typeface="Roboto Mono" panose="020F0502020204030204" pitchFamily="49" charset="0"/>
+            </a:endParaRPr>
+          </a:p>
+        </p:txBody>
+      </p:sp>
+      <p:sp>
+        <p:nvSpPr>
+          <p:cNvPr id="4" name="Rectangle 1">
+            <a:extLst>
+              <a:ext uri="{FF2B5EF4-FFF2-40B4-BE49-F238E27FC236}">
+                <a16:creationId xmlns:a16="http://schemas.microsoft.com/office/drawing/2014/main" id="{B0CFE3D4-4940-9C79-CBF0-F159C87ED424}"/>
+              </a:ext>
+            </a:extLst>
+          </p:cNvPr>
+          <p:cNvSpPr>
+            <a:spLocks noChangeArrowheads="1"/>
+          </p:cNvSpPr>
+          <p:nvPr/>
+        </p:nvSpPr>
+        <p:spPr bwMode="auto">
+          <a:xfrm>
+            <a:off x="6096000" y="1666227"/>
+            <a:ext cx="6151489" cy="4923399"/>
+          </a:xfrm>
+          <a:prstGeom prst="rect">
+            <a:avLst/>
+          </a:prstGeom>
+        </p:spPr>
+        <p:txBody>
+          <a:bodyPr>
+            <a:noAutofit/>
+          </a:bodyPr>
+          <a:lstStyle/>
+          <a:p>
+            <a:pPr marL="342900" indent="-342900" defTabSz="914400">
+              <a:lnSpc>
+                <a:spcPct val="150000"/>
+              </a:lnSpc>
+              <a:spcBef>
+                <a:spcPts val="1200"/>
+              </a:spcBef>
+              <a:buFont typeface="Wingdings" panose="05000000000000000000" pitchFamily="2" charset="2"/>
+              <a:buChar char="Ø"/>
+            </a:pPr>
+            <a:r>
+              <a:rPr lang="en-US" altLang="en-US" sz="2400" i="1" spc="-50" dirty="0">
+                <a:solidFill>
+                  <a:schemeClr val="tx1">
+                    <a:lumMod val="75000"/>
+                    <a:lumOff val="25000"/>
+                  </a:schemeClr>
+                </a:solidFill>
+                <a:latin typeface="Roboto Mono" panose="020F0502020204030204" pitchFamily="49" charset="0"/>
+                <a:ea typeface="Roboto Mono" panose="020F0502020204030204" pitchFamily="49" charset="0"/>
+              </a:rPr>
+              <a:t>Don’t trust the name — verify the address</a:t>
+            </a:r>
+          </a:p>
+          <a:p>
+            <a:pPr marL="342900" indent="-342900" defTabSz="914400">
+              <a:lnSpc>
+                <a:spcPct val="150000"/>
+              </a:lnSpc>
+              <a:spcBef>
+                <a:spcPts val="1200"/>
+              </a:spcBef>
+              <a:buFont typeface="Wingdings" panose="05000000000000000000" pitchFamily="2" charset="2"/>
+              <a:buChar char="Ø"/>
+            </a:pPr>
+            <a:r>
+              <a:rPr lang="en-US" altLang="en-US" sz="2400" i="1" spc="-50" dirty="0">
+                <a:solidFill>
+                  <a:schemeClr val="tx1">
+                    <a:lumMod val="75000"/>
+                    <a:lumOff val="25000"/>
+                  </a:schemeClr>
+                </a:solidFill>
+                <a:latin typeface="Roboto Mono" panose="020F0502020204030204" pitchFamily="49" charset="0"/>
+                <a:ea typeface="Roboto Mono" panose="020F0502020204030204" pitchFamily="49" charset="0"/>
+              </a:rPr>
+              <a:t>Use tools to check email headers</a:t>
+            </a:r>
+          </a:p>
+          <a:p>
+            <a:pPr marL="342900" indent="-342900" defTabSz="914400">
+              <a:lnSpc>
+                <a:spcPct val="150000"/>
+              </a:lnSpc>
+              <a:spcBef>
+                <a:spcPts val="1200"/>
+              </a:spcBef>
+              <a:buFont typeface="Wingdings" panose="05000000000000000000" pitchFamily="2" charset="2"/>
+              <a:buChar char="Ø"/>
+            </a:pPr>
+            <a:r>
+              <a:rPr lang="en-US" altLang="en-US" sz="2400" i="1" spc="-50" dirty="0">
+                <a:solidFill>
+                  <a:schemeClr val="tx1">
+                    <a:lumMod val="75000"/>
+                    <a:lumOff val="25000"/>
+                  </a:schemeClr>
+                </a:solidFill>
+                <a:latin typeface="Roboto Mono" panose="020F0502020204030204" pitchFamily="49" charset="0"/>
+                <a:ea typeface="Roboto Mono" panose="020F0502020204030204" pitchFamily="49" charset="0"/>
+              </a:rPr>
+              <a:t>Be cautious of links &amp; attachments</a:t>
+            </a:r>
+          </a:p>
+          <a:p>
+            <a:pPr marL="342900" indent="-342900" defTabSz="914400">
+              <a:lnSpc>
+                <a:spcPct val="150000"/>
+              </a:lnSpc>
+              <a:spcBef>
+                <a:spcPts val="1200"/>
+              </a:spcBef>
+              <a:buFont typeface="Wingdings" panose="05000000000000000000" pitchFamily="2" charset="2"/>
+              <a:buChar char="Ø"/>
+            </a:pPr>
+            <a:r>
+              <a:rPr lang="en-US" altLang="en-US" sz="2400" i="1" spc="-50" dirty="0">
+                <a:solidFill>
+                  <a:schemeClr val="tx1">
+                    <a:lumMod val="75000"/>
+                    <a:lumOff val="25000"/>
+                  </a:schemeClr>
+                </a:solidFill>
+                <a:latin typeface="Roboto Mono" panose="020F0502020204030204" pitchFamily="49" charset="0"/>
+                <a:ea typeface="Roboto Mono" panose="020F0502020204030204" pitchFamily="49" charset="0"/>
+              </a:rPr>
+              <a:t>Report suspicious emails immediately</a:t>
+            </a:r>
+          </a:p>
+        </p:txBody>
+      </p:sp>
+      <p:pic>
+        <p:nvPicPr>
+          <p:cNvPr id="9" name="Picture 8">
+            <a:extLst>
+              <a:ext uri="{FF2B5EF4-FFF2-40B4-BE49-F238E27FC236}">
+                <a16:creationId xmlns:a16="http://schemas.microsoft.com/office/drawing/2014/main" id="{EAB7C0A2-79D7-EE09-3663-D5F6E5ABAF0C}"/>
+              </a:ext>
+            </a:extLst>
+          </p:cNvPr>
+          <p:cNvPicPr>
+            <a:picLocks noChangeAspect="1"/>
+          </p:cNvPicPr>
+          <p:nvPr/>
+        </p:nvPicPr>
+        <p:blipFill>
+          <a:blip r:embed="rId3"/>
+          <a:stretch>
+            <a:fillRect/>
+          </a:stretch>
+        </p:blipFill>
+        <p:spPr>
+          <a:xfrm>
+            <a:off x="34503" y="2100077"/>
+            <a:ext cx="6061497" cy="3091696"/>
+          </a:xfrm>
+          <a:prstGeom prst="rect">
+            <a:avLst/>
+          </a:prstGeom>
+        </p:spPr>
+      </p:pic>
+      <p:pic>
+        <p:nvPicPr>
+          <p:cNvPr id="11" name="Picture 10">
+            <a:extLst>
+              <a:ext uri="{FF2B5EF4-FFF2-40B4-BE49-F238E27FC236}">
+                <a16:creationId xmlns:a16="http://schemas.microsoft.com/office/drawing/2014/main" id="{F13928D0-C31A-C57D-7D35-5607419ACBD0}"/>
+              </a:ext>
+            </a:extLst>
+          </p:cNvPr>
+          <p:cNvPicPr>
+            <a:picLocks noChangeAspect="1"/>
+          </p:cNvPicPr>
+          <p:nvPr/>
+        </p:nvPicPr>
+        <p:blipFill>
+          <a:blip r:embed="rId4"/>
+          <a:stretch>
+            <a:fillRect/>
+          </a:stretch>
+        </p:blipFill>
+        <p:spPr>
+          <a:xfrm>
+            <a:off x="3217492" y="2923656"/>
+            <a:ext cx="2962901" cy="1792858"/>
+          </a:xfrm>
+          <a:prstGeom prst="rect">
+            <a:avLst/>
+          </a:prstGeom>
+        </p:spPr>
+      </p:pic>
+      <p:pic>
+        <p:nvPicPr>
+          <p:cNvPr id="13" name="Picture 12">
+            <a:extLst>
+              <a:ext uri="{FF2B5EF4-FFF2-40B4-BE49-F238E27FC236}">
+                <a16:creationId xmlns:a16="http://schemas.microsoft.com/office/drawing/2014/main" id="{322B7C7A-600C-065A-FC61-8DADC92605FC}"/>
+              </a:ext>
+            </a:extLst>
+          </p:cNvPr>
+          <p:cNvPicPr>
+            <a:picLocks noChangeAspect="1"/>
+          </p:cNvPicPr>
+          <p:nvPr/>
+        </p:nvPicPr>
+        <p:blipFill>
+          <a:blip r:embed="rId5"/>
+          <a:stretch>
+            <a:fillRect/>
+          </a:stretch>
+        </p:blipFill>
+        <p:spPr>
+          <a:xfrm>
+            <a:off x="819026" y="1767937"/>
+            <a:ext cx="1543174" cy="1543174"/>
+          </a:xfrm>
+          <a:prstGeom prst="rect">
+            <a:avLst/>
+          </a:prstGeom>
+        </p:spPr>
+      </p:pic>
+      <p:pic>
+        <p:nvPicPr>
+          <p:cNvPr id="15" name="Picture 14">
+            <a:extLst>
+              <a:ext uri="{FF2B5EF4-FFF2-40B4-BE49-F238E27FC236}">
+                <a16:creationId xmlns:a16="http://schemas.microsoft.com/office/drawing/2014/main" id="{73FEDFBE-CE03-E5C3-35FE-68FD7841A549}"/>
+              </a:ext>
+            </a:extLst>
+          </p:cNvPr>
+          <p:cNvPicPr>
+            <a:picLocks noChangeAspect="1"/>
+          </p:cNvPicPr>
+          <p:nvPr/>
+        </p:nvPicPr>
+        <p:blipFill>
+          <a:blip r:embed="rId6"/>
+          <a:stretch>
+            <a:fillRect/>
+          </a:stretch>
+        </p:blipFill>
+        <p:spPr>
+          <a:xfrm>
+            <a:off x="511819" y="4882584"/>
+            <a:ext cx="2962901" cy="930986"/>
+          </a:xfrm>
+          <a:prstGeom prst="rect">
+            <a:avLst/>
+          </a:prstGeom>
+        </p:spPr>
+      </p:pic>
+      <p:pic>
+        <p:nvPicPr>
+          <p:cNvPr id="17" name="Picture 16">
+            <a:extLst>
+              <a:ext uri="{FF2B5EF4-FFF2-40B4-BE49-F238E27FC236}">
+                <a16:creationId xmlns:a16="http://schemas.microsoft.com/office/drawing/2014/main" id="{8C336DCA-5F44-4FE1-39D6-25D2F4FCD1D5}"/>
+              </a:ext>
+            </a:extLst>
+          </p:cNvPr>
+          <p:cNvPicPr>
+            <a:picLocks noChangeAspect="1"/>
+          </p:cNvPicPr>
+          <p:nvPr/>
+        </p:nvPicPr>
+        <p:blipFill>
+          <a:blip r:embed="rId7"/>
+          <a:stretch>
+            <a:fillRect/>
+          </a:stretch>
+        </p:blipFill>
+        <p:spPr>
+          <a:xfrm>
+            <a:off x="-20986" y="717847"/>
+            <a:ext cx="5813570" cy="5813570"/>
+          </a:xfrm>
+          <a:prstGeom prst="rect">
+            <a:avLst/>
+          </a:prstGeom>
+        </p:spPr>
+      </p:pic>
+      <p:pic>
+        <p:nvPicPr>
+          <p:cNvPr id="19" name="Picture 18">
+            <a:extLst>
+              <a:ext uri="{FF2B5EF4-FFF2-40B4-BE49-F238E27FC236}">
+                <a16:creationId xmlns:a16="http://schemas.microsoft.com/office/drawing/2014/main" id="{CA452A0C-D6C8-D11F-D35B-4D6EDEE9004D}"/>
+              </a:ext>
+            </a:extLst>
+          </p:cNvPr>
+          <p:cNvPicPr>
+            <a:picLocks noChangeAspect="1"/>
+          </p:cNvPicPr>
+          <p:nvPr/>
+        </p:nvPicPr>
+        <p:blipFill>
+          <a:blip r:embed="rId8"/>
+          <a:srcRect l="8925" t="26773" r="9187" b="18635"/>
+          <a:stretch/>
+        </p:blipFill>
+        <p:spPr>
+          <a:xfrm>
+            <a:off x="615737" y="1946967"/>
+            <a:ext cx="4899028" cy="3266019"/>
+          </a:xfrm>
+          <a:prstGeom prst="rect">
+            <a:avLst/>
+          </a:prstGeom>
+        </p:spPr>
+      </p:pic>
+    </p:spTree>
+    <p:extLst>
+      <p:ext uri="{BB962C8B-B14F-4D97-AF65-F5344CB8AC3E}">
+        <p14:creationId xmlns:p14="http://schemas.microsoft.com/office/powerpoint/2010/main" val="1926291211"/>
+      </p:ext>
+    </p:extLst>
+  </p:cSld>
+  <p:clrMapOvr>
+    <a:masterClrMapping/>
+  </p:clrMapOvr>
+  <p:timing>
+    <p:tnLst>
+      <p:par>
+        <p:cTn id="1" dur="indefinite" restart="never" nodeType="tmRoot">
+          <p:childTnLst>
+            <p:seq concurrent="1" nextAc="seek">
+              <p:cTn id="2" dur="indefinite" nodeType="mainSeq">
+                <p:childTnLst>
+                  <p:par>
+                    <p:cTn id="3" fill="hold">
+                      <p:stCondLst>
+                        <p:cond delay="indefinite"/>
+                        <p:cond evt="onBegin" delay="0">
+                          <p:tn val="2"/>
+                        </p:cond>
+                      </p:stCondLst>
+                      <p:childTnLst>
+                        <p:par>
+                          <p:cTn id="4" fill="hold">
+                            <p:stCondLst>
+                              <p:cond delay="0"/>
+                            </p:stCondLst>
+                            <p:childTnLst>
+                              <p:par>
+                                <p:cTn id="5" presetID="22" presetClass="entr" presetSubtype="8" fill="hold" grpId="0" nodeType="withEffect">
+                                  <p:stCondLst>
+                                    <p:cond delay="0"/>
+                                  </p:stCondLst>
+                                  <p:childTnLst>
+                                    <p:set>
+                                      <p:cBhvr>
+                                        <p:cTn id="6" dur="1" fill="hold">
+                                          <p:stCondLst>
+                                            <p:cond delay="0"/>
+                                          </p:stCondLst>
+                                        </p:cTn>
+                                        <p:tgtEl>
+                                          <p:spTgt spid="3"/>
+                                        </p:tgtEl>
+                                        <p:attrNameLst>
+                                          <p:attrName>style.visibility</p:attrName>
+                                        </p:attrNameLst>
+                                      </p:cBhvr>
+                                      <p:to>
+                                        <p:strVal val="visible"/>
+                                      </p:to>
+                                    </p:set>
+                                    <p:animEffect transition="in" filter="wipe(left)">
+                                      <p:cBhvr>
+                                        <p:cTn id="7" dur="2000"/>
+                                        <p:tgtEl>
+                                          <p:spTgt spid="3"/>
+                                        </p:tgtEl>
+                                      </p:cBhvr>
+                                    </p:animEffect>
+                                  </p:childTnLst>
+                                </p:cTn>
+                              </p:par>
+                            </p:childTnLst>
+                          </p:cTn>
+                        </p:par>
+                      </p:childTnLst>
+                    </p:cTn>
+                  </p:par>
+                  <p:par>
+                    <p:cTn id="8" fill="hold">
+                      <p:stCondLst>
+                        <p:cond delay="indefinite"/>
+                      </p:stCondLst>
+                      <p:childTnLst>
+                        <p:par>
+                          <p:cTn id="9" fill="hold">
+                            <p:stCondLst>
+                              <p:cond delay="0"/>
+                            </p:stCondLst>
+                            <p:childTnLst>
+                              <p:par>
+                                <p:cTn id="10" presetID="10" presetClass="entr" presetSubtype="0" fill="hold" nodeType="clickEffect">
+                                  <p:stCondLst>
+                                    <p:cond delay="0"/>
+                                  </p:stCondLst>
+                                  <p:childTnLst>
+                                    <p:set>
+                                      <p:cBhvr>
+                                        <p:cTn id="11" dur="1" fill="hold">
+                                          <p:stCondLst>
+                                            <p:cond delay="0"/>
+                                          </p:stCondLst>
+                                        </p:cTn>
+                                        <p:tgtEl>
+                                          <p:spTgt spid="4">
+                                            <p:txEl>
+                                              <p:pRg st="0" end="0"/>
+                                            </p:txEl>
+                                          </p:spTgt>
+                                        </p:tgtEl>
+                                        <p:attrNameLst>
+                                          <p:attrName>style.visibility</p:attrName>
+                                        </p:attrNameLst>
+                                      </p:cBhvr>
+                                      <p:to>
+                                        <p:strVal val="visible"/>
+                                      </p:to>
+                                    </p:set>
+                                    <p:animEffect transition="in" filter="fade">
+                                      <p:cBhvr>
+                                        <p:cTn id="12" dur="500"/>
+                                        <p:tgtEl>
+                                          <p:spTgt spid="4">
+                                            <p:txEl>
+                                              <p:pRg st="0" end="0"/>
+                                            </p:txEl>
+                                          </p:spTgt>
+                                        </p:tgtEl>
+                                      </p:cBhvr>
+                                    </p:animEffect>
+                                  </p:childTnLst>
+                                </p:cTn>
+                              </p:par>
+                              <p:par>
+                                <p:cTn id="13" presetID="10" presetClass="entr" presetSubtype="0" fill="hold" nodeType="withEffect">
+                                  <p:stCondLst>
+                                    <p:cond delay="0"/>
+                                  </p:stCondLst>
+                                  <p:childTnLst>
+                                    <p:set>
+                                      <p:cBhvr>
+                                        <p:cTn id="14" dur="1" fill="hold">
+                                          <p:stCondLst>
+                                            <p:cond delay="0"/>
+                                          </p:stCondLst>
+                                        </p:cTn>
+                                        <p:tgtEl>
+                                          <p:spTgt spid="9"/>
+                                        </p:tgtEl>
+                                        <p:attrNameLst>
+                                          <p:attrName>style.visibility</p:attrName>
+                                        </p:attrNameLst>
+                                      </p:cBhvr>
+                                      <p:to>
+                                        <p:strVal val="visible"/>
+                                      </p:to>
+                                    </p:set>
+                                    <p:animEffect transition="in" filter="fade">
+                                      <p:cBhvr>
+                                        <p:cTn id="15" dur="500"/>
+                                        <p:tgtEl>
+                                          <p:spTgt spid="9"/>
+                                        </p:tgtEl>
+                                      </p:cBhvr>
+                                    </p:animEffect>
+                                  </p:childTnLst>
+                                </p:cTn>
+                              </p:par>
+                            </p:childTnLst>
+                          </p:cTn>
+                        </p:par>
+                      </p:childTnLst>
+                    </p:cTn>
+                  </p:par>
+                  <p:par>
+                    <p:cTn id="16" fill="hold">
+                      <p:stCondLst>
+                        <p:cond delay="indefinite"/>
+                      </p:stCondLst>
+                      <p:childTnLst>
+                        <p:par>
+                          <p:cTn id="17" fill="hold">
+                            <p:stCondLst>
+                              <p:cond delay="0"/>
+                            </p:stCondLst>
+                            <p:childTnLst>
+                              <p:par>
+                                <p:cTn id="18" presetID="10" presetClass="entr" presetSubtype="0" fill="hold" nodeType="clickEffect">
+                                  <p:stCondLst>
+                                    <p:cond delay="0"/>
+                                  </p:stCondLst>
+                                  <p:childTnLst>
+                                    <p:set>
+                                      <p:cBhvr>
+                                        <p:cTn id="19" dur="1" fill="hold">
+                                          <p:stCondLst>
+                                            <p:cond delay="0"/>
+                                          </p:stCondLst>
+                                        </p:cTn>
+                                        <p:tgtEl>
+                                          <p:spTgt spid="4">
+                                            <p:txEl>
+                                              <p:pRg st="1" end="1"/>
+                                            </p:txEl>
+                                          </p:spTgt>
+                                        </p:tgtEl>
+                                        <p:attrNameLst>
+                                          <p:attrName>style.visibility</p:attrName>
+                                        </p:attrNameLst>
+                                      </p:cBhvr>
+                                      <p:to>
+                                        <p:strVal val="visible"/>
+                                      </p:to>
+                                    </p:set>
+                                    <p:animEffect transition="in" filter="fade">
+                                      <p:cBhvr>
+                                        <p:cTn id="20" dur="500"/>
+                                        <p:tgtEl>
+                                          <p:spTgt spid="4">
+                                            <p:txEl>
+                                              <p:pRg st="1" end="1"/>
+                                            </p:txEl>
+                                          </p:spTgt>
+                                        </p:tgtEl>
+                                      </p:cBhvr>
+                                    </p:animEffect>
+                                  </p:childTnLst>
+                                </p:cTn>
+                              </p:par>
+                              <p:par>
+                                <p:cTn id="21" presetID="10" presetClass="exit" presetSubtype="0" fill="hold" nodeType="withEffect">
+                                  <p:stCondLst>
+                                    <p:cond delay="0"/>
+                                  </p:stCondLst>
+                                  <p:childTnLst>
+                                    <p:animEffect transition="out" filter="fade">
+                                      <p:cBhvr>
+                                        <p:cTn id="22" dur="500"/>
+                                        <p:tgtEl>
+                                          <p:spTgt spid="9"/>
+                                        </p:tgtEl>
+                                      </p:cBhvr>
+                                    </p:animEffect>
+                                    <p:set>
+                                      <p:cBhvr>
+                                        <p:cTn id="23" dur="1" fill="hold">
+                                          <p:stCondLst>
+                                            <p:cond delay="499"/>
+                                          </p:stCondLst>
+                                        </p:cTn>
+                                        <p:tgtEl>
+                                          <p:spTgt spid="9"/>
+                                        </p:tgtEl>
+                                        <p:attrNameLst>
+                                          <p:attrName>style.visibility</p:attrName>
+                                        </p:attrNameLst>
+                                      </p:cBhvr>
+                                      <p:to>
+                                        <p:strVal val="hidden"/>
+                                      </p:to>
+                                    </p:set>
+                                  </p:childTnLst>
+                                </p:cTn>
+                              </p:par>
+                              <p:par>
+                                <p:cTn id="24" presetID="53" presetClass="entr" presetSubtype="16" fill="hold" nodeType="withEffect">
+                                  <p:stCondLst>
+                                    <p:cond delay="0"/>
+                                  </p:stCondLst>
+                                  <p:childTnLst>
+                                    <p:set>
+                                      <p:cBhvr>
+                                        <p:cTn id="25" dur="1" fill="hold">
+                                          <p:stCondLst>
+                                            <p:cond delay="0"/>
+                                          </p:stCondLst>
+                                        </p:cTn>
+                                        <p:tgtEl>
+                                          <p:spTgt spid="13"/>
+                                        </p:tgtEl>
+                                        <p:attrNameLst>
+                                          <p:attrName>style.visibility</p:attrName>
+                                        </p:attrNameLst>
+                                      </p:cBhvr>
+                                      <p:to>
+                                        <p:strVal val="visible"/>
+                                      </p:to>
+                                    </p:set>
+                                    <p:anim calcmode="lin" valueType="num">
+                                      <p:cBhvr>
+                                        <p:cTn id="26" dur="1500" fill="hold"/>
+                                        <p:tgtEl>
+                                          <p:spTgt spid="13"/>
+                                        </p:tgtEl>
+                                        <p:attrNameLst>
+                                          <p:attrName>ppt_w</p:attrName>
+                                        </p:attrNameLst>
+                                      </p:cBhvr>
+                                      <p:tavLst>
+                                        <p:tav tm="0">
+                                          <p:val>
+                                            <p:fltVal val="0"/>
+                                          </p:val>
+                                        </p:tav>
+                                        <p:tav tm="100000">
+                                          <p:val>
+                                            <p:strVal val="#ppt_w"/>
+                                          </p:val>
+                                        </p:tav>
+                                      </p:tavLst>
+                                    </p:anim>
+                                    <p:anim calcmode="lin" valueType="num">
+                                      <p:cBhvr>
+                                        <p:cTn id="27" dur="1500" fill="hold"/>
+                                        <p:tgtEl>
+                                          <p:spTgt spid="13"/>
+                                        </p:tgtEl>
+                                        <p:attrNameLst>
+                                          <p:attrName>ppt_h</p:attrName>
+                                        </p:attrNameLst>
+                                      </p:cBhvr>
+                                      <p:tavLst>
+                                        <p:tav tm="0">
+                                          <p:val>
+                                            <p:fltVal val="0"/>
+                                          </p:val>
+                                        </p:tav>
+                                        <p:tav tm="100000">
+                                          <p:val>
+                                            <p:strVal val="#ppt_h"/>
+                                          </p:val>
+                                        </p:tav>
+                                      </p:tavLst>
+                                    </p:anim>
+                                    <p:animEffect transition="in" filter="fade">
+                                      <p:cBhvr>
+                                        <p:cTn id="28" dur="1500"/>
+                                        <p:tgtEl>
+                                          <p:spTgt spid="13"/>
+                                        </p:tgtEl>
+                                      </p:cBhvr>
+                                    </p:animEffect>
+                                  </p:childTnLst>
+                                </p:cTn>
+                              </p:par>
+                              <p:par>
+                                <p:cTn id="29" presetID="53" presetClass="entr" presetSubtype="16" fill="hold" nodeType="withEffect">
+                                  <p:stCondLst>
+                                    <p:cond delay="1500"/>
+                                  </p:stCondLst>
+                                  <p:childTnLst>
+                                    <p:set>
+                                      <p:cBhvr>
+                                        <p:cTn id="30" dur="1" fill="hold">
+                                          <p:stCondLst>
+                                            <p:cond delay="0"/>
+                                          </p:stCondLst>
+                                        </p:cTn>
+                                        <p:tgtEl>
+                                          <p:spTgt spid="11"/>
+                                        </p:tgtEl>
+                                        <p:attrNameLst>
+                                          <p:attrName>style.visibility</p:attrName>
+                                        </p:attrNameLst>
+                                      </p:cBhvr>
+                                      <p:to>
+                                        <p:strVal val="visible"/>
+                                      </p:to>
+                                    </p:set>
+                                    <p:anim calcmode="lin" valueType="num">
+                                      <p:cBhvr>
+                                        <p:cTn id="31" dur="1500" fill="hold"/>
+                                        <p:tgtEl>
+                                          <p:spTgt spid="11"/>
+                                        </p:tgtEl>
+                                        <p:attrNameLst>
+                                          <p:attrName>ppt_w</p:attrName>
+                                        </p:attrNameLst>
+                                      </p:cBhvr>
+                                      <p:tavLst>
+                                        <p:tav tm="0">
+                                          <p:val>
+                                            <p:fltVal val="0"/>
+                                          </p:val>
+                                        </p:tav>
+                                        <p:tav tm="100000">
+                                          <p:val>
+                                            <p:strVal val="#ppt_w"/>
+                                          </p:val>
+                                        </p:tav>
+                                      </p:tavLst>
+                                    </p:anim>
+                                    <p:anim calcmode="lin" valueType="num">
+                                      <p:cBhvr>
+                                        <p:cTn id="32" dur="1500" fill="hold"/>
+                                        <p:tgtEl>
+                                          <p:spTgt spid="11"/>
+                                        </p:tgtEl>
+                                        <p:attrNameLst>
+                                          <p:attrName>ppt_h</p:attrName>
+                                        </p:attrNameLst>
+                                      </p:cBhvr>
+                                      <p:tavLst>
+                                        <p:tav tm="0">
+                                          <p:val>
+                                            <p:fltVal val="0"/>
+                                          </p:val>
+                                        </p:tav>
+                                        <p:tav tm="100000">
+                                          <p:val>
+                                            <p:strVal val="#ppt_h"/>
+                                          </p:val>
+                                        </p:tav>
+                                      </p:tavLst>
+                                    </p:anim>
+                                    <p:animEffect transition="in" filter="fade">
+                                      <p:cBhvr>
+                                        <p:cTn id="33" dur="1500"/>
+                                        <p:tgtEl>
+                                          <p:spTgt spid="11"/>
+                                        </p:tgtEl>
+                                      </p:cBhvr>
+                                    </p:animEffect>
+                                  </p:childTnLst>
+                                </p:cTn>
+                              </p:par>
+                              <p:par>
+                                <p:cTn id="34" presetID="53" presetClass="entr" presetSubtype="16" fill="hold" nodeType="withEffect">
+                                  <p:stCondLst>
+                                    <p:cond delay="3000"/>
+                                  </p:stCondLst>
+                                  <p:childTnLst>
+                                    <p:set>
+                                      <p:cBhvr>
+                                        <p:cTn id="35" dur="1" fill="hold">
+                                          <p:stCondLst>
+                                            <p:cond delay="0"/>
+                                          </p:stCondLst>
+                                        </p:cTn>
+                                        <p:tgtEl>
+                                          <p:spTgt spid="15"/>
+                                        </p:tgtEl>
+                                        <p:attrNameLst>
+                                          <p:attrName>style.visibility</p:attrName>
+                                        </p:attrNameLst>
+                                      </p:cBhvr>
+                                      <p:to>
+                                        <p:strVal val="visible"/>
+                                      </p:to>
+                                    </p:set>
+                                    <p:anim calcmode="lin" valueType="num">
+                                      <p:cBhvr>
+                                        <p:cTn id="36" dur="1500" fill="hold"/>
+                                        <p:tgtEl>
+                                          <p:spTgt spid="15"/>
+                                        </p:tgtEl>
+                                        <p:attrNameLst>
+                                          <p:attrName>ppt_w</p:attrName>
+                                        </p:attrNameLst>
+                                      </p:cBhvr>
+                                      <p:tavLst>
+                                        <p:tav tm="0">
+                                          <p:val>
+                                            <p:fltVal val="0"/>
+                                          </p:val>
+                                        </p:tav>
+                                        <p:tav tm="100000">
+                                          <p:val>
+                                            <p:strVal val="#ppt_w"/>
+                                          </p:val>
+                                        </p:tav>
+                                      </p:tavLst>
+                                    </p:anim>
+                                    <p:anim calcmode="lin" valueType="num">
+                                      <p:cBhvr>
+                                        <p:cTn id="37" dur="1500" fill="hold"/>
+                                        <p:tgtEl>
+                                          <p:spTgt spid="15"/>
+                                        </p:tgtEl>
+                                        <p:attrNameLst>
+                                          <p:attrName>ppt_h</p:attrName>
+                                        </p:attrNameLst>
+                                      </p:cBhvr>
+                                      <p:tavLst>
+                                        <p:tav tm="0">
+                                          <p:val>
+                                            <p:fltVal val="0"/>
+                                          </p:val>
+                                        </p:tav>
+                                        <p:tav tm="100000">
+                                          <p:val>
+                                            <p:strVal val="#ppt_h"/>
+                                          </p:val>
+                                        </p:tav>
+                                      </p:tavLst>
+                                    </p:anim>
+                                    <p:animEffect transition="in" filter="fade">
+                                      <p:cBhvr>
+                                        <p:cTn id="38" dur="1500"/>
+                                        <p:tgtEl>
+                                          <p:spTgt spid="15"/>
+                                        </p:tgtEl>
+                                      </p:cBhvr>
+                                    </p:animEffect>
+                                  </p:childTnLst>
+                                </p:cTn>
+                              </p:par>
+                            </p:childTnLst>
+                          </p:cTn>
+                        </p:par>
+                      </p:childTnLst>
+                    </p:cTn>
+                  </p:par>
+                  <p:par>
+                    <p:cTn id="39" fill="hold">
+                      <p:stCondLst>
+                        <p:cond delay="indefinite"/>
+                      </p:stCondLst>
+                      <p:childTnLst>
+                        <p:par>
+                          <p:cTn id="40" fill="hold">
+                            <p:stCondLst>
+                              <p:cond delay="0"/>
+                            </p:stCondLst>
+                            <p:childTnLst>
+                              <p:par>
+                                <p:cTn id="41" presetID="10" presetClass="entr" presetSubtype="0" fill="hold" nodeType="clickEffect">
+                                  <p:stCondLst>
+                                    <p:cond delay="0"/>
+                                  </p:stCondLst>
+                                  <p:childTnLst>
+                                    <p:set>
+                                      <p:cBhvr>
+                                        <p:cTn id="42" dur="1" fill="hold">
+                                          <p:stCondLst>
+                                            <p:cond delay="0"/>
+                                          </p:stCondLst>
+                                        </p:cTn>
+                                        <p:tgtEl>
+                                          <p:spTgt spid="4">
+                                            <p:txEl>
+                                              <p:pRg st="2" end="2"/>
+                                            </p:txEl>
+                                          </p:spTgt>
+                                        </p:tgtEl>
+                                        <p:attrNameLst>
+                                          <p:attrName>style.visibility</p:attrName>
+                                        </p:attrNameLst>
+                                      </p:cBhvr>
+                                      <p:to>
+                                        <p:strVal val="visible"/>
+                                      </p:to>
+                                    </p:set>
+                                    <p:animEffect transition="in" filter="fade">
+                                      <p:cBhvr>
+                                        <p:cTn id="43" dur="500"/>
+                                        <p:tgtEl>
+                                          <p:spTgt spid="4">
+                                            <p:txEl>
+                                              <p:pRg st="2" end="2"/>
+                                            </p:txEl>
+                                          </p:spTgt>
+                                        </p:tgtEl>
+                                      </p:cBhvr>
+                                    </p:animEffect>
+                                  </p:childTnLst>
+                                </p:cTn>
+                              </p:par>
+                              <p:par>
+                                <p:cTn id="44" presetID="10" presetClass="exit" presetSubtype="0" fill="hold" nodeType="withEffect">
+                                  <p:stCondLst>
+                                    <p:cond delay="0"/>
+                                  </p:stCondLst>
+                                  <p:childTnLst>
+                                    <p:animEffect transition="out" filter="fade">
+                                      <p:cBhvr>
+                                        <p:cTn id="45" dur="500"/>
+                                        <p:tgtEl>
+                                          <p:spTgt spid="13"/>
+                                        </p:tgtEl>
+                                      </p:cBhvr>
+                                    </p:animEffect>
+                                    <p:set>
+                                      <p:cBhvr>
+                                        <p:cTn id="46" dur="1" fill="hold">
+                                          <p:stCondLst>
+                                            <p:cond delay="499"/>
+                                          </p:stCondLst>
+                                        </p:cTn>
+                                        <p:tgtEl>
+                                          <p:spTgt spid="13"/>
+                                        </p:tgtEl>
+                                        <p:attrNameLst>
+                                          <p:attrName>style.visibility</p:attrName>
+                                        </p:attrNameLst>
+                                      </p:cBhvr>
+                                      <p:to>
+                                        <p:strVal val="hidden"/>
+                                      </p:to>
+                                    </p:set>
+                                  </p:childTnLst>
+                                </p:cTn>
+                              </p:par>
+                              <p:par>
+                                <p:cTn id="47" presetID="10" presetClass="exit" presetSubtype="0" fill="hold" nodeType="withEffect">
+                                  <p:stCondLst>
+                                    <p:cond delay="0"/>
+                                  </p:stCondLst>
+                                  <p:childTnLst>
+                                    <p:animEffect transition="out" filter="fade">
+                                      <p:cBhvr>
+                                        <p:cTn id="48" dur="500"/>
+                                        <p:tgtEl>
+                                          <p:spTgt spid="11"/>
+                                        </p:tgtEl>
+                                      </p:cBhvr>
+                                    </p:animEffect>
+                                    <p:set>
+                                      <p:cBhvr>
+                                        <p:cTn id="49" dur="1" fill="hold">
+                                          <p:stCondLst>
+                                            <p:cond delay="499"/>
+                                          </p:stCondLst>
+                                        </p:cTn>
+                                        <p:tgtEl>
+                                          <p:spTgt spid="11"/>
+                                        </p:tgtEl>
+                                        <p:attrNameLst>
+                                          <p:attrName>style.visibility</p:attrName>
+                                        </p:attrNameLst>
+                                      </p:cBhvr>
+                                      <p:to>
+                                        <p:strVal val="hidden"/>
+                                      </p:to>
+                                    </p:set>
+                                  </p:childTnLst>
+                                </p:cTn>
+                              </p:par>
+                              <p:par>
+                                <p:cTn id="50" presetID="10" presetClass="exit" presetSubtype="0" fill="hold" nodeType="withEffect">
+                                  <p:stCondLst>
+                                    <p:cond delay="0"/>
+                                  </p:stCondLst>
+                                  <p:childTnLst>
+                                    <p:animEffect transition="out" filter="fade">
+                                      <p:cBhvr>
+                                        <p:cTn id="51" dur="500"/>
+                                        <p:tgtEl>
+                                          <p:spTgt spid="15"/>
+                                        </p:tgtEl>
+                                      </p:cBhvr>
+                                    </p:animEffect>
+                                    <p:set>
+                                      <p:cBhvr>
+                                        <p:cTn id="52" dur="1" fill="hold">
+                                          <p:stCondLst>
+                                            <p:cond delay="499"/>
+                                          </p:stCondLst>
+                                        </p:cTn>
+                                        <p:tgtEl>
+                                          <p:spTgt spid="15"/>
+                                        </p:tgtEl>
+                                        <p:attrNameLst>
+                                          <p:attrName>style.visibility</p:attrName>
+                                        </p:attrNameLst>
+                                      </p:cBhvr>
+                                      <p:to>
+                                        <p:strVal val="hidden"/>
+                                      </p:to>
+                                    </p:set>
+                                  </p:childTnLst>
+                                </p:cTn>
+                              </p:par>
+                              <p:par>
+                                <p:cTn id="53" presetID="10" presetClass="entr" presetSubtype="0" fill="hold" nodeType="withEffect">
+                                  <p:stCondLst>
+                                    <p:cond delay="0"/>
+                                  </p:stCondLst>
+                                  <p:childTnLst>
+                                    <p:set>
+                                      <p:cBhvr>
+                                        <p:cTn id="54" dur="1" fill="hold">
+                                          <p:stCondLst>
+                                            <p:cond delay="0"/>
+                                          </p:stCondLst>
+                                        </p:cTn>
+                                        <p:tgtEl>
+                                          <p:spTgt spid="17"/>
+                                        </p:tgtEl>
+                                        <p:attrNameLst>
+                                          <p:attrName>style.visibility</p:attrName>
+                                        </p:attrNameLst>
+                                      </p:cBhvr>
+                                      <p:to>
+                                        <p:strVal val="visible"/>
+                                      </p:to>
+                                    </p:set>
+                                    <p:animEffect transition="in" filter="fade">
+                                      <p:cBhvr>
+                                        <p:cTn id="55" dur="500"/>
+                                        <p:tgtEl>
+                                          <p:spTgt spid="17"/>
+                                        </p:tgtEl>
+                                      </p:cBhvr>
+                                    </p:animEffect>
+                                  </p:childTnLst>
+                                </p:cTn>
+                              </p:par>
+                            </p:childTnLst>
+                          </p:cTn>
+                        </p:par>
+                      </p:childTnLst>
+                    </p:cTn>
+                  </p:par>
+                  <p:par>
+                    <p:cTn id="56" fill="hold">
+                      <p:stCondLst>
+                        <p:cond delay="indefinite"/>
+                      </p:stCondLst>
+                      <p:childTnLst>
+                        <p:par>
+                          <p:cTn id="57" fill="hold">
+                            <p:stCondLst>
+                              <p:cond delay="0"/>
+                            </p:stCondLst>
+                            <p:childTnLst>
+                              <p:par>
+                                <p:cTn id="58" presetID="10" presetClass="entr" presetSubtype="0" fill="hold" nodeType="clickEffect">
+                                  <p:stCondLst>
+                                    <p:cond delay="0"/>
+                                  </p:stCondLst>
+                                  <p:childTnLst>
+                                    <p:set>
+                                      <p:cBhvr>
+                                        <p:cTn id="59" dur="1" fill="hold">
+                                          <p:stCondLst>
+                                            <p:cond delay="0"/>
+                                          </p:stCondLst>
+                                        </p:cTn>
+                                        <p:tgtEl>
+                                          <p:spTgt spid="4">
+                                            <p:txEl>
+                                              <p:pRg st="3" end="3"/>
+                                            </p:txEl>
+                                          </p:spTgt>
+                                        </p:tgtEl>
+                                        <p:attrNameLst>
+                                          <p:attrName>style.visibility</p:attrName>
+                                        </p:attrNameLst>
+                                      </p:cBhvr>
+                                      <p:to>
+                                        <p:strVal val="visible"/>
+                                      </p:to>
+                                    </p:set>
+                                    <p:animEffect transition="in" filter="fade">
+                                      <p:cBhvr>
+                                        <p:cTn id="60" dur="500"/>
+                                        <p:tgtEl>
+                                          <p:spTgt spid="4">
+                                            <p:txEl>
+                                              <p:pRg st="3" end="3"/>
+                                            </p:txEl>
+                                          </p:spTgt>
+                                        </p:tgtEl>
+                                      </p:cBhvr>
+                                    </p:animEffect>
+                                  </p:childTnLst>
+                                </p:cTn>
+                              </p:par>
+                              <p:par>
+                                <p:cTn id="61" presetID="10" presetClass="exit" presetSubtype="0" fill="hold" nodeType="withEffect">
+                                  <p:stCondLst>
+                                    <p:cond delay="0"/>
+                                  </p:stCondLst>
+                                  <p:childTnLst>
+                                    <p:animEffect transition="out" filter="fade">
+                                      <p:cBhvr>
+                                        <p:cTn id="62" dur="500"/>
+                                        <p:tgtEl>
+                                          <p:spTgt spid="17"/>
+                                        </p:tgtEl>
+                                      </p:cBhvr>
+                                    </p:animEffect>
+                                    <p:set>
+                                      <p:cBhvr>
+                                        <p:cTn id="63" dur="1" fill="hold">
+                                          <p:stCondLst>
+                                            <p:cond delay="499"/>
+                                          </p:stCondLst>
+                                        </p:cTn>
+                                        <p:tgtEl>
+                                          <p:spTgt spid="17"/>
+                                        </p:tgtEl>
+                                        <p:attrNameLst>
+                                          <p:attrName>style.visibility</p:attrName>
+                                        </p:attrNameLst>
+                                      </p:cBhvr>
+                                      <p:to>
+                                        <p:strVal val="hidden"/>
+                                      </p:to>
+                                    </p:set>
+                                  </p:childTnLst>
+                                </p:cTn>
+                              </p:par>
+                              <p:par>
+                                <p:cTn id="64" presetID="10" presetClass="entr" presetSubtype="0" fill="hold" nodeType="withEffect">
+                                  <p:stCondLst>
+                                    <p:cond delay="0"/>
+                                  </p:stCondLst>
+                                  <p:childTnLst>
+                                    <p:set>
+                                      <p:cBhvr>
+                                        <p:cTn id="65" dur="1" fill="hold">
+                                          <p:stCondLst>
+                                            <p:cond delay="0"/>
+                                          </p:stCondLst>
+                                        </p:cTn>
+                                        <p:tgtEl>
+                                          <p:spTgt spid="19"/>
+                                        </p:tgtEl>
+                                        <p:attrNameLst>
+                                          <p:attrName>style.visibility</p:attrName>
+                                        </p:attrNameLst>
+                                      </p:cBhvr>
+                                      <p:to>
+                                        <p:strVal val="visible"/>
+                                      </p:to>
+                                    </p:set>
+                                    <p:animEffect transition="in" filter="fade">
+                                      <p:cBhvr>
+                                        <p:cTn id="66" dur="500"/>
+                                        <p:tgtEl>
+                                          <p:spTgt spid="19"/>
+                                        </p:tgtEl>
+                                      </p:cBhvr>
+                                    </p:animEffect>
+                                  </p:childTnLst>
+                                </p:cTn>
+                              </p:par>
+                            </p:childTnLst>
+                          </p:cTn>
+                        </p:par>
+                      </p:childTnLst>
+                    </p:cTn>
+                  </p:par>
+                </p:childTnLst>
+              </p:cTn>
+              <p:prevCondLst>
+                <p:cond evt="onPrev" delay="0">
+                  <p:tgtEl>
+                    <p:sldTgt/>
+                  </p:tgtEl>
+                </p:cond>
+              </p:prevCondLst>
+              <p:nextCondLst>
+                <p:cond evt="onNext" delay="0">
+                  <p:tgtEl>
+                    <p:sldTgt/>
+                  </p:tgtEl>
+                </p:cond>
+              </p:nextCondLst>
+            </p:seq>
+          </p:childTnLst>
+        </p:cTn>
+      </p:par>
+    </p:tnLst>
+    <p:bldLst>
+      <p:bldP spid="3" grpId="0"/>
+    </p:bldLst>
+  </p:timing>
+</p:sld>
+</file>
+
+<file path=ppt/slides/slide9.xml><?xml version="1.0" encoding="utf-8"?>
+<p:sld xmlns:a="http://schemas.openxmlformats.org/drawingml/2006/main" xmlns:r="http://schemas.openxmlformats.org/officeDocument/2006/relationships" xmlns:p="http://schemas.openxmlformats.org/presentationml/2006/main">
+  <p:cSld>
+    <p:spTree>
+      <p:nvGrpSpPr>
+        <p:cNvPr id="1" name=""/>
+        <p:cNvGrpSpPr/>
+        <p:nvPr/>
+      </p:nvGrpSpPr>
+      <p:grpSpPr>
+        <a:xfrm>
+          <a:off x="0" y="0"/>
+          <a:ext cx="0" cy="0"/>
+          <a:chOff x="0" y="0"/>
+          <a:chExt cx="0" cy="0"/>
+        </a:xfrm>
+      </p:grpSpPr>
+      <p:pic>
+        <p:nvPicPr>
+          <p:cNvPr id="19" name="Picture 18">
+            <a:extLst>
+              <a:ext uri="{FF2B5EF4-FFF2-40B4-BE49-F238E27FC236}">
+                <a16:creationId xmlns:a16="http://schemas.microsoft.com/office/drawing/2014/main" id="{5B535D2A-EC69-DD9A-F39B-054E6D6A6FAD}"/>
+              </a:ext>
+            </a:extLst>
+          </p:cNvPr>
+          <p:cNvPicPr>
+            <a:picLocks noChangeAspect="1"/>
+          </p:cNvPicPr>
+          <p:nvPr/>
+        </p:nvPicPr>
+        <p:blipFill>
+          <a:blip r:embed="rId2"/>
+          <a:srcRect l="5250" t="5250" r="5516" b="5516"/>
+          <a:stretch/>
+        </p:blipFill>
+        <p:spPr>
+          <a:xfrm>
+            <a:off x="4756665" y="3032760"/>
+            <a:ext cx="2678668" cy="2678668"/>
+          </a:xfrm>
+          <a:prstGeom prst="rect">
+            <a:avLst/>
+          </a:prstGeom>
+        </p:spPr>
+      </p:pic>
+      <p:pic>
+        <p:nvPicPr>
+          <p:cNvPr id="17" name="Picture 16">
+            <a:extLst>
+              <a:ext uri="{FF2B5EF4-FFF2-40B4-BE49-F238E27FC236}">
+                <a16:creationId xmlns:a16="http://schemas.microsoft.com/office/drawing/2014/main" id="{7850DDF2-B824-DDC1-CEB6-1DA564934CB0}"/>
+              </a:ext>
+            </a:extLst>
+          </p:cNvPr>
+          <p:cNvPicPr>
+            <a:picLocks noChangeAspect="1"/>
+          </p:cNvPicPr>
+          <p:nvPr/>
+        </p:nvPicPr>
+        <p:blipFill>
+          <a:blip r:embed="rId3"/>
+          <a:srcRect l="3150" t="3150" r="2887" b="2887"/>
+          <a:stretch/>
+        </p:blipFill>
+        <p:spPr>
+          <a:xfrm>
+            <a:off x="791721" y="3032759"/>
+            <a:ext cx="2678669" cy="2678669"/>
+          </a:xfrm>
+          <a:prstGeom prst="rect">
+            <a:avLst/>
+          </a:prstGeom>
+        </p:spPr>
+      </p:pic>
+      <p:sp>
+        <p:nvSpPr>
+          <p:cNvPr id="2" name="Title 1">
+            <a:extLst>
+              <a:ext uri="{FF2B5EF4-FFF2-40B4-BE49-F238E27FC236}">
+                <a16:creationId xmlns:a16="http://schemas.microsoft.com/office/drawing/2014/main" id="{C0177574-D8E6-DED6-927B-BA96D200D032}"/>
+              </a:ext>
+            </a:extLst>
+          </p:cNvPr>
+          <p:cNvSpPr txBox="1">
+            <a:spLocks/>
+          </p:cNvSpPr>
+          <p:nvPr/>
+        </p:nvSpPr>
+        <p:spPr>
+          <a:xfrm>
+            <a:off x="3339880" y="479196"/>
+            <a:ext cx="5512235" cy="904173"/>
+          </a:xfrm>
+          <a:prstGeom prst="rect">
+            <a:avLst/>
+          </a:prstGeom>
+        </p:spPr>
+        <p:txBody>
+          <a:bodyPr>
+            <a:noAutofit/>
+          </a:bodyPr>
+          <a:lstStyle>
+            <a:defPPr>
+              <a:defRPr lang="en-US"/>
+            </a:defPPr>
+            <a:lvl1pPr defTabSz="914400">
+              <a:lnSpc>
+                <a:spcPct val="85000"/>
+              </a:lnSpc>
+              <a:spcBef>
+                <a:spcPct val="0"/>
+              </a:spcBef>
+              <a:buNone/>
+              <a:defRPr sz="4800" i="1" spc="-50" baseline="0">
+                <a:solidFill>
+                  <a:schemeClr val="tx1">
+                    <a:lumMod val="75000"/>
+                    <a:lumOff val="25000"/>
+                  </a:schemeClr>
+                </a:solidFill>
+                <a:latin typeface="Roboto Mono" panose="020F0502020204030204" pitchFamily="49" charset="0"/>
+                <a:ea typeface="Roboto Mono" panose="020F0502020204030204" pitchFamily="49" charset="0"/>
+                <a:cs typeface="Roboto Mono" panose="020F0502020204030204" pitchFamily="49" charset="0"/>
+              </a:defRPr>
+            </a:lvl1pPr>
+          </a:lstStyle>
+          <a:p>
+            <a:pPr algn="ctr"/>
+            <a:r>
+              <a:rPr lang="en-US" sz="8000" dirty="0"/>
+              <a:t>Thank You</a:t>
+            </a:r>
+            <a:endParaRPr lang="en-IN" sz="8000" dirty="0"/>
+          </a:p>
+        </p:txBody>
+      </p:sp>
+      <p:sp>
+        <p:nvSpPr>
+          <p:cNvPr id="3" name="TextBox 2">
+            <a:extLst>
+              <a:ext uri="{FF2B5EF4-FFF2-40B4-BE49-F238E27FC236}">
+                <a16:creationId xmlns:a16="http://schemas.microsoft.com/office/drawing/2014/main" id="{25620BD7-47F0-A1BE-0BC0-9A1E46869B45}"/>
+              </a:ext>
+            </a:extLst>
+          </p:cNvPr>
+          <p:cNvSpPr txBox="1"/>
+          <p:nvPr/>
+        </p:nvSpPr>
+        <p:spPr>
+          <a:xfrm>
+            <a:off x="0" y="6440129"/>
+            <a:ext cx="12192000" cy="369332"/>
+          </a:xfrm>
+          <a:prstGeom prst="rect">
+            <a:avLst/>
+          </a:prstGeom>
+          <a:noFill/>
+        </p:spPr>
+        <p:txBody>
+          <a:bodyPr wrap="square" rtlCol="0">
+            <a:spAutoFit/>
+          </a:bodyPr>
+          <a:lstStyle/>
+          <a:p>
+            <a:r>
+              <a:rPr lang="en-IN" dirty="0"/>
+              <a:t>	SICET					 				GitHub : </a:t>
+            </a:r>
+            <a:r>
+              <a:rPr lang="en-IN" dirty="0">
+                <a:hlinkClick r:id="rId4"/>
+              </a:rPr>
+              <a:t>MKGandhi05</a:t>
+            </a:r>
+            <a:r>
+              <a:rPr lang="en-IN" dirty="0"/>
+              <a:t>									  09</a:t>
+            </a:r>
+          </a:p>
+        </p:txBody>
+      </p:sp>
+      <p:pic>
+        <p:nvPicPr>
+          <p:cNvPr id="5" name="Picture 4">
+            <a:extLst>
+              <a:ext uri="{FF2B5EF4-FFF2-40B4-BE49-F238E27FC236}">
+                <a16:creationId xmlns:a16="http://schemas.microsoft.com/office/drawing/2014/main" id="{F8524925-4C3A-F2CF-5C3A-CB6DA9226767}"/>
+              </a:ext>
+            </a:extLst>
+          </p:cNvPr>
+          <p:cNvPicPr>
+            <a:picLocks noChangeAspect="1"/>
+          </p:cNvPicPr>
+          <p:nvPr/>
+        </p:nvPicPr>
+        <p:blipFill>
+          <a:blip r:embed="rId5"/>
+          <a:srcRect l="9477" t="34995" r="10323" b="34382"/>
+          <a:stretch/>
+        </p:blipFill>
+        <p:spPr>
+          <a:xfrm>
+            <a:off x="9013476" y="2244947"/>
+            <a:ext cx="2035524" cy="518134"/>
+          </a:xfrm>
+          <a:prstGeom prst="rect">
+            <a:avLst/>
+          </a:prstGeom>
+        </p:spPr>
+      </p:pic>
+      <p:pic>
+        <p:nvPicPr>
+          <p:cNvPr id="7" name="Picture 6">
+            <a:extLst>
+              <a:ext uri="{FF2B5EF4-FFF2-40B4-BE49-F238E27FC236}">
+                <a16:creationId xmlns:a16="http://schemas.microsoft.com/office/drawing/2014/main" id="{2F27B939-7041-CB47-C45D-B4E426EE8F7C}"/>
+              </a:ext>
+            </a:extLst>
+          </p:cNvPr>
+          <p:cNvPicPr>
+            <a:picLocks noChangeAspect="1"/>
+          </p:cNvPicPr>
+          <p:nvPr/>
+        </p:nvPicPr>
+        <p:blipFill>
+          <a:blip r:embed="rId6"/>
+          <a:stretch>
+            <a:fillRect/>
+          </a:stretch>
+        </p:blipFill>
+        <p:spPr>
+          <a:xfrm>
+            <a:off x="8691904" y="3032760"/>
+            <a:ext cx="2678668" cy="2678668"/>
+          </a:xfrm>
+          <a:prstGeom prst="rect">
+            <a:avLst/>
+          </a:prstGeom>
+        </p:spPr>
+      </p:pic>
+      <p:pic>
+        <p:nvPicPr>
+          <p:cNvPr id="9" name="Picture 8">
+            <a:extLst>
+              <a:ext uri="{FF2B5EF4-FFF2-40B4-BE49-F238E27FC236}">
+                <a16:creationId xmlns:a16="http://schemas.microsoft.com/office/drawing/2014/main" id="{E7F18CAA-E953-062E-C65C-EB327CFAE7DF}"/>
+              </a:ext>
+            </a:extLst>
+          </p:cNvPr>
+          <p:cNvPicPr>
+            <a:picLocks noChangeAspect="1"/>
+          </p:cNvPicPr>
+          <p:nvPr/>
+        </p:nvPicPr>
+        <p:blipFill>
+          <a:blip r:embed="rId7"/>
+          <a:srcRect l="11591" t="19272" r="11140" b="16625"/>
+          <a:stretch/>
+        </p:blipFill>
+        <p:spPr>
+          <a:xfrm>
+            <a:off x="4867902" y="2149033"/>
+            <a:ext cx="2456193" cy="614048"/>
+          </a:xfrm>
+          <a:prstGeom prst="rect">
+            <a:avLst/>
+          </a:prstGeom>
+        </p:spPr>
+      </p:pic>
+      <p:pic>
+        <p:nvPicPr>
+          <p:cNvPr id="13" name="Picture 12">
+            <a:extLst>
+              <a:ext uri="{FF2B5EF4-FFF2-40B4-BE49-F238E27FC236}">
+                <a16:creationId xmlns:a16="http://schemas.microsoft.com/office/drawing/2014/main" id="{5FD9C6AC-AD57-F2F1-D0EF-72FA43136A2F}"/>
+              </a:ext>
+            </a:extLst>
+          </p:cNvPr>
+          <p:cNvPicPr>
+            <a:picLocks noChangeAspect="1"/>
+          </p:cNvPicPr>
+          <p:nvPr/>
+        </p:nvPicPr>
+        <p:blipFill>
+          <a:blip r:embed="rId8"/>
+          <a:stretch>
+            <a:fillRect/>
+          </a:stretch>
+        </p:blipFill>
+        <p:spPr>
+          <a:xfrm>
+            <a:off x="743442" y="2199806"/>
+            <a:ext cx="2834640" cy="512502"/>
+          </a:xfrm>
+          <a:prstGeom prst="rect">
+            <a:avLst/>
+          </a:prstGeom>
+        </p:spPr>
+      </p:pic>
+    </p:spTree>
+    <p:extLst>
+      <p:ext uri="{BB962C8B-B14F-4D97-AF65-F5344CB8AC3E}">
+        <p14:creationId xmlns:p14="http://schemas.microsoft.com/office/powerpoint/2010/main" val="3418883693"/>
+      </p:ext>
+    </p:extLst>
+  </p:cSld>
+  <p:clrMapOvr>
+    <a:masterClrMapping/>
+  </p:clrMapOvr>
+  <p:timing>
+    <p:tnLst>
+      <p:par>
+        <p:cTn id="1" dur="indefinite" restart="never" nodeType="tmRoot">
+          <p:childTnLst>
+            <p:seq concurrent="1" nextAc="seek">
+              <p:cTn id="2" dur="indefinite" nodeType="mainSeq">
+                <p:childTnLst>
+                  <p:par>
+                    <p:cTn id="3" fill="hold">
+                      <p:stCondLst>
+                        <p:cond delay="indefinite"/>
+                        <p:cond evt="onBegin" delay="0">
+                          <p:tn val="2"/>
+                        </p:cond>
+                      </p:stCondLst>
+                      <p:childTnLst>
+                        <p:par>
+                          <p:cTn id="4" fill="hold">
+                            <p:stCondLst>
+                              <p:cond delay="0"/>
+                            </p:stCondLst>
+                            <p:childTnLst>
+                              <p:par>
+                                <p:cTn id="5" presetID="22" presetClass="entr" presetSubtype="8" fill="hold" grpId="0" nodeType="withEffect">
+                                  <p:stCondLst>
+                                    <p:cond delay="0"/>
+                                  </p:stCondLst>
+                                  <p:childTnLst>
+                                    <p:set>
+                                      <p:cBhvr>
+                                        <p:cTn id="6" dur="1" fill="hold">
+                                          <p:stCondLst>
+                                            <p:cond delay="0"/>
+                                          </p:stCondLst>
+                                        </p:cTn>
+                                        <p:tgtEl>
+                                          <p:spTgt spid="2"/>
+                                        </p:tgtEl>
+                                        <p:attrNameLst>
+                                          <p:attrName>style.visibility</p:attrName>
+                                        </p:attrNameLst>
+                                      </p:cBhvr>
+                                      <p:to>
+                                        <p:strVal val="visible"/>
+                                      </p:to>
+                                    </p:set>
+                                    <p:animEffect transition="in" filter="wipe(left)">
+                                      <p:cBhvr>
+                                        <p:cTn id="7" dur="2000"/>
+                                        <p:tgtEl>
+                                          <p:spTgt spid="2"/>
+                                        </p:tgtEl>
+                                      </p:cBhvr>
+                                    </p:animEffect>
+                                  </p:childTnLst>
+                                </p:cTn>
+                              </p:par>
+                              <p:par>
+                                <p:cTn id="8" presetID="1" presetClass="entr" presetSubtype="0" fill="hold" nodeType="withEffect">
+                                  <p:stCondLst>
+                                    <p:cond delay="0"/>
+                                  </p:stCondLst>
+                                  <p:childTnLst>
+                                    <p:set>
+                                      <p:cBhvr>
+                                        <p:cTn id="9" dur="1" fill="hold">
+                                          <p:stCondLst>
+                                            <p:cond delay="0"/>
+                                          </p:stCondLst>
+                                        </p:cTn>
+                                        <p:tgtEl>
+                                          <p:spTgt spid="2">
+                                            <p:txEl>
+                                              <p:pRg st="0" end="0"/>
+                                            </p:txEl>
+                                          </p:spTgt>
+                                        </p:tgtEl>
+                                        <p:attrNameLst>
+                                          <p:attrName>style.visibility</p:attrName>
+                                        </p:attrNameLst>
+                                      </p:cBhvr>
+                                      <p:to>
+                                        <p:strVal val="visible"/>
+                                      </p:to>
+                                    </p:set>
+                                  </p:childTnLst>
+                                </p:cTn>
+                              </p:par>
+                            </p:childTnLst>
+                          </p:cTn>
+                        </p:par>
+                      </p:childTnLst>
+                    </p:cTn>
+                  </p:par>
+                </p:childTnLst>
+              </p:cTn>
+              <p:prevCondLst>
+                <p:cond evt="onPrev" delay="0">
+                  <p:tgtEl>
+                    <p:sldTgt/>
+                  </p:tgtEl>
+                </p:cond>
+              </p:prevCondLst>
+              <p:nextCondLst>
+                <p:cond evt="onNext" delay="0">
+                  <p:tgtEl>
+                    <p:sldTgt/>
+                  </p:tgtEl>
+                </p:cond>
+              </p:nextCondLst>
+            </p:seq>
+          </p:childTnLst>
+        </p:cTn>
+      </p:par>
+    </p:tnLst>
+    <p:bldLst>
+      <p:bldP spid="2" grpId="0"/>
+    </p:bldLst>
+  </p:timing>
 </p:sld>
 </file>
 
